--- a/data/Presentation1.pptx
+++ b/data/Presentation1.pptx
@@ -8,6 +8,9 @@
     <p:sldId id="256" r:id="rId2"/>
     <p:sldId id="257" r:id="rId3"/>
     <p:sldId id="258" r:id="rId4"/>
+    <p:sldId id="259" r:id="rId5"/>
+    <p:sldId id="260" r:id="rId6"/>
+    <p:sldId id="261" r:id="rId7"/>
   </p:sldIdLst>
   <p:sldSz cx="12192000" cy="6858000"/>
   <p:notesSz cx="6858000" cy="9144000"/>
@@ -7008,7 +7011,7 @@
           <a:p>
             <a:r>
               <a:rPr lang="en-US" dirty="0" smtClean="0"/>
-              <a:t>Within the State borders of Texas and Colorado, in which subject should you attain a degree to fall within the highest salary range?</a:t>
+              <a:t>Within the State borders of Texas and Colorado, in which subject should you attain a degree to fall within the highest average salary range?</a:t>
             </a:r>
             <a:endParaRPr lang="en-US" dirty="0"/>
           </a:p>
@@ -7034,6 +7037,13 @@
             </a:r>
           </a:p>
           <a:p>
+            <a:pPr lvl="2"/>
+            <a:r>
+              <a:rPr lang="en-US" dirty="0" smtClean="0"/>
+              <a:t>Choosing a typically lower paid program at a different institution to potentially earn a higher average salary</a:t>
+            </a:r>
+          </a:p>
+          <a:p>
             <a:pPr lvl="1"/>
             <a:r>
               <a:rPr lang="en-US" dirty="0" smtClean="0"/>
@@ -7045,13 +7055,6 @@
             <a:r>
               <a:rPr lang="en-US" dirty="0" smtClean="0"/>
               <a:t>Potential contributing factors </a:t>
-            </a:r>
-          </a:p>
-          <a:p>
-            <a:pPr lvl="1"/>
-            <a:r>
-              <a:rPr lang="en-US" dirty="0" smtClean="0"/>
-              <a:t>What are the most volatile career paths?</a:t>
             </a:r>
           </a:p>
         </p:txBody>
@@ -7138,13 +7141,8 @@
             <a:pPr lvl="1"/>
             <a:r>
               <a:rPr lang="en-US" dirty="0" smtClean="0"/>
-              <a:t>For subject/earnings data that was not available for a certain institution, that row </a:t>
-            </a:r>
-            <a:r>
-              <a:rPr lang="en-US" smtClean="0"/>
-              <a:t>was removed. </a:t>
-            </a:r>
-            <a:endParaRPr lang="en-US" dirty="0" smtClean="0"/>
+              <a:t>For subject/earnings data that was not available for a certain institution, that row was removed. </a:t>
+            </a:r>
           </a:p>
           <a:p>
             <a:pPr lvl="1"/>
@@ -7176,6 +7174,13 @@
             <a:r>
               <a:rPr lang="en-US" dirty="0" smtClean="0"/>
               <a:t>Top 6 degree programs within Colorado, Texas and both states. </a:t>
+            </a:r>
+          </a:p>
+          <a:p>
+            <a:pPr lvl="2"/>
+            <a:r>
+              <a:rPr lang="en-US" dirty="0" smtClean="0"/>
+              <a:t>Use the average earnings for all cohort classes included in the data set. </a:t>
             </a:r>
             <a:endParaRPr lang="en-US" dirty="0"/>
           </a:p>
@@ -7185,6 +7190,286 @@
     <p:extLst>
       <p:ext uri="{BB962C8B-B14F-4D97-AF65-F5344CB8AC3E}">
         <p14:creationId xmlns:p14="http://schemas.microsoft.com/office/powerpoint/2010/main" val="1878978002"/>
+      </p:ext>
+    </p:extLst>
+  </p:cSld>
+  <p:clrMapOvr>
+    <a:masterClrMapping/>
+  </p:clrMapOvr>
+</p:sld>
+</file>
+
+<file path=ppt/slides/slide4.xml><?xml version="1.0" encoding="utf-8"?>
+<p:sld xmlns:a="http://schemas.openxmlformats.org/drawingml/2006/main" xmlns:r="http://schemas.openxmlformats.org/officeDocument/2006/relationships" xmlns:p="http://schemas.openxmlformats.org/presentationml/2006/main">
+  <p:cSld>
+    <p:spTree>
+      <p:nvGrpSpPr>
+        <p:cNvPr id="1" name=""/>
+        <p:cNvGrpSpPr/>
+        <p:nvPr/>
+      </p:nvGrpSpPr>
+      <p:grpSpPr>
+        <a:xfrm>
+          <a:off x="0" y="0"/>
+          <a:ext cx="0" cy="0"/>
+          <a:chOff x="0" y="0"/>
+          <a:chExt cx="0" cy="0"/>
+        </a:xfrm>
+      </p:grpSpPr>
+      <p:sp>
+        <p:nvSpPr>
+          <p:cNvPr id="2" name="Title 1"/>
+          <p:cNvSpPr>
+            <a:spLocks noGrp="1"/>
+          </p:cNvSpPr>
+          <p:nvPr>
+            <p:ph type="title"/>
+          </p:nvPr>
+        </p:nvSpPr>
+        <p:spPr/>
+        <p:txBody>
+          <a:bodyPr/>
+          <a:lstStyle/>
+          <a:p>
+            <a:r>
+              <a:rPr lang="en-US" dirty="0" smtClean="0"/>
+              <a:t>Data analysis and clean up </a:t>
+            </a:r>
+            <a:br>
+              <a:rPr lang="en-US" dirty="0" smtClean="0"/>
+            </a:br>
+            <a:endParaRPr lang="en-US" dirty="0"/>
+          </a:p>
+        </p:txBody>
+      </p:sp>
+      <p:sp>
+        <p:nvSpPr>
+          <p:cNvPr id="3" name="Content Placeholder 2"/>
+          <p:cNvSpPr>
+            <a:spLocks noGrp="1"/>
+          </p:cNvSpPr>
+          <p:nvPr>
+            <p:ph idx="1"/>
+          </p:nvPr>
+        </p:nvSpPr>
+        <p:spPr/>
+        <p:txBody>
+          <a:bodyPr/>
+          <a:lstStyle/>
+          <a:p>
+            <a:r>
+              <a:rPr lang="en-US" dirty="0" smtClean="0"/>
+              <a:t>Data exploration: </a:t>
+            </a:r>
+          </a:p>
+          <a:p>
+            <a:pPr lvl="1"/>
+            <a:r>
+              <a:rPr lang="en-US" dirty="0" smtClean="0"/>
+              <a:t>Using pandas to clean up data and place into data frames</a:t>
+            </a:r>
+          </a:p>
+          <a:p>
+            <a:pPr lvl="2"/>
+            <a:r>
+              <a:rPr lang="en-US" dirty="0" smtClean="0"/>
+              <a:t>Removing null values </a:t>
+            </a:r>
+            <a:endParaRPr lang="en-US" dirty="0"/>
+          </a:p>
+          <a:p>
+            <a:pPr lvl="2"/>
+            <a:r>
+              <a:rPr lang="en-US" dirty="0" smtClean="0"/>
+              <a:t>Using the average of percentile earnings to simplify data </a:t>
+            </a:r>
+          </a:p>
+          <a:p>
+            <a:pPr lvl="2"/>
+            <a:r>
+              <a:rPr lang="en-US" dirty="0" smtClean="0"/>
+              <a:t>Grouping by state</a:t>
+            </a:r>
+          </a:p>
+          <a:p>
+            <a:pPr lvl="2"/>
+            <a:r>
+              <a:rPr lang="en-US" dirty="0" smtClean="0"/>
+              <a:t>Grouping by average </a:t>
+            </a:r>
+            <a:r>
+              <a:rPr lang="en-US" dirty="0"/>
+              <a:t>e</a:t>
+            </a:r>
+            <a:r>
+              <a:rPr lang="en-US" dirty="0" smtClean="0"/>
+              <a:t>arnings </a:t>
+            </a:r>
+          </a:p>
+          <a:p>
+            <a:pPr lvl="2"/>
+            <a:r>
+              <a:rPr lang="en-US" dirty="0" smtClean="0"/>
+              <a:t>Grouping by years after graduation (1, 5, 10) </a:t>
+            </a:r>
+          </a:p>
+          <a:p>
+            <a:pPr lvl="2"/>
+            <a:r>
+              <a:rPr lang="en-US" dirty="0" smtClean="0"/>
+              <a:t>Grouping by educational level </a:t>
+            </a:r>
+          </a:p>
+        </p:txBody>
+      </p:sp>
+    </p:spTree>
+    <p:extLst>
+      <p:ext uri="{BB962C8B-B14F-4D97-AF65-F5344CB8AC3E}">
+        <p14:creationId xmlns:p14="http://schemas.microsoft.com/office/powerpoint/2010/main" val="1247017058"/>
+      </p:ext>
+    </p:extLst>
+  </p:cSld>
+  <p:clrMapOvr>
+    <a:masterClrMapping/>
+  </p:clrMapOvr>
+</p:sld>
+</file>
+
+<file path=ppt/slides/slide5.xml><?xml version="1.0" encoding="utf-8"?>
+<p:sld xmlns:a="http://schemas.openxmlformats.org/drawingml/2006/main" xmlns:r="http://schemas.openxmlformats.org/officeDocument/2006/relationships" xmlns:p="http://schemas.openxmlformats.org/presentationml/2006/main">
+  <p:cSld>
+    <p:spTree>
+      <p:nvGrpSpPr>
+        <p:cNvPr id="1" name=""/>
+        <p:cNvGrpSpPr/>
+        <p:nvPr/>
+      </p:nvGrpSpPr>
+      <p:grpSpPr>
+        <a:xfrm>
+          <a:off x="0" y="0"/>
+          <a:ext cx="0" cy="0"/>
+          <a:chOff x="0" y="0"/>
+          <a:chExt cx="0" cy="0"/>
+        </a:xfrm>
+      </p:grpSpPr>
+      <p:sp>
+        <p:nvSpPr>
+          <p:cNvPr id="2" name="Title 1"/>
+          <p:cNvSpPr>
+            <a:spLocks noGrp="1"/>
+          </p:cNvSpPr>
+          <p:nvPr>
+            <p:ph type="title"/>
+          </p:nvPr>
+        </p:nvSpPr>
+        <p:spPr/>
+        <p:txBody>
+          <a:bodyPr/>
+          <a:lstStyle/>
+          <a:p>
+            <a:r>
+              <a:rPr lang="en-US" dirty="0" smtClean="0"/>
+              <a:t>Conclusion</a:t>
+            </a:r>
+            <a:endParaRPr lang="en-US" dirty="0"/>
+          </a:p>
+        </p:txBody>
+      </p:sp>
+      <p:sp>
+        <p:nvSpPr>
+          <p:cNvPr id="3" name="Content Placeholder 2"/>
+          <p:cNvSpPr>
+            <a:spLocks noGrp="1"/>
+          </p:cNvSpPr>
+          <p:nvPr>
+            <p:ph idx="1"/>
+          </p:nvPr>
+        </p:nvSpPr>
+        <p:spPr/>
+        <p:txBody>
+          <a:bodyPr/>
+          <a:lstStyle/>
+          <a:p>
+            <a:endParaRPr lang="en-US" dirty="0"/>
+          </a:p>
+        </p:txBody>
+      </p:sp>
+    </p:spTree>
+    <p:extLst>
+      <p:ext uri="{BB962C8B-B14F-4D97-AF65-F5344CB8AC3E}">
+        <p14:creationId xmlns:p14="http://schemas.microsoft.com/office/powerpoint/2010/main" val="1914101582"/>
+      </p:ext>
+    </p:extLst>
+  </p:cSld>
+  <p:clrMapOvr>
+    <a:masterClrMapping/>
+  </p:clrMapOvr>
+</p:sld>
+</file>
+
+<file path=ppt/slides/slide6.xml><?xml version="1.0" encoding="utf-8"?>
+<p:sld xmlns:a="http://schemas.openxmlformats.org/drawingml/2006/main" xmlns:r="http://schemas.openxmlformats.org/officeDocument/2006/relationships" xmlns:p="http://schemas.openxmlformats.org/presentationml/2006/main">
+  <p:cSld>
+    <p:spTree>
+      <p:nvGrpSpPr>
+        <p:cNvPr id="1" name=""/>
+        <p:cNvGrpSpPr/>
+        <p:nvPr/>
+      </p:nvGrpSpPr>
+      <p:grpSpPr>
+        <a:xfrm>
+          <a:off x="0" y="0"/>
+          <a:ext cx="0" cy="0"/>
+          <a:chOff x="0" y="0"/>
+          <a:chExt cx="0" cy="0"/>
+        </a:xfrm>
+      </p:grpSpPr>
+      <p:sp>
+        <p:nvSpPr>
+          <p:cNvPr id="2" name="Title 1"/>
+          <p:cNvSpPr>
+            <a:spLocks noGrp="1"/>
+          </p:cNvSpPr>
+          <p:nvPr>
+            <p:ph type="title"/>
+          </p:nvPr>
+        </p:nvSpPr>
+        <p:spPr/>
+        <p:txBody>
+          <a:bodyPr/>
+          <a:lstStyle/>
+          <a:p>
+            <a:r>
+              <a:rPr lang="en-US" dirty="0" smtClean="0"/>
+              <a:t>Implications</a:t>
+            </a:r>
+            <a:endParaRPr lang="en-US" dirty="0"/>
+          </a:p>
+        </p:txBody>
+      </p:sp>
+      <p:sp>
+        <p:nvSpPr>
+          <p:cNvPr id="3" name="Content Placeholder 2"/>
+          <p:cNvSpPr>
+            <a:spLocks noGrp="1"/>
+          </p:cNvSpPr>
+          <p:nvPr>
+            <p:ph idx="1"/>
+          </p:nvPr>
+        </p:nvSpPr>
+        <p:spPr/>
+        <p:txBody>
+          <a:bodyPr/>
+          <a:lstStyle/>
+          <a:p>
+            <a:endParaRPr lang="en-US"/>
+          </a:p>
+        </p:txBody>
+      </p:sp>
+    </p:spTree>
+    <p:extLst>
+      <p:ext uri="{BB962C8B-B14F-4D97-AF65-F5344CB8AC3E}">
+        <p14:creationId xmlns:p14="http://schemas.microsoft.com/office/powerpoint/2010/main" val="1628824119"/>
       </p:ext>
     </p:extLst>
   </p:cSld>

--- a/data/Presentation1.pptx
+++ b/data/Presentation1.pptx
@@ -1339,7 +1339,7 @@
           <a:p>
             <a:fld id="{83284890-85D2-4D7B-8EF5-15A9C1DB8F42}" type="datetimeFigureOut">
               <a:rPr lang="en-US" smtClean="0"/>
-              <a:t>1/17/19</a:t>
+              <a:t>1/23/19</a:t>
             </a:fld>
             <a:endParaRPr lang="en-US"/>
           </a:p>
@@ -1578,7 +1578,7 @@
           <a:p>
             <a:fld id="{87157CC2-0FC8-4686-B024-99790E0F5162}" type="datetimeFigureOut">
               <a:rPr lang="en-US" smtClean="0"/>
-              <a:t>1/17/19</a:t>
+              <a:t>1/23/19</a:t>
             </a:fld>
             <a:endParaRPr lang="en-US"/>
           </a:p>
@@ -1758,7 +1758,7 @@
           <a:p>
             <a:fld id="{F6764DA5-CD3D-4590-A511-FCD3BC7A793E}" type="datetimeFigureOut">
               <a:rPr lang="en-US" smtClean="0"/>
-              <a:t>1/17/19</a:t>
+              <a:t>1/23/19</a:t>
             </a:fld>
             <a:endParaRPr lang="en-US"/>
           </a:p>
@@ -1928,7 +1928,7 @@
           <a:p>
             <a:fld id="{82F5661D-6934-4B32-B92C-470368BF1EC6}" type="datetimeFigureOut">
               <a:rPr lang="en-US" smtClean="0"/>
-              <a:t>1/17/19</a:t>
+              <a:t>1/23/19</a:t>
             </a:fld>
             <a:endParaRPr lang="en-US"/>
           </a:p>
@@ -2204,7 +2204,7 @@
           <a:p>
             <a:fld id="{C6F822A4-8DA6-4447-9B1F-C5DB58435268}" type="datetimeFigureOut">
               <a:rPr lang="en-US" smtClean="0"/>
-              <a:t>1/17/19</a:t>
+              <a:t>1/23/19</a:t>
             </a:fld>
             <a:endParaRPr lang="en-US" dirty="0"/>
           </a:p>
@@ -3406,7 +3406,7 @@
           <a:p>
             <a:fld id="{E548D31E-DCDA-41A7-9C67-C4B11B94D21D}" type="datetimeFigureOut">
               <a:rPr lang="en-US" smtClean="0"/>
-              <a:t>1/17/19</a:t>
+              <a:t>1/23/19</a:t>
             </a:fld>
             <a:endParaRPr lang="en-US"/>
           </a:p>
@@ -3796,7 +3796,7 @@
           <a:p>
             <a:fld id="{9B3762C0-B258-48F1-ADE6-176B4174CCDD}" type="datetimeFigureOut">
               <a:rPr lang="en-US" smtClean="0"/>
-              <a:t>1/17/19</a:t>
+              <a:t>1/23/19</a:t>
             </a:fld>
             <a:endParaRPr lang="en-US"/>
           </a:p>
@@ -3919,7 +3919,7 @@
           <a:p>
             <a:fld id="{677919A6-33EB-49BD-A62F-1FA56B9F9712}" type="datetimeFigureOut">
               <a:rPr lang="en-US" smtClean="0"/>
-              <a:t>1/17/19</a:t>
+              <a:t>1/23/19</a:t>
             </a:fld>
             <a:endParaRPr lang="en-US"/>
           </a:p>
@@ -4014,7 +4014,7 @@
           <a:p>
             <a:fld id="{CA4E7D1B-D673-4CF6-8672-009D42ABD2A0}" type="datetimeFigureOut">
               <a:rPr lang="en-US" smtClean="0"/>
-              <a:t>1/17/19</a:t>
+              <a:t>1/23/19</a:t>
             </a:fld>
             <a:endParaRPr lang="en-US"/>
           </a:p>
@@ -4777,7 +4777,7 @@
           <a:p>
             <a:fld id="{DA16AA21-1863-4931-97CB-99D0A168701B}" type="datetimeFigureOut">
               <a:rPr lang="en-US" smtClean="0"/>
-              <a:t>1/17/19</a:t>
+              <a:t>1/23/19</a:t>
             </a:fld>
             <a:endParaRPr lang="en-US"/>
           </a:p>
@@ -5617,7 +5617,7 @@
           <a:p>
             <a:fld id="{3772C379-9A7C-4C87-A116-CBE9F58B04C5}" type="datetimeFigureOut">
               <a:rPr lang="en-US" smtClean="0"/>
-              <a:t>1/17/19</a:t>
+              <a:t>1/23/19</a:t>
             </a:fld>
             <a:endParaRPr lang="en-US"/>
           </a:p>
@@ -5844,7 +5844,7 @@
           <a:p>
             <a:fld id="{8664C608-40B1-4030-A28D-5B74BC98ADCE}" type="datetimeFigureOut">
               <a:rPr lang="en-US" smtClean="0"/>
-              <a:t>1/17/19</a:t>
+              <a:t>1/23/19</a:t>
             </a:fld>
             <a:endParaRPr lang="en-US" dirty="0"/>
           </a:p>

--- a/data/Presentation1.pptx
+++ b/data/Presentation1.pptx
@@ -9,8 +9,11 @@
     <p:sldId id="257" r:id="rId3"/>
     <p:sldId id="258" r:id="rId4"/>
     <p:sldId id="259" r:id="rId5"/>
-    <p:sldId id="260" r:id="rId6"/>
-    <p:sldId id="261" r:id="rId7"/>
+    <p:sldId id="262" r:id="rId6"/>
+    <p:sldId id="263" r:id="rId7"/>
+    <p:sldId id="264" r:id="rId8"/>
+    <p:sldId id="260" r:id="rId9"/>
+    <p:sldId id="261" r:id="rId10"/>
   </p:sldIdLst>
   <p:sldSz cx="12192000" cy="6858000"/>
   <p:notesSz cx="6858000" cy="9144000"/>
@@ -7369,6 +7372,342 @@
           <a:p>
             <a:r>
               <a:rPr lang="en-US" dirty="0" smtClean="0"/>
+              <a:t>Earnings by bachelors</a:t>
+            </a:r>
+            <a:endParaRPr lang="en-US" dirty="0"/>
+          </a:p>
+        </p:txBody>
+      </p:sp>
+      <p:pic>
+        <p:nvPicPr>
+          <p:cNvPr id="8" name="Content Placeholder 7"/>
+          <p:cNvPicPr>
+            <a:picLocks noGrp="1" noChangeAspect="1"/>
+          </p:cNvPicPr>
+          <p:nvPr>
+            <p:ph idx="1"/>
+          </p:nvPr>
+        </p:nvPicPr>
+        <p:blipFill>
+          <a:blip r:embed="rId2">
+            <a:extLst>
+              <a:ext uri="{28A0092B-C50C-407E-A947-70E740481C1C}">
+                <a14:useLocalDpi xmlns:a14="http://schemas.microsoft.com/office/drawing/2010/main" val="0"/>
+              </a:ext>
+            </a:extLst>
+          </a:blip>
+          <a:stretch>
+            <a:fillRect/>
+          </a:stretch>
+        </p:blipFill>
+        <p:spPr>
+          <a:xfrm>
+            <a:off x="1077142" y="1543050"/>
+            <a:ext cx="4394971" cy="4630226"/>
+          </a:xfrm>
+        </p:spPr>
+      </p:pic>
+      <p:pic>
+        <p:nvPicPr>
+          <p:cNvPr id="9" name="Picture 8"/>
+          <p:cNvPicPr>
+            <a:picLocks noChangeAspect="1"/>
+          </p:cNvPicPr>
+          <p:nvPr/>
+        </p:nvPicPr>
+        <p:blipFill>
+          <a:blip r:embed="rId3">
+            <a:extLst>
+              <a:ext uri="{28A0092B-C50C-407E-A947-70E740481C1C}">
+                <a14:useLocalDpi xmlns:a14="http://schemas.microsoft.com/office/drawing/2010/main" val="0"/>
+              </a:ext>
+            </a:extLst>
+          </a:blip>
+          <a:stretch>
+            <a:fillRect/>
+          </a:stretch>
+        </p:blipFill>
+        <p:spPr>
+          <a:xfrm>
+            <a:off x="5646649" y="1464325"/>
+            <a:ext cx="5045164" cy="4959237"/>
+          </a:xfrm>
+          <a:prstGeom prst="rect">
+            <a:avLst/>
+          </a:prstGeom>
+        </p:spPr>
+      </p:pic>
+    </p:spTree>
+    <p:extLst>
+      <p:ext uri="{BB962C8B-B14F-4D97-AF65-F5344CB8AC3E}">
+        <p14:creationId xmlns:p14="http://schemas.microsoft.com/office/powerpoint/2010/main" val="39956458"/>
+      </p:ext>
+    </p:extLst>
+  </p:cSld>
+  <p:clrMapOvr>
+    <a:masterClrMapping/>
+  </p:clrMapOvr>
+</p:sld>
+</file>
+
+<file path=ppt/slides/slide6.xml><?xml version="1.0" encoding="utf-8"?>
+<p:sld xmlns:a="http://schemas.openxmlformats.org/drawingml/2006/main" xmlns:r="http://schemas.openxmlformats.org/officeDocument/2006/relationships" xmlns:p="http://schemas.openxmlformats.org/presentationml/2006/main">
+  <p:cSld>
+    <p:spTree>
+      <p:nvGrpSpPr>
+        <p:cNvPr id="1" name=""/>
+        <p:cNvGrpSpPr/>
+        <p:nvPr/>
+      </p:nvGrpSpPr>
+      <p:grpSpPr>
+        <a:xfrm>
+          <a:off x="0" y="0"/>
+          <a:ext cx="0" cy="0"/>
+          <a:chOff x="0" y="0"/>
+          <a:chExt cx="0" cy="0"/>
+        </a:xfrm>
+      </p:grpSpPr>
+      <p:sp>
+        <p:nvSpPr>
+          <p:cNvPr id="2" name="Title 1"/>
+          <p:cNvSpPr>
+            <a:spLocks noGrp="1"/>
+          </p:cNvSpPr>
+          <p:nvPr>
+            <p:ph type="title"/>
+          </p:nvPr>
+        </p:nvSpPr>
+        <p:spPr/>
+        <p:txBody>
+          <a:bodyPr/>
+          <a:lstStyle/>
+          <a:p>
+            <a:r>
+              <a:rPr lang="en-US" dirty="0" smtClean="0"/>
+              <a:t>Earnings by Masters</a:t>
+            </a:r>
+            <a:endParaRPr lang="en-US" dirty="0"/>
+          </a:p>
+        </p:txBody>
+      </p:sp>
+      <p:pic>
+        <p:nvPicPr>
+          <p:cNvPr id="4" name="Content Placeholder 3"/>
+          <p:cNvPicPr>
+            <a:picLocks noGrp="1" noChangeAspect="1"/>
+          </p:cNvPicPr>
+          <p:nvPr>
+            <p:ph idx="1"/>
+          </p:nvPr>
+        </p:nvPicPr>
+        <p:blipFill>
+          <a:blip r:embed="rId2">
+            <a:extLst>
+              <a:ext uri="{28A0092B-C50C-407E-A947-70E740481C1C}">
+                <a14:useLocalDpi xmlns:a14="http://schemas.microsoft.com/office/drawing/2010/main" val="0"/>
+              </a:ext>
+            </a:extLst>
+          </a:blip>
+          <a:stretch>
+            <a:fillRect/>
+          </a:stretch>
+        </p:blipFill>
+        <p:spPr>
+          <a:xfrm>
+            <a:off x="1251677" y="1457324"/>
+            <a:ext cx="4849085" cy="5262026"/>
+          </a:xfrm>
+        </p:spPr>
+      </p:pic>
+      <p:pic>
+        <p:nvPicPr>
+          <p:cNvPr id="5" name="Picture 4"/>
+          <p:cNvPicPr>
+            <a:picLocks noChangeAspect="1"/>
+          </p:cNvPicPr>
+          <p:nvPr/>
+        </p:nvPicPr>
+        <p:blipFill>
+          <a:blip r:embed="rId3">
+            <a:extLst>
+              <a:ext uri="{28A0092B-C50C-407E-A947-70E740481C1C}">
+                <a14:useLocalDpi xmlns:a14="http://schemas.microsoft.com/office/drawing/2010/main" val="0"/>
+              </a:ext>
+            </a:extLst>
+          </a:blip>
+          <a:stretch>
+            <a:fillRect/>
+          </a:stretch>
+        </p:blipFill>
+        <p:spPr>
+          <a:xfrm>
+            <a:off x="6100762" y="1344612"/>
+            <a:ext cx="5219700" cy="5041900"/>
+          </a:xfrm>
+          <a:prstGeom prst="rect">
+            <a:avLst/>
+          </a:prstGeom>
+        </p:spPr>
+      </p:pic>
+    </p:spTree>
+    <p:extLst>
+      <p:ext uri="{BB962C8B-B14F-4D97-AF65-F5344CB8AC3E}">
+        <p14:creationId xmlns:p14="http://schemas.microsoft.com/office/powerpoint/2010/main" val="1018544084"/>
+      </p:ext>
+    </p:extLst>
+  </p:cSld>
+  <p:clrMapOvr>
+    <a:masterClrMapping/>
+  </p:clrMapOvr>
+</p:sld>
+</file>
+
+<file path=ppt/slides/slide7.xml><?xml version="1.0" encoding="utf-8"?>
+<p:sld xmlns:a="http://schemas.openxmlformats.org/drawingml/2006/main" xmlns:r="http://schemas.openxmlformats.org/officeDocument/2006/relationships" xmlns:p="http://schemas.openxmlformats.org/presentationml/2006/main">
+  <p:cSld>
+    <p:spTree>
+      <p:nvGrpSpPr>
+        <p:cNvPr id="1" name=""/>
+        <p:cNvGrpSpPr/>
+        <p:nvPr/>
+      </p:nvGrpSpPr>
+      <p:grpSpPr>
+        <a:xfrm>
+          <a:off x="0" y="0"/>
+          <a:ext cx="0" cy="0"/>
+          <a:chOff x="0" y="0"/>
+          <a:chExt cx="0" cy="0"/>
+        </a:xfrm>
+      </p:grpSpPr>
+      <p:sp>
+        <p:nvSpPr>
+          <p:cNvPr id="2" name="Title 1"/>
+          <p:cNvSpPr>
+            <a:spLocks noGrp="1"/>
+          </p:cNvSpPr>
+          <p:nvPr>
+            <p:ph type="title"/>
+          </p:nvPr>
+        </p:nvSpPr>
+        <p:spPr/>
+        <p:txBody>
+          <a:bodyPr/>
+          <a:lstStyle/>
+          <a:p>
+            <a:r>
+              <a:rPr lang="en-US" dirty="0" smtClean="0"/>
+              <a:t>Earnings by Doctorate</a:t>
+            </a:r>
+            <a:endParaRPr lang="en-US" dirty="0"/>
+          </a:p>
+        </p:txBody>
+      </p:sp>
+      <p:pic>
+        <p:nvPicPr>
+          <p:cNvPr id="4" name="Content Placeholder 3"/>
+          <p:cNvPicPr>
+            <a:picLocks noGrp="1" noChangeAspect="1"/>
+          </p:cNvPicPr>
+          <p:nvPr>
+            <p:ph idx="1"/>
+          </p:nvPr>
+        </p:nvPicPr>
+        <p:blipFill>
+          <a:blip r:embed="rId2">
+            <a:extLst>
+              <a:ext uri="{28A0092B-C50C-407E-A947-70E740481C1C}">
+                <a14:useLocalDpi xmlns:a14="http://schemas.microsoft.com/office/drawing/2010/main" val="0"/>
+              </a:ext>
+            </a:extLst>
+          </a:blip>
+          <a:stretch>
+            <a:fillRect/>
+          </a:stretch>
+        </p:blipFill>
+        <p:spPr>
+          <a:xfrm>
+            <a:off x="1251678" y="1528763"/>
+            <a:ext cx="4877660" cy="4865792"/>
+          </a:xfrm>
+        </p:spPr>
+      </p:pic>
+      <p:pic>
+        <p:nvPicPr>
+          <p:cNvPr id="5" name="Picture 4"/>
+          <p:cNvPicPr>
+            <a:picLocks noChangeAspect="1"/>
+          </p:cNvPicPr>
+          <p:nvPr/>
+        </p:nvPicPr>
+        <p:blipFill>
+          <a:blip r:embed="rId3">
+            <a:extLst>
+              <a:ext uri="{28A0092B-C50C-407E-A947-70E740481C1C}">
+                <a14:useLocalDpi xmlns:a14="http://schemas.microsoft.com/office/drawing/2010/main" val="0"/>
+              </a:ext>
+            </a:extLst>
+          </a:blip>
+          <a:stretch>
+            <a:fillRect/>
+          </a:stretch>
+        </p:blipFill>
+        <p:spPr>
+          <a:xfrm>
+            <a:off x="6129338" y="1528763"/>
+            <a:ext cx="5219700" cy="4838700"/>
+          </a:xfrm>
+          <a:prstGeom prst="rect">
+            <a:avLst/>
+          </a:prstGeom>
+        </p:spPr>
+      </p:pic>
+    </p:spTree>
+    <p:extLst>
+      <p:ext uri="{BB962C8B-B14F-4D97-AF65-F5344CB8AC3E}">
+        <p14:creationId xmlns:p14="http://schemas.microsoft.com/office/powerpoint/2010/main" val="560020419"/>
+      </p:ext>
+    </p:extLst>
+  </p:cSld>
+  <p:clrMapOvr>
+    <a:masterClrMapping/>
+  </p:clrMapOvr>
+</p:sld>
+</file>
+
+<file path=ppt/slides/slide8.xml><?xml version="1.0" encoding="utf-8"?>
+<p:sld xmlns:a="http://schemas.openxmlformats.org/drawingml/2006/main" xmlns:r="http://schemas.openxmlformats.org/officeDocument/2006/relationships" xmlns:p="http://schemas.openxmlformats.org/presentationml/2006/main">
+  <p:cSld>
+    <p:spTree>
+      <p:nvGrpSpPr>
+        <p:cNvPr id="1" name=""/>
+        <p:cNvGrpSpPr/>
+        <p:nvPr/>
+      </p:nvGrpSpPr>
+      <p:grpSpPr>
+        <a:xfrm>
+          <a:off x="0" y="0"/>
+          <a:ext cx="0" cy="0"/>
+          <a:chOff x="0" y="0"/>
+          <a:chExt cx="0" cy="0"/>
+        </a:xfrm>
+      </p:grpSpPr>
+      <p:sp>
+        <p:nvSpPr>
+          <p:cNvPr id="2" name="Title 1"/>
+          <p:cNvSpPr>
+            <a:spLocks noGrp="1"/>
+          </p:cNvSpPr>
+          <p:nvPr>
+            <p:ph type="title"/>
+          </p:nvPr>
+        </p:nvSpPr>
+        <p:spPr/>
+        <p:txBody>
+          <a:bodyPr/>
+          <a:lstStyle/>
+          <a:p>
+            <a:r>
+              <a:rPr lang="en-US" dirty="0" smtClean="0"/>
               <a:t>Conclusion</a:t>
             </a:r>
             <a:endParaRPr lang="en-US" dirty="0"/>
@@ -7407,7 +7746,7 @@
 </p:sld>
 </file>
 
-<file path=ppt/slides/slide6.xml><?xml version="1.0" encoding="utf-8"?>
+<file path=ppt/slides/slide9.xml><?xml version="1.0" encoding="utf-8"?>
 <p:sld xmlns:a="http://schemas.openxmlformats.org/drawingml/2006/main" xmlns:r="http://schemas.openxmlformats.org/officeDocument/2006/relationships" xmlns:p="http://schemas.openxmlformats.org/presentationml/2006/main">
   <p:cSld>
     <p:spTree>

--- a/data/Presentation1.pptx
+++ b/data/Presentation1.pptx
@@ -13,7 +13,18 @@
     <p:sldId id="263" r:id="rId7"/>
     <p:sldId id="264" r:id="rId8"/>
     <p:sldId id="260" r:id="rId9"/>
-    <p:sldId id="261" r:id="rId10"/>
+    <p:sldId id="265" r:id="rId10"/>
+    <p:sldId id="261" r:id="rId11"/>
+    <p:sldId id="266" r:id="rId12"/>
+    <p:sldId id="267" r:id="rId13"/>
+    <p:sldId id="268" r:id="rId14"/>
+    <p:sldId id="269" r:id="rId15"/>
+    <p:sldId id="270" r:id="rId16"/>
+    <p:sldId id="271" r:id="rId17"/>
+    <p:sldId id="272" r:id="rId18"/>
+    <p:sldId id="273" r:id="rId19"/>
+    <p:sldId id="274" r:id="rId20"/>
+    <p:sldId id="275" r:id="rId21"/>
   </p:sldIdLst>
   <p:sldSz cx="12192000" cy="6858000"/>
   <p:notesSz cx="6858000" cy="9144000"/>
@@ -129,6 +140,8068 @@
     </p:ext>
   </p:extLst>
 </p:presentation>
+</file>
+
+<file path=ppt/charts/chart1.xml><?xml version="1.0" encoding="utf-8"?>
+<c:chartSpace xmlns:c="http://schemas.openxmlformats.org/drawingml/2006/chart" xmlns:a="http://schemas.openxmlformats.org/drawingml/2006/main" xmlns:r="http://schemas.openxmlformats.org/officeDocument/2006/relationships">
+  <c:date1904 val="0"/>
+  <c:lang val="en-US"/>
+  <c:roundedCorners val="0"/>
+  <mc:AlternateContent xmlns:mc="http://schemas.openxmlformats.org/markup-compatibility/2006">
+    <mc:Choice xmlns:c14="http://schemas.microsoft.com/office/drawing/2007/8/2/chart" Requires="c14">
+      <c14:style val="102"/>
+    </mc:Choice>
+    <mc:Fallback>
+      <c:style val="2"/>
+    </mc:Fallback>
+  </mc:AlternateContent>
+  <c:chart>
+    <c:title>
+      <c:tx>
+        <c:rich>
+          <a:bodyPr rot="0" spcFirstLastPara="1" vertOverflow="ellipsis" vert="horz" wrap="square" anchor="ctr" anchorCtr="1"/>
+          <a:lstStyle/>
+          <a:p>
+            <a:pPr>
+              <a:defRPr sz="1400" b="0" i="0" u="none" strike="noStrike" kern="1200" spc="0" baseline="0">
+                <a:solidFill>
+                  <a:schemeClr val="tx1">
+                    <a:lumMod val="65000"/>
+                    <a:lumOff val="35000"/>
+                  </a:schemeClr>
+                </a:solidFill>
+                <a:latin typeface="+mn-lt"/>
+                <a:ea typeface="+mn-ea"/>
+                <a:cs typeface="+mn-cs"/>
+              </a:defRPr>
+            </a:pPr>
+            <a:r>
+              <a:rPr lang="en-US"/>
+              <a:t>SALARIES</a:t>
+            </a:r>
+            <a:r>
+              <a:rPr lang="en-US" baseline="0"/>
+              <a:t> FOR BACHELOR DEGREE STUDENTS - TEXAS</a:t>
+            </a:r>
+            <a:endParaRPr lang="en-US"/>
+          </a:p>
+        </c:rich>
+      </c:tx>
+      <c:layout/>
+      <c:overlay val="0"/>
+      <c:spPr>
+        <a:noFill/>
+        <a:ln>
+          <a:noFill/>
+        </a:ln>
+        <a:effectLst/>
+      </c:spPr>
+      <c:txPr>
+        <a:bodyPr rot="0" spcFirstLastPara="1" vertOverflow="ellipsis" vert="horz" wrap="square" anchor="ctr" anchorCtr="1"/>
+        <a:lstStyle/>
+        <a:p>
+          <a:pPr>
+            <a:defRPr sz="1400" b="0" i="0" u="none" strike="noStrike" kern="1200" spc="0" baseline="0">
+              <a:solidFill>
+                <a:schemeClr val="tx1">
+                  <a:lumMod val="65000"/>
+                  <a:lumOff val="35000"/>
+                </a:schemeClr>
+              </a:solidFill>
+              <a:latin typeface="+mn-lt"/>
+              <a:ea typeface="+mn-ea"/>
+              <a:cs typeface="+mn-cs"/>
+            </a:defRPr>
+          </a:pPr>
+          <a:endParaRPr lang="en-US"/>
+        </a:p>
+      </c:txPr>
+    </c:title>
+    <c:autoTitleDeleted val="0"/>
+    <c:plotArea>
+      <c:layout/>
+      <c:lineChart>
+        <c:grouping val="standard"/>
+        <c:varyColors val="0"/>
+        <c:ser>
+          <c:idx val="0"/>
+          <c:order val="0"/>
+          <c:tx>
+            <c:v>2001</c:v>
+          </c:tx>
+          <c:spPr>
+            <a:ln w="28575" cap="rnd">
+              <a:solidFill>
+                <a:schemeClr val="accent1"/>
+              </a:solidFill>
+              <a:round/>
+            </a:ln>
+            <a:effectLst/>
+          </c:spPr>
+          <c:marker>
+            <c:symbol val="none"/>
+          </c:marker>
+          <c:cat>
+            <c:strRef>
+              <c:f>'TX CHANGES'!$A$60:$A$125</c:f>
+              <c:strCache>
+                <c:ptCount val="66"/>
+                <c:pt idx="0">
+                  <c:v>PETROLEUM ENGINEERING</c:v>
+                </c:pt>
+                <c:pt idx="1">
+                  <c:v>MICROBIOLOGICAL SCIENCES AND IMMUNOLOGY</c:v>
+                </c:pt>
+                <c:pt idx="2">
+                  <c:v>REHABILITATION AND THERAPEUTIC PROFESSIONS</c:v>
+                </c:pt>
+                <c:pt idx="3">
+                  <c:v>BUSINESS/COMMERCE, GENERAL</c:v>
+                </c:pt>
+                <c:pt idx="4">
+                  <c:v>ALLIED HEALTH DIAGNOSTIC, INTERVENTION, AND TREATMENT PROFESSIONS</c:v>
+                </c:pt>
+                <c:pt idx="5">
+                  <c:v>PHILOSOPHY</c:v>
+                </c:pt>
+                <c:pt idx="6">
+                  <c:v>ELECTRICAL, ELECTRONICS AND COMMUNICATIONS ENGINEERING</c:v>
+                </c:pt>
+                <c:pt idx="7">
+                  <c:v>PUBLIC ADMINISTRATION</c:v>
+                </c:pt>
+                <c:pt idx="8">
+                  <c:v>BIOCHEMISTRY, BIOPHYSICS AND MOLECULAR BIOLOGY</c:v>
+                </c:pt>
+                <c:pt idx="9">
+                  <c:v>BIOLOGY, GENERAL</c:v>
+                </c:pt>
+                <c:pt idx="10">
+                  <c:v>COMMUNICATION DISORDERS SCIENCES AND SERVICES</c:v>
+                </c:pt>
+                <c:pt idx="11">
+                  <c:v>INTERIOR ARCHITECTURE</c:v>
+                </c:pt>
+                <c:pt idx="12">
+                  <c:v>AEROSPACE, AERONAUTICAL AND ASTRONAUTICAL ENGINEERING</c:v>
+                </c:pt>
+                <c:pt idx="13">
+                  <c:v>CHEMISTRY</c:v>
+                </c:pt>
+                <c:pt idx="14">
+                  <c:v>PUBLIC RELATIONS, ADVERTISING, AND APPLIED COMMUNICATION</c:v>
+                </c:pt>
+                <c:pt idx="15">
+                  <c:v>FINANCE AND FINANCIAL MANAGEMENT SERVICES</c:v>
+                </c:pt>
+                <c:pt idx="16">
+                  <c:v>ACCOUNTING AND RELATED SERVICES</c:v>
+                </c:pt>
+                <c:pt idx="17">
+                  <c:v>APPAREL AND TEXTILES</c:v>
+                </c:pt>
+                <c:pt idx="18">
+                  <c:v>ARCHITECTURAL ENGINEERING</c:v>
+                </c:pt>
+                <c:pt idx="19">
+                  <c:v>COMMUNICATION AND MEDIA STUDIES</c:v>
+                </c:pt>
+                <c:pt idx="20">
+                  <c:v>GEOLOGICAL AND EARTH SCIENCES/GEOSCIENCES</c:v>
+                </c:pt>
+                <c:pt idx="21">
+                  <c:v>FOODS, NUTRITION, AND RELATED SERVICES</c:v>
+                </c:pt>
+                <c:pt idx="22">
+                  <c:v>ECONOMICS</c:v>
+                </c:pt>
+                <c:pt idx="23">
+                  <c:v>POLITICAL SCIENCE AND GOVERNMENT</c:v>
+                </c:pt>
+                <c:pt idx="24">
+                  <c:v>CIVIL ENGINEERING</c:v>
+                </c:pt>
+                <c:pt idx="25">
+                  <c:v>ARCHITECTURE</c:v>
+                </c:pt>
+                <c:pt idx="26">
+                  <c:v>HUMAN RESOURCES MANAGEMENT AND SERVICES</c:v>
+                </c:pt>
+                <c:pt idx="27">
+                  <c:v>COMPUTER ENGINEERING</c:v>
+                </c:pt>
+                <c:pt idx="28">
+                  <c:v>DESIGN AND APPLIED ARTS</c:v>
+                </c:pt>
+                <c:pt idx="29">
+                  <c:v>CRIMINAL JUSTICE AND CORRECTIONS</c:v>
+                </c:pt>
+                <c:pt idx="30">
+                  <c:v>HEALTH AND PHYSICAL EDUCATION/FITNESS</c:v>
+                </c:pt>
+                <c:pt idx="31">
+                  <c:v>SOCIOLOGY</c:v>
+                </c:pt>
+                <c:pt idx="32">
+                  <c:v>INTERNATIONAL BUSINESS</c:v>
+                </c:pt>
+                <c:pt idx="33">
+                  <c:v>MARKETING</c:v>
+                </c:pt>
+                <c:pt idx="34">
+                  <c:v>JOURNALISM</c:v>
+                </c:pt>
+                <c:pt idx="35">
+                  <c:v>RADIO, TELEVISION, AND DIGITAL COMMUNICATION</c:v>
+                </c:pt>
+                <c:pt idx="36">
+                  <c:v>MECHANICAL ENGINEERING</c:v>
+                </c:pt>
+                <c:pt idx="37">
+                  <c:v>VISUAL AND PERFORMING ARTS, GENERAL</c:v>
+                </c:pt>
+                <c:pt idx="38">
+                  <c:v>MANAGEMENT INFORMATION SYSTEMS AND SERVICES</c:v>
+                </c:pt>
+                <c:pt idx="39">
+                  <c:v>INDUSTRIAL ENGINEERING</c:v>
+                </c:pt>
+                <c:pt idx="40">
+                  <c:v>PSYCHOLOGY, GENERAL</c:v>
+                </c:pt>
+                <c:pt idx="41">
+                  <c:v>LIBERAL ARTS AND SCIENCES, GENERAL STUDIES AND HUMANITIES</c:v>
+                </c:pt>
+                <c:pt idx="42">
+                  <c:v>HUMAN DEVELOPMENT, FAMILY STUDIES, AND RELATED SERVICES</c:v>
+                </c:pt>
+                <c:pt idx="43">
+                  <c:v>LINGUISTIC, COMPARATIVE, AND RELATED LANGUAGE STUDIES AND SERVICES</c:v>
+                </c:pt>
+                <c:pt idx="44">
+                  <c:v>BUSINESS ADMINISTRATION, MANAGEMENT AND OPERATIONS</c:v>
+                </c:pt>
+                <c:pt idx="45">
+                  <c:v>AREA STUDIES</c:v>
+                </c:pt>
+                <c:pt idx="46">
+                  <c:v>PHYSICS</c:v>
+                </c:pt>
+                <c:pt idx="47">
+                  <c:v>DRAMA/THEATRE ARTS AND STAGECRAFT</c:v>
+                </c:pt>
+                <c:pt idx="48">
+                  <c:v>RHETORIC AND COMPOSITION/WRITING STUDIES</c:v>
+                </c:pt>
+                <c:pt idx="49">
+                  <c:v>REGISTERED NURSING, NURSING ADMINISTRATION, NURSING RESEARCH AND CLINICAL NURSING</c:v>
+                </c:pt>
+                <c:pt idx="50">
+                  <c:v>COMPUTER AND INFORMATION SCIENCES, GENERAL</c:v>
+                </c:pt>
+                <c:pt idx="51">
+                  <c:v>FINE AND STUDIO ARTS</c:v>
+                </c:pt>
+                <c:pt idx="52">
+                  <c:v>SOCIAL WORK</c:v>
+                </c:pt>
+                <c:pt idx="53">
+                  <c:v>HISTORY</c:v>
+                </c:pt>
+                <c:pt idx="54">
+                  <c:v>MATHEMATICS</c:v>
+                </c:pt>
+                <c:pt idx="55">
+                  <c:v>MULTI/INTERDISCIPLINARY STUDIES, OTHER</c:v>
+                </c:pt>
+                <c:pt idx="56">
+                  <c:v>ANTHROPOLOGY</c:v>
+                </c:pt>
+                <c:pt idx="57">
+                  <c:v>BUSINESS/MANAGERIAL ECONOMICS</c:v>
+                </c:pt>
+                <c:pt idx="58">
+                  <c:v>ENGLISH LANGUAGE AND LITERATURE, GENERAL</c:v>
+                </c:pt>
+                <c:pt idx="59">
+                  <c:v>CHEMICAL ENGINEERING</c:v>
+                </c:pt>
+                <c:pt idx="60">
+                  <c:v>GEOGRAPHY AND CARTOGRAPHY</c:v>
+                </c:pt>
+                <c:pt idx="61">
+                  <c:v>ROMANCE LANGUAGES, LITERATURES, AND LINGUISTICS</c:v>
+                </c:pt>
+                <c:pt idx="62">
+                  <c:v>CLINICAL/MEDICAL LABORATORY SCIENCE/RESEARCH AND ALLIED PROFESSIONS</c:v>
+                </c:pt>
+                <c:pt idx="63">
+                  <c:v>INDUSTRIAL PRODUCTION TECHNOLOGIES/TECHNICIANS</c:v>
+                </c:pt>
+                <c:pt idx="64">
+                  <c:v>MUSIC</c:v>
+                </c:pt>
+                <c:pt idx="65">
+                  <c:v>CRIMINOLOGY</c:v>
+                </c:pt>
+              </c:strCache>
+            </c:strRef>
+          </c:cat>
+          <c:val>
+            <c:numRef>
+              <c:f>'TX CHANGES'!$B$60:$B$125</c:f>
+              <c:numCache>
+                <c:formatCode>"$"#,##0.00</c:formatCode>
+                <c:ptCount val="66"/>
+                <c:pt idx="0">
+                  <c:v>173677.888888889</c:v>
+                </c:pt>
+                <c:pt idx="1">
+                  <c:v>61030.33333333334</c:v>
+                </c:pt>
+                <c:pt idx="2">
+                  <c:v>63125.42222222222</c:v>
+                </c:pt>
+                <c:pt idx="3">
+                  <c:v>80464.29629629629</c:v>
+                </c:pt>
+                <c:pt idx="4">
+                  <c:v>93686.97222222223</c:v>
+                </c:pt>
+                <c:pt idx="5">
+                  <c:v>62395.66666666666</c:v>
+                </c:pt>
+                <c:pt idx="6">
+                  <c:v>85027.75925925927</c:v>
+                </c:pt>
+                <c:pt idx="7">
+                  <c:v>71865.33333333333</c:v>
+                </c:pt>
+                <c:pt idx="8">
+                  <c:v>63670.22222222222</c:v>
+                </c:pt>
+                <c:pt idx="9">
+                  <c:v>55341.62500000001</c:v>
+                </c:pt>
+                <c:pt idx="10">
+                  <c:v>53623.77777777778</c:v>
+                </c:pt>
+                <c:pt idx="11">
+                  <c:v>59073.33333333334</c:v>
+                </c:pt>
+                <c:pt idx="12">
+                  <c:v>82838.8888888889</c:v>
+                </c:pt>
+                <c:pt idx="13">
+                  <c:v>65733.66666666666</c:v>
+                </c:pt>
+                <c:pt idx="14">
+                  <c:v>55120.83333333334</c:v>
+                </c:pt>
+                <c:pt idx="15">
+                  <c:v>65852.1111111111</c:v>
+                </c:pt>
+                <c:pt idx="16">
+                  <c:v>64771.86419753087</c:v>
+                </c:pt>
+                <c:pt idx="17">
+                  <c:v>57866.11111111112</c:v>
+                </c:pt>
+                <c:pt idx="18">
+                  <c:v>77928.66666666666</c:v>
+                </c:pt>
+                <c:pt idx="19">
+                  <c:v>52848.37037037036</c:v>
+                </c:pt>
+                <c:pt idx="20">
+                  <c:v>60856.66666666666</c:v>
+                </c:pt>
+                <c:pt idx="21">
+                  <c:v>49768.66666666666</c:v>
+                </c:pt>
+                <c:pt idx="22">
+                  <c:v>66610.29629629629</c:v>
+                </c:pt>
+                <c:pt idx="23">
+                  <c:v>53073.15151515152</c:v>
+                </c:pt>
+                <c:pt idx="24">
+                  <c:v>73964.33333333333</c:v>
+                </c:pt>
+                <c:pt idx="25">
+                  <c:v>54724.8148148148</c:v>
+                </c:pt>
+                <c:pt idx="26">
+                  <c:v>58407.11111111112</c:v>
+                </c:pt>
+                <c:pt idx="27">
+                  <c:v>82525.1111111111</c:v>
+                </c:pt>
+                <c:pt idx="28">
+                  <c:v>54212.66666666666</c:v>
+                </c:pt>
+                <c:pt idx="29">
+                  <c:v>48198.0</c:v>
+                </c:pt>
+                <c:pt idx="30">
+                  <c:v>50034.46031746031</c:v>
+                </c:pt>
+                <c:pt idx="31">
+                  <c:v>46767.57971014493</c:v>
+                </c:pt>
+                <c:pt idx="32">
+                  <c:v>55555.70370370369</c:v>
+                </c:pt>
+                <c:pt idx="33">
+                  <c:v>55380.2</c:v>
+                </c:pt>
+                <c:pt idx="34">
+                  <c:v>48111.15151515152</c:v>
+                </c:pt>
+                <c:pt idx="35">
+                  <c:v>49016.66666666666</c:v>
+                </c:pt>
+                <c:pt idx="36">
+                  <c:v>80078.75555555556</c:v>
+                </c:pt>
+                <c:pt idx="37">
+                  <c:v>44842.61111111112</c:v>
+                </c:pt>
+                <c:pt idx="38">
+                  <c:v>65499.35555555555</c:v>
+                </c:pt>
+                <c:pt idx="39">
+                  <c:v>68836.77777777777</c:v>
+                </c:pt>
+                <c:pt idx="40">
+                  <c:v>44545.56790123456</c:v>
+                </c:pt>
+                <c:pt idx="41">
+                  <c:v>54150.7037037037</c:v>
+                </c:pt>
+                <c:pt idx="42">
+                  <c:v>50140.55555555555</c:v>
+                </c:pt>
+                <c:pt idx="43">
+                  <c:v>46524.92592592593</c:v>
+                </c:pt>
+                <c:pt idx="44">
+                  <c:v>56240.3611111111</c:v>
+                </c:pt>
+                <c:pt idx="45">
+                  <c:v>46425.6</c:v>
+                </c:pt>
+                <c:pt idx="46">
+                  <c:v>60526.44444444444</c:v>
+                </c:pt>
+                <c:pt idx="47">
+                  <c:v>46557.55555555555</c:v>
+                </c:pt>
+                <c:pt idx="48">
+                  <c:v>51282.66666666667</c:v>
+                </c:pt>
+                <c:pt idx="49">
+                  <c:v>77325.46913580246</c:v>
+                </c:pt>
+                <c:pt idx="50">
+                  <c:v>74614.73015873014</c:v>
+                </c:pt>
+                <c:pt idx="51">
+                  <c:v>40745.35555555555</c:v>
+                </c:pt>
+                <c:pt idx="52">
+                  <c:v>44821.47222222222</c:v>
+                </c:pt>
+                <c:pt idx="53">
+                  <c:v>47892.04938271605</c:v>
+                </c:pt>
+                <c:pt idx="54">
+                  <c:v>54725.16666666667</c:v>
+                </c:pt>
+                <c:pt idx="55">
+                  <c:v>50183.57142857143</c:v>
+                </c:pt>
+                <c:pt idx="56">
+                  <c:v>39825.62962962963</c:v>
+                </c:pt>
+                <c:pt idx="57">
+                  <c:v>56961.1111111111</c:v>
+                </c:pt>
+                <c:pt idx="58">
+                  <c:v>45076.63492063493</c:v>
+                </c:pt>
+                <c:pt idx="59">
+                  <c:v>95601.77777777777</c:v>
+                </c:pt>
+                <c:pt idx="60">
+                  <c:v>45727.77777777778</c:v>
+                </c:pt>
+                <c:pt idx="61">
+                  <c:v>47486.60317460318</c:v>
+                </c:pt>
+                <c:pt idx="62">
+                  <c:v>57290.95238095237</c:v>
+                </c:pt>
+                <c:pt idx="63">
+                  <c:v>69489.1111111111</c:v>
+                </c:pt>
+                <c:pt idx="64">
+                  <c:v>48518.22222222222</c:v>
+                </c:pt>
+                <c:pt idx="65">
+                  <c:v>42301.77777777778</c:v>
+                </c:pt>
+              </c:numCache>
+            </c:numRef>
+          </c:val>
+          <c:smooth val="0"/>
+        </c:ser>
+        <c:ser>
+          <c:idx val="1"/>
+          <c:order val="1"/>
+          <c:tx>
+            <c:v>2013</c:v>
+          </c:tx>
+          <c:spPr>
+            <a:ln w="28575" cap="rnd">
+              <a:solidFill>
+                <a:schemeClr val="accent2"/>
+              </a:solidFill>
+              <a:round/>
+            </a:ln>
+            <a:effectLst/>
+          </c:spPr>
+          <c:marker>
+            <c:symbol val="none"/>
+          </c:marker>
+          <c:cat>
+            <c:strRef>
+              <c:f>'TX CHANGES'!$A$60:$A$125</c:f>
+              <c:strCache>
+                <c:ptCount val="66"/>
+                <c:pt idx="0">
+                  <c:v>PETROLEUM ENGINEERING</c:v>
+                </c:pt>
+                <c:pt idx="1">
+                  <c:v>MICROBIOLOGICAL SCIENCES AND IMMUNOLOGY</c:v>
+                </c:pt>
+                <c:pt idx="2">
+                  <c:v>REHABILITATION AND THERAPEUTIC PROFESSIONS</c:v>
+                </c:pt>
+                <c:pt idx="3">
+                  <c:v>BUSINESS/COMMERCE, GENERAL</c:v>
+                </c:pt>
+                <c:pt idx="4">
+                  <c:v>ALLIED HEALTH DIAGNOSTIC, INTERVENTION, AND TREATMENT PROFESSIONS</c:v>
+                </c:pt>
+                <c:pt idx="5">
+                  <c:v>PHILOSOPHY</c:v>
+                </c:pt>
+                <c:pt idx="6">
+                  <c:v>ELECTRICAL, ELECTRONICS AND COMMUNICATIONS ENGINEERING</c:v>
+                </c:pt>
+                <c:pt idx="7">
+                  <c:v>PUBLIC ADMINISTRATION</c:v>
+                </c:pt>
+                <c:pt idx="8">
+                  <c:v>BIOCHEMISTRY, BIOPHYSICS AND MOLECULAR BIOLOGY</c:v>
+                </c:pt>
+                <c:pt idx="9">
+                  <c:v>BIOLOGY, GENERAL</c:v>
+                </c:pt>
+                <c:pt idx="10">
+                  <c:v>COMMUNICATION DISORDERS SCIENCES AND SERVICES</c:v>
+                </c:pt>
+                <c:pt idx="11">
+                  <c:v>INTERIOR ARCHITECTURE</c:v>
+                </c:pt>
+                <c:pt idx="12">
+                  <c:v>AEROSPACE, AERONAUTICAL AND ASTRONAUTICAL ENGINEERING</c:v>
+                </c:pt>
+                <c:pt idx="13">
+                  <c:v>CHEMISTRY</c:v>
+                </c:pt>
+                <c:pt idx="14">
+                  <c:v>PUBLIC RELATIONS, ADVERTISING, AND APPLIED COMMUNICATION</c:v>
+                </c:pt>
+                <c:pt idx="15">
+                  <c:v>FINANCE AND FINANCIAL MANAGEMENT SERVICES</c:v>
+                </c:pt>
+                <c:pt idx="16">
+                  <c:v>ACCOUNTING AND RELATED SERVICES</c:v>
+                </c:pt>
+                <c:pt idx="17">
+                  <c:v>APPAREL AND TEXTILES</c:v>
+                </c:pt>
+                <c:pt idx="18">
+                  <c:v>ARCHITECTURAL ENGINEERING</c:v>
+                </c:pt>
+                <c:pt idx="19">
+                  <c:v>COMMUNICATION AND MEDIA STUDIES</c:v>
+                </c:pt>
+                <c:pt idx="20">
+                  <c:v>GEOLOGICAL AND EARTH SCIENCES/GEOSCIENCES</c:v>
+                </c:pt>
+                <c:pt idx="21">
+                  <c:v>FOODS, NUTRITION, AND RELATED SERVICES</c:v>
+                </c:pt>
+                <c:pt idx="22">
+                  <c:v>ECONOMICS</c:v>
+                </c:pt>
+                <c:pt idx="23">
+                  <c:v>POLITICAL SCIENCE AND GOVERNMENT</c:v>
+                </c:pt>
+                <c:pt idx="24">
+                  <c:v>CIVIL ENGINEERING</c:v>
+                </c:pt>
+                <c:pt idx="25">
+                  <c:v>ARCHITECTURE</c:v>
+                </c:pt>
+                <c:pt idx="26">
+                  <c:v>HUMAN RESOURCES MANAGEMENT AND SERVICES</c:v>
+                </c:pt>
+                <c:pt idx="27">
+                  <c:v>COMPUTER ENGINEERING</c:v>
+                </c:pt>
+                <c:pt idx="28">
+                  <c:v>DESIGN AND APPLIED ARTS</c:v>
+                </c:pt>
+                <c:pt idx="29">
+                  <c:v>CRIMINAL JUSTICE AND CORRECTIONS</c:v>
+                </c:pt>
+                <c:pt idx="30">
+                  <c:v>HEALTH AND PHYSICAL EDUCATION/FITNESS</c:v>
+                </c:pt>
+                <c:pt idx="31">
+                  <c:v>SOCIOLOGY</c:v>
+                </c:pt>
+                <c:pt idx="32">
+                  <c:v>INTERNATIONAL BUSINESS</c:v>
+                </c:pt>
+                <c:pt idx="33">
+                  <c:v>MARKETING</c:v>
+                </c:pt>
+                <c:pt idx="34">
+                  <c:v>JOURNALISM</c:v>
+                </c:pt>
+                <c:pt idx="35">
+                  <c:v>RADIO, TELEVISION, AND DIGITAL COMMUNICATION</c:v>
+                </c:pt>
+                <c:pt idx="36">
+                  <c:v>MECHANICAL ENGINEERING</c:v>
+                </c:pt>
+                <c:pt idx="37">
+                  <c:v>VISUAL AND PERFORMING ARTS, GENERAL</c:v>
+                </c:pt>
+                <c:pt idx="38">
+                  <c:v>MANAGEMENT INFORMATION SYSTEMS AND SERVICES</c:v>
+                </c:pt>
+                <c:pt idx="39">
+                  <c:v>INDUSTRIAL ENGINEERING</c:v>
+                </c:pt>
+                <c:pt idx="40">
+                  <c:v>PSYCHOLOGY, GENERAL</c:v>
+                </c:pt>
+                <c:pt idx="41">
+                  <c:v>LIBERAL ARTS AND SCIENCES, GENERAL STUDIES AND HUMANITIES</c:v>
+                </c:pt>
+                <c:pt idx="42">
+                  <c:v>HUMAN DEVELOPMENT, FAMILY STUDIES, AND RELATED SERVICES</c:v>
+                </c:pt>
+                <c:pt idx="43">
+                  <c:v>LINGUISTIC, COMPARATIVE, AND RELATED LANGUAGE STUDIES AND SERVICES</c:v>
+                </c:pt>
+                <c:pt idx="44">
+                  <c:v>BUSINESS ADMINISTRATION, MANAGEMENT AND OPERATIONS</c:v>
+                </c:pt>
+                <c:pt idx="45">
+                  <c:v>AREA STUDIES</c:v>
+                </c:pt>
+                <c:pt idx="46">
+                  <c:v>PHYSICS</c:v>
+                </c:pt>
+                <c:pt idx="47">
+                  <c:v>DRAMA/THEATRE ARTS AND STAGECRAFT</c:v>
+                </c:pt>
+                <c:pt idx="48">
+                  <c:v>RHETORIC AND COMPOSITION/WRITING STUDIES</c:v>
+                </c:pt>
+                <c:pt idx="49">
+                  <c:v>REGISTERED NURSING, NURSING ADMINISTRATION, NURSING RESEARCH AND CLINICAL NURSING</c:v>
+                </c:pt>
+                <c:pt idx="50">
+                  <c:v>COMPUTER AND INFORMATION SCIENCES, GENERAL</c:v>
+                </c:pt>
+                <c:pt idx="51">
+                  <c:v>FINE AND STUDIO ARTS</c:v>
+                </c:pt>
+                <c:pt idx="52">
+                  <c:v>SOCIAL WORK</c:v>
+                </c:pt>
+                <c:pt idx="53">
+                  <c:v>HISTORY</c:v>
+                </c:pt>
+                <c:pt idx="54">
+                  <c:v>MATHEMATICS</c:v>
+                </c:pt>
+                <c:pt idx="55">
+                  <c:v>MULTI/INTERDISCIPLINARY STUDIES, OTHER</c:v>
+                </c:pt>
+                <c:pt idx="56">
+                  <c:v>ANTHROPOLOGY</c:v>
+                </c:pt>
+                <c:pt idx="57">
+                  <c:v>BUSINESS/MANAGERIAL ECONOMICS</c:v>
+                </c:pt>
+                <c:pt idx="58">
+                  <c:v>ENGLISH LANGUAGE AND LITERATURE, GENERAL</c:v>
+                </c:pt>
+                <c:pt idx="59">
+                  <c:v>CHEMICAL ENGINEERING</c:v>
+                </c:pt>
+                <c:pt idx="60">
+                  <c:v>GEOGRAPHY AND CARTOGRAPHY</c:v>
+                </c:pt>
+                <c:pt idx="61">
+                  <c:v>ROMANCE LANGUAGES, LITERATURES, AND LINGUISTICS</c:v>
+                </c:pt>
+                <c:pt idx="62">
+                  <c:v>CLINICAL/MEDICAL LABORATORY SCIENCE/RESEARCH AND ALLIED PROFESSIONS</c:v>
+                </c:pt>
+                <c:pt idx="63">
+                  <c:v>INDUSTRIAL PRODUCTION TECHNOLOGIES/TECHNICIANS</c:v>
+                </c:pt>
+                <c:pt idx="64">
+                  <c:v>MUSIC</c:v>
+                </c:pt>
+                <c:pt idx="65">
+                  <c:v>CRIMINOLOGY</c:v>
+                </c:pt>
+              </c:strCache>
+            </c:strRef>
+          </c:cat>
+          <c:val>
+            <c:numRef>
+              <c:f>'TX CHANGES'!$C$60:$C$125</c:f>
+              <c:numCache>
+                <c:formatCode>"$"#,##0.00</c:formatCode>
+                <c:ptCount val="66"/>
+                <c:pt idx="0">
+                  <c:v>120343.3333333333</c:v>
+                </c:pt>
+                <c:pt idx="1">
+                  <c:v>26441.66666666667</c:v>
+                </c:pt>
+                <c:pt idx="2">
+                  <c:v>31570.33333333333</c:v>
+                </c:pt>
+                <c:pt idx="3">
+                  <c:v>50207.0</c:v>
+                </c:pt>
+                <c:pt idx="4">
+                  <c:v>63814.55555555556</c:v>
+                </c:pt>
+                <c:pt idx="5">
+                  <c:v>36089.0</c:v>
+                </c:pt>
+                <c:pt idx="6">
+                  <c:v>62234.77777777778</c:v>
+                </c:pt>
+                <c:pt idx="7">
+                  <c:v>49289.66666666666</c:v>
+                </c:pt>
+                <c:pt idx="8">
+                  <c:v>41234.33333333333</c:v>
+                </c:pt>
+                <c:pt idx="9">
+                  <c:v>35039.5925925926</c:v>
+                </c:pt>
+                <c:pt idx="10">
+                  <c:v>33589.77777777777</c:v>
+                </c:pt>
+                <c:pt idx="11">
+                  <c:v>39218.66666666666</c:v>
+                </c:pt>
+                <c:pt idx="12">
+                  <c:v>63189.16666666667</c:v>
+                </c:pt>
+                <c:pt idx="13">
+                  <c:v>46146.66666666666</c:v>
+                </c:pt>
+                <c:pt idx="14">
+                  <c:v>37297.16666666667</c:v>
+                </c:pt>
+                <c:pt idx="15">
+                  <c:v>48101.625</c:v>
+                </c:pt>
+                <c:pt idx="16">
+                  <c:v>47022.66666666666</c:v>
+                </c:pt>
+                <c:pt idx="17">
+                  <c:v>40690.0</c:v>
+                </c:pt>
+                <c:pt idx="18">
+                  <c:v>61012.33333333334</c:v>
+                </c:pt>
+                <c:pt idx="19">
+                  <c:v>36139.75</c:v>
+                </c:pt>
+                <c:pt idx="20">
+                  <c:v>44934.22222222222</c:v>
+                </c:pt>
+                <c:pt idx="21">
+                  <c:v>33952.33333333334</c:v>
+                </c:pt>
+                <c:pt idx="22">
+                  <c:v>51124.66666666666</c:v>
+                </c:pt>
+                <c:pt idx="23">
+                  <c:v>38199.55555555555</c:v>
+                </c:pt>
+                <c:pt idx="24">
+                  <c:v>59207.4</c:v>
+                </c:pt>
+                <c:pt idx="25">
+                  <c:v>40267.55555555556</c:v>
+                </c:pt>
+                <c:pt idx="26">
+                  <c:v>44202.16666666667</c:v>
+                </c:pt>
+                <c:pt idx="27">
+                  <c:v>68327.0</c:v>
+                </c:pt>
+                <c:pt idx="28">
+                  <c:v>40024.16666666667</c:v>
+                </c:pt>
+                <c:pt idx="29">
+                  <c:v>34252.66666666666</c:v>
+                </c:pt>
+                <c:pt idx="30">
+                  <c:v>36299.0</c:v>
+                </c:pt>
+                <c:pt idx="31">
+                  <c:v>33132.53333333334</c:v>
+                </c:pt>
+                <c:pt idx="32">
+                  <c:v>41966.88888888888</c:v>
+                </c:pt>
+                <c:pt idx="33">
+                  <c:v>41821</c:v>
+                </c:pt>
+                <c:pt idx="34">
+                  <c:v>35102.16666666666</c:v>
+                </c:pt>
+                <c:pt idx="35">
+                  <c:v>36082.41666666666</c:v>
+                </c:pt>
+                <c:pt idx="36">
+                  <c:v>67198.70833333334</c:v>
+                </c:pt>
+                <c:pt idx="37">
+                  <c:v>32011.83333333334</c:v>
+                </c:pt>
+                <c:pt idx="38">
+                  <c:v>52995.5</c:v>
+                </c:pt>
+                <c:pt idx="39">
+                  <c:v>56478.16666666667</c:v>
+                </c:pt>
+                <c:pt idx="40">
+                  <c:v>32507.81481481481</c:v>
+                </c:pt>
+                <c:pt idx="41">
+                  <c:v>42362.58333333334</c:v>
+                </c:pt>
+                <c:pt idx="42">
+                  <c:v>38412.0</c:v>
+                </c:pt>
+                <c:pt idx="43">
+                  <c:v>34955.5</c:v>
+                </c:pt>
+                <c:pt idx="44">
+                  <c:v>44682.41666666666</c:v>
+                </c:pt>
+                <c:pt idx="45">
+                  <c:v>34972.33333333334</c:v>
+                </c:pt>
+                <c:pt idx="46">
+                  <c:v>49223.66666666666</c:v>
+                </c:pt>
+                <c:pt idx="47">
+                  <c:v>35323.16666666666</c:v>
+                </c:pt>
+                <c:pt idx="48">
+                  <c:v>40152.77777777778</c:v>
+                </c:pt>
+                <c:pt idx="49">
+                  <c:v>66202.8888888889</c:v>
+                </c:pt>
+                <c:pt idx="50">
+                  <c:v>63553.66666666667</c:v>
+                </c:pt>
+                <c:pt idx="51">
+                  <c:v>29954.46666666667</c:v>
+                </c:pt>
+                <c:pt idx="52">
+                  <c:v>34183.16666666666</c:v>
+                </c:pt>
+                <c:pt idx="53">
+                  <c:v>37865.0</c:v>
+                </c:pt>
+                <c:pt idx="54">
+                  <c:v>45456.73333333333</c:v>
+                </c:pt>
+                <c:pt idx="55">
+                  <c:v>41296.25925925926</c:v>
+                </c:pt>
+                <c:pt idx="56">
+                  <c:v>31349.44444444445</c:v>
+                </c:pt>
+                <c:pt idx="57">
+                  <c:v>48487.33333333334</c:v>
+                </c:pt>
+                <c:pt idx="58">
+                  <c:v>37188.6111111111</c:v>
+                </c:pt>
+                <c:pt idx="59">
+                  <c:v>87994.66666666667</c:v>
+                </c:pt>
+                <c:pt idx="60">
+                  <c:v>38478.5</c:v>
+                </c:pt>
+                <c:pt idx="61">
+                  <c:v>41095.22222222222</c:v>
+                </c:pt>
+                <c:pt idx="62">
+                  <c:v>51509.33333333333</c:v>
+                </c:pt>
+                <c:pt idx="63">
+                  <c:v>63929.66666666666</c:v>
+                </c:pt>
+                <c:pt idx="64">
+                  <c:v>44162.25</c:v>
+                </c:pt>
+                <c:pt idx="65">
+                  <c:v>38360.0</c:v>
+                </c:pt>
+              </c:numCache>
+            </c:numRef>
+          </c:val>
+          <c:smooth val="0"/>
+        </c:ser>
+        <c:dLbls>
+          <c:showLegendKey val="0"/>
+          <c:showVal val="0"/>
+          <c:showCatName val="0"/>
+          <c:showSerName val="0"/>
+          <c:showPercent val="0"/>
+          <c:showBubbleSize val="0"/>
+        </c:dLbls>
+        <c:smooth val="0"/>
+        <c:axId val="721285968"/>
+        <c:axId val="703064816"/>
+      </c:lineChart>
+      <c:catAx>
+        <c:axId val="721285968"/>
+        <c:scaling>
+          <c:orientation val="minMax"/>
+        </c:scaling>
+        <c:delete val="0"/>
+        <c:axPos val="b"/>
+        <c:numFmt formatCode="General" sourceLinked="1"/>
+        <c:majorTickMark val="none"/>
+        <c:minorTickMark val="none"/>
+        <c:tickLblPos val="nextTo"/>
+        <c:spPr>
+          <a:noFill/>
+          <a:ln w="9525" cap="flat" cmpd="sng" algn="ctr">
+            <a:solidFill>
+              <a:schemeClr val="tx1">
+                <a:lumMod val="15000"/>
+                <a:lumOff val="85000"/>
+              </a:schemeClr>
+            </a:solidFill>
+            <a:round/>
+          </a:ln>
+          <a:effectLst/>
+        </c:spPr>
+        <c:txPr>
+          <a:bodyPr rot="-60000000" spcFirstLastPara="1" vertOverflow="ellipsis" vert="horz" wrap="square" anchor="ctr" anchorCtr="1"/>
+          <a:lstStyle/>
+          <a:p>
+            <a:pPr>
+              <a:defRPr sz="900" b="0" i="0" u="none" strike="noStrike" kern="1200" baseline="0">
+                <a:solidFill>
+                  <a:schemeClr val="tx1">
+                    <a:lumMod val="65000"/>
+                    <a:lumOff val="35000"/>
+                  </a:schemeClr>
+                </a:solidFill>
+                <a:latin typeface="+mn-lt"/>
+                <a:ea typeface="+mn-ea"/>
+                <a:cs typeface="+mn-cs"/>
+              </a:defRPr>
+            </a:pPr>
+            <a:endParaRPr lang="en-US"/>
+          </a:p>
+        </c:txPr>
+        <c:crossAx val="703064816"/>
+        <c:crosses val="autoZero"/>
+        <c:auto val="1"/>
+        <c:lblAlgn val="ctr"/>
+        <c:lblOffset val="100"/>
+        <c:noMultiLvlLbl val="0"/>
+      </c:catAx>
+      <c:valAx>
+        <c:axId val="703064816"/>
+        <c:scaling>
+          <c:orientation val="minMax"/>
+        </c:scaling>
+        <c:delete val="0"/>
+        <c:axPos val="l"/>
+        <c:majorGridlines>
+          <c:spPr>
+            <a:ln w="9525" cap="flat" cmpd="sng" algn="ctr">
+              <a:solidFill>
+                <a:schemeClr val="tx1">
+                  <a:lumMod val="15000"/>
+                  <a:lumOff val="85000"/>
+                </a:schemeClr>
+              </a:solidFill>
+              <a:round/>
+            </a:ln>
+            <a:effectLst/>
+          </c:spPr>
+        </c:majorGridlines>
+        <c:majorTickMark val="none"/>
+        <c:minorTickMark val="none"/>
+        <c:tickLblPos val="nextTo"/>
+        <c:spPr>
+          <a:noFill/>
+          <a:ln>
+            <a:noFill/>
+          </a:ln>
+          <a:effectLst/>
+        </c:spPr>
+        <c:txPr>
+          <a:bodyPr rot="-60000000" spcFirstLastPara="1" vertOverflow="ellipsis" vert="horz" wrap="square" anchor="ctr" anchorCtr="1"/>
+          <a:lstStyle/>
+          <a:p>
+            <a:pPr>
+              <a:defRPr sz="900" b="0" i="0" u="none" strike="noStrike" kern="1200" baseline="0">
+                <a:solidFill>
+                  <a:schemeClr val="tx1">
+                    <a:lumMod val="65000"/>
+                    <a:lumOff val="35000"/>
+                  </a:schemeClr>
+                </a:solidFill>
+                <a:latin typeface="+mn-lt"/>
+                <a:ea typeface="+mn-ea"/>
+                <a:cs typeface="+mn-cs"/>
+              </a:defRPr>
+            </a:pPr>
+            <a:endParaRPr lang="en-US"/>
+          </a:p>
+        </c:txPr>
+        <c:crossAx val="721285968"/>
+        <c:crosses val="autoZero"/>
+        <c:crossBetween val="between"/>
+      </c:valAx>
+      <c:spPr>
+        <a:noFill/>
+        <a:ln>
+          <a:noFill/>
+        </a:ln>
+        <a:effectLst/>
+      </c:spPr>
+    </c:plotArea>
+    <c:legend>
+      <c:legendPos val="b"/>
+      <c:layout/>
+      <c:overlay val="0"/>
+      <c:spPr>
+        <a:noFill/>
+        <a:ln>
+          <a:noFill/>
+        </a:ln>
+        <a:effectLst/>
+      </c:spPr>
+      <c:txPr>
+        <a:bodyPr rot="0" spcFirstLastPara="1" vertOverflow="ellipsis" vert="horz" wrap="square" anchor="ctr" anchorCtr="1"/>
+        <a:lstStyle/>
+        <a:p>
+          <a:pPr>
+            <a:defRPr sz="900" b="0" i="0" u="none" strike="noStrike" kern="1200" baseline="0">
+              <a:solidFill>
+                <a:schemeClr val="tx1">
+                  <a:lumMod val="65000"/>
+                  <a:lumOff val="35000"/>
+                </a:schemeClr>
+              </a:solidFill>
+              <a:latin typeface="+mn-lt"/>
+              <a:ea typeface="+mn-ea"/>
+              <a:cs typeface="+mn-cs"/>
+            </a:defRPr>
+          </a:pPr>
+          <a:endParaRPr lang="en-US"/>
+        </a:p>
+      </c:txPr>
+    </c:legend>
+    <c:plotVisOnly val="1"/>
+    <c:dispBlanksAs val="gap"/>
+    <c:showDLblsOverMax val="0"/>
+  </c:chart>
+  <c:spPr>
+    <a:noFill/>
+    <a:ln>
+      <a:noFill/>
+    </a:ln>
+    <a:effectLst/>
+  </c:spPr>
+  <c:txPr>
+    <a:bodyPr/>
+    <a:lstStyle/>
+    <a:p>
+      <a:pPr>
+        <a:defRPr/>
+      </a:pPr>
+      <a:endParaRPr lang="en-US"/>
+    </a:p>
+  </c:txPr>
+  <c:externalData r:id="rId3">
+    <c:autoUpdate val="0"/>
+  </c:externalData>
+</c:chartSpace>
+</file>
+
+<file path=ppt/charts/chart2.xml><?xml version="1.0" encoding="utf-8"?>
+<c:chartSpace xmlns:c="http://schemas.openxmlformats.org/drawingml/2006/chart" xmlns:a="http://schemas.openxmlformats.org/drawingml/2006/main" xmlns:r="http://schemas.openxmlformats.org/officeDocument/2006/relationships">
+  <c:date1904 val="0"/>
+  <c:lang val="en-US"/>
+  <c:roundedCorners val="0"/>
+  <mc:AlternateContent xmlns:mc="http://schemas.openxmlformats.org/markup-compatibility/2006">
+    <mc:Choice xmlns:c14="http://schemas.microsoft.com/office/drawing/2007/8/2/chart" Requires="c14">
+      <c14:style val="102"/>
+    </mc:Choice>
+    <mc:Fallback>
+      <c:style val="2"/>
+    </mc:Fallback>
+  </mc:AlternateContent>
+  <c:chart>
+    <c:title>
+      <c:tx>
+        <c:rich>
+          <a:bodyPr rot="0" spcFirstLastPara="1" vertOverflow="ellipsis" vert="horz" wrap="square" anchor="ctr" anchorCtr="1"/>
+          <a:lstStyle/>
+          <a:p>
+            <a:pPr>
+              <a:defRPr sz="1400" b="0" i="0" u="none" strike="noStrike" kern="1200" spc="0" baseline="0">
+                <a:solidFill>
+                  <a:schemeClr val="tx1">
+                    <a:lumMod val="65000"/>
+                    <a:lumOff val="35000"/>
+                  </a:schemeClr>
+                </a:solidFill>
+                <a:latin typeface="+mn-lt"/>
+                <a:ea typeface="+mn-ea"/>
+                <a:cs typeface="+mn-cs"/>
+              </a:defRPr>
+            </a:pPr>
+            <a:r>
+              <a:rPr lang="en-US" sz="1800" b="0" i="0" baseline="0">
+                <a:effectLst/>
+              </a:rPr>
+              <a:t>SALARIES FOR MASTERS - TEXAS</a:t>
+            </a:r>
+            <a:endParaRPr lang="en-US">
+              <a:effectLst/>
+            </a:endParaRPr>
+          </a:p>
+        </c:rich>
+      </c:tx>
+      <c:layout/>
+      <c:overlay val="0"/>
+      <c:spPr>
+        <a:noFill/>
+        <a:ln>
+          <a:noFill/>
+        </a:ln>
+        <a:effectLst/>
+      </c:spPr>
+      <c:txPr>
+        <a:bodyPr rot="0" spcFirstLastPara="1" vertOverflow="ellipsis" vert="horz" wrap="square" anchor="ctr" anchorCtr="1"/>
+        <a:lstStyle/>
+        <a:p>
+          <a:pPr>
+            <a:defRPr sz="1400" b="0" i="0" u="none" strike="noStrike" kern="1200" spc="0" baseline="0">
+              <a:solidFill>
+                <a:schemeClr val="tx1">
+                  <a:lumMod val="65000"/>
+                  <a:lumOff val="35000"/>
+                </a:schemeClr>
+              </a:solidFill>
+              <a:latin typeface="+mn-lt"/>
+              <a:ea typeface="+mn-ea"/>
+              <a:cs typeface="+mn-cs"/>
+            </a:defRPr>
+          </a:pPr>
+          <a:endParaRPr lang="en-US"/>
+        </a:p>
+      </c:txPr>
+    </c:title>
+    <c:autoTitleDeleted val="0"/>
+    <c:plotArea>
+      <c:layout/>
+      <c:lineChart>
+        <c:grouping val="standard"/>
+        <c:varyColors val="0"/>
+        <c:ser>
+          <c:idx val="0"/>
+          <c:order val="0"/>
+          <c:tx>
+            <c:strRef>
+              <c:f>'TX CHANGES'!$B$31</c:f>
+              <c:strCache>
+                <c:ptCount val="1"/>
+                <c:pt idx="0">
+                  <c:v>2001</c:v>
+                </c:pt>
+              </c:strCache>
+            </c:strRef>
+          </c:tx>
+          <c:spPr>
+            <a:ln w="28575" cap="rnd">
+              <a:solidFill>
+                <a:schemeClr val="accent1"/>
+              </a:solidFill>
+              <a:round/>
+            </a:ln>
+            <a:effectLst/>
+          </c:spPr>
+          <c:marker>
+            <c:symbol val="none"/>
+          </c:marker>
+          <c:cat>
+            <c:strRef>
+              <c:f>'TX CHANGES'!$A$32:$A$54</c:f>
+              <c:strCache>
+                <c:ptCount val="23"/>
+                <c:pt idx="0">
+                  <c:v>ARCHITECTURE AND RELATED SERVICES</c:v>
+                </c:pt>
+                <c:pt idx="1">
+                  <c:v>AREA, ETHNIC, CULTURAL, GENDER, AND GROUP STUDIES</c:v>
+                </c:pt>
+                <c:pt idx="2">
+                  <c:v>BIOLOGICAL AND BIOMEDICAL SCIENCES</c:v>
+                </c:pt>
+                <c:pt idx="3">
+                  <c:v>BUSINESS, MANAGEMENT, MARKETING, AND RELATED SUPPORT SERVICES</c:v>
+                </c:pt>
+                <c:pt idx="4">
+                  <c:v>COMMUNICATION, JOURNALISM, AND RELATED PROGRAMS</c:v>
+                </c:pt>
+                <c:pt idx="5">
+                  <c:v>COMPUTER AND INFORMATION SCIENCES AND SUPPORT SERVICES</c:v>
+                </c:pt>
+                <c:pt idx="6">
+                  <c:v>EDUCATION</c:v>
+                </c:pt>
+                <c:pt idx="7">
+                  <c:v>ENGINEERING</c:v>
+                </c:pt>
+                <c:pt idx="8">
+                  <c:v>ENGINEERING TECHNOLOGIES AND ENGINEERING-RELATED FIELDS</c:v>
+                </c:pt>
+                <c:pt idx="9">
+                  <c:v>ENGLISH LANGUAGE AND LITERATURE/LETTERS</c:v>
+                </c:pt>
+                <c:pt idx="10">
+                  <c:v>FOREIGN LANGUAGES, LITERATURES, AND LINGUISTICS</c:v>
+                </c:pt>
+                <c:pt idx="11">
+                  <c:v>HEALTH PROFESSIONS AND RELATED PROGRAMS</c:v>
+                </c:pt>
+                <c:pt idx="12">
+                  <c:v>HISTORY</c:v>
+                </c:pt>
+                <c:pt idx="13">
+                  <c:v>HOMELAND SECURITY, LAW ENFORCEMENT, FIREFIGHTING AND RELATED PROTECTIVE SERVICES</c:v>
+                </c:pt>
+                <c:pt idx="14">
+                  <c:v>LIBERAL ARTS AND SCIENCES, GENERAL STUDIES AND HUMANITIES</c:v>
+                </c:pt>
+                <c:pt idx="15">
+                  <c:v>LIBRARY SCIENCE</c:v>
+                </c:pt>
+                <c:pt idx="16">
+                  <c:v>MATHEMATICS AND STATISTICS</c:v>
+                </c:pt>
+                <c:pt idx="17">
+                  <c:v>MULTI/INTERDISCIPLINARY STUDIES</c:v>
+                </c:pt>
+                <c:pt idx="18">
+                  <c:v>PHYSICAL SCIENCES</c:v>
+                </c:pt>
+                <c:pt idx="19">
+                  <c:v>PSYCHOLOGY</c:v>
+                </c:pt>
+                <c:pt idx="20">
+                  <c:v>PUBLIC ADMINISTRATION AND SOCIAL SERVICE PROFESSIONS</c:v>
+                </c:pt>
+                <c:pt idx="21">
+                  <c:v>SOCIAL SCIENCES</c:v>
+                </c:pt>
+                <c:pt idx="22">
+                  <c:v>VISUAL AND PERFORMING ARTS</c:v>
+                </c:pt>
+              </c:strCache>
+            </c:strRef>
+          </c:cat>
+          <c:val>
+            <c:numRef>
+              <c:f>'TX CHANGES'!$B$32:$B$54</c:f>
+              <c:numCache>
+                <c:formatCode>"$"#,##0.00</c:formatCode>
+                <c:ptCount val="23"/>
+                <c:pt idx="0">
+                  <c:v>64439.77777777777</c:v>
+                </c:pt>
+                <c:pt idx="1">
+                  <c:v>56383.66666666666</c:v>
+                </c:pt>
+                <c:pt idx="2">
+                  <c:v>62893.41666666665</c:v>
+                </c:pt>
+                <c:pt idx="3">
+                  <c:v>94673.72839506174</c:v>
+                </c:pt>
+                <c:pt idx="4">
+                  <c:v>61887.55555555555</c:v>
+                </c:pt>
+                <c:pt idx="5">
+                  <c:v>96016.74074074074</c:v>
+                </c:pt>
+                <c:pt idx="6">
+                  <c:v>60783.47222222221</c:v>
+                </c:pt>
+                <c:pt idx="7">
+                  <c:v>94433.87037037037</c:v>
+                </c:pt>
+                <c:pt idx="8">
+                  <c:v>71826.33333333333</c:v>
+                </c:pt>
+                <c:pt idx="9">
+                  <c:v>49971.77777777778</c:v>
+                </c:pt>
+                <c:pt idx="10">
+                  <c:v>48670.29166666666</c:v>
+                </c:pt>
+                <c:pt idx="11">
+                  <c:v>81086.83333333333</c:v>
+                </c:pt>
+                <c:pt idx="12">
+                  <c:v>50971.06666666667</c:v>
+                </c:pt>
+                <c:pt idx="13">
+                  <c:v>57154.33333333334</c:v>
+                </c:pt>
+                <c:pt idx="14">
+                  <c:v>50102.11111111112</c:v>
+                </c:pt>
+                <c:pt idx="15">
+                  <c:v>54837.55555555555</c:v>
+                </c:pt>
+                <c:pt idx="16">
+                  <c:v>77201.20833333334</c:v>
+                </c:pt>
+                <c:pt idx="17">
+                  <c:v>65203.02222222221</c:v>
+                </c:pt>
+                <c:pt idx="18">
+                  <c:v>76100.86111111112</c:v>
+                </c:pt>
+                <c:pt idx="19">
+                  <c:v>55401.96666666666</c:v>
+                </c:pt>
+                <c:pt idx="20">
+                  <c:v>65009.03921568628</c:v>
+                </c:pt>
+                <c:pt idx="21">
+                  <c:v>62578.3611111111</c:v>
+                </c:pt>
+                <c:pt idx="22">
+                  <c:v>43890.66666666666</c:v>
+                </c:pt>
+              </c:numCache>
+            </c:numRef>
+          </c:val>
+          <c:smooth val="0"/>
+        </c:ser>
+        <c:ser>
+          <c:idx val="1"/>
+          <c:order val="1"/>
+          <c:tx>
+            <c:strRef>
+              <c:f>'TX CHANGES'!$C$31</c:f>
+              <c:strCache>
+                <c:ptCount val="1"/>
+                <c:pt idx="0">
+                  <c:v>2011</c:v>
+                </c:pt>
+              </c:strCache>
+            </c:strRef>
+          </c:tx>
+          <c:spPr>
+            <a:ln w="28575" cap="rnd">
+              <a:solidFill>
+                <a:schemeClr val="accent2"/>
+              </a:solidFill>
+              <a:round/>
+            </a:ln>
+            <a:effectLst/>
+          </c:spPr>
+          <c:marker>
+            <c:symbol val="none"/>
+          </c:marker>
+          <c:cat>
+            <c:strRef>
+              <c:f>'TX CHANGES'!$A$32:$A$54</c:f>
+              <c:strCache>
+                <c:ptCount val="23"/>
+                <c:pt idx="0">
+                  <c:v>ARCHITECTURE AND RELATED SERVICES</c:v>
+                </c:pt>
+                <c:pt idx="1">
+                  <c:v>AREA, ETHNIC, CULTURAL, GENDER, AND GROUP STUDIES</c:v>
+                </c:pt>
+                <c:pt idx="2">
+                  <c:v>BIOLOGICAL AND BIOMEDICAL SCIENCES</c:v>
+                </c:pt>
+                <c:pt idx="3">
+                  <c:v>BUSINESS, MANAGEMENT, MARKETING, AND RELATED SUPPORT SERVICES</c:v>
+                </c:pt>
+                <c:pt idx="4">
+                  <c:v>COMMUNICATION, JOURNALISM, AND RELATED PROGRAMS</c:v>
+                </c:pt>
+                <c:pt idx="5">
+                  <c:v>COMPUTER AND INFORMATION SCIENCES AND SUPPORT SERVICES</c:v>
+                </c:pt>
+                <c:pt idx="6">
+                  <c:v>EDUCATION</c:v>
+                </c:pt>
+                <c:pt idx="7">
+                  <c:v>ENGINEERING</c:v>
+                </c:pt>
+                <c:pt idx="8">
+                  <c:v>ENGINEERING TECHNOLOGIES AND ENGINEERING-RELATED FIELDS</c:v>
+                </c:pt>
+                <c:pt idx="9">
+                  <c:v>ENGLISH LANGUAGE AND LITERATURE/LETTERS</c:v>
+                </c:pt>
+                <c:pt idx="10">
+                  <c:v>FOREIGN LANGUAGES, LITERATURES, AND LINGUISTICS</c:v>
+                </c:pt>
+                <c:pt idx="11">
+                  <c:v>HEALTH PROFESSIONS AND RELATED PROGRAMS</c:v>
+                </c:pt>
+                <c:pt idx="12">
+                  <c:v>HISTORY</c:v>
+                </c:pt>
+                <c:pt idx="13">
+                  <c:v>HOMELAND SECURITY, LAW ENFORCEMENT, FIREFIGHTING AND RELATED PROTECTIVE SERVICES</c:v>
+                </c:pt>
+                <c:pt idx="14">
+                  <c:v>LIBERAL ARTS AND SCIENCES, GENERAL STUDIES AND HUMANITIES</c:v>
+                </c:pt>
+                <c:pt idx="15">
+                  <c:v>LIBRARY SCIENCE</c:v>
+                </c:pt>
+                <c:pt idx="16">
+                  <c:v>MATHEMATICS AND STATISTICS</c:v>
+                </c:pt>
+                <c:pt idx="17">
+                  <c:v>MULTI/INTERDISCIPLINARY STUDIES</c:v>
+                </c:pt>
+                <c:pt idx="18">
+                  <c:v>PHYSICAL SCIENCES</c:v>
+                </c:pt>
+                <c:pt idx="19">
+                  <c:v>PSYCHOLOGY</c:v>
+                </c:pt>
+                <c:pt idx="20">
+                  <c:v>PUBLIC ADMINISTRATION AND SOCIAL SERVICE PROFESSIONS</c:v>
+                </c:pt>
+                <c:pt idx="21">
+                  <c:v>SOCIAL SCIENCES</c:v>
+                </c:pt>
+                <c:pt idx="22">
+                  <c:v>VISUAL AND PERFORMING ARTS</c:v>
+                </c:pt>
+              </c:strCache>
+            </c:strRef>
+          </c:cat>
+          <c:val>
+            <c:numRef>
+              <c:f>'TX CHANGES'!$C$32:$C$54</c:f>
+              <c:numCache>
+                <c:formatCode>"$"#,##0.00</c:formatCode>
+                <c:ptCount val="23"/>
+                <c:pt idx="0">
+                  <c:v>49751.0</c:v>
+                </c:pt>
+                <c:pt idx="1">
+                  <c:v>37253.33333333334</c:v>
+                </c:pt>
+                <c:pt idx="2">
+                  <c:v>43433.58333333334</c:v>
+                </c:pt>
+                <c:pt idx="3">
+                  <c:v>70899.55555555556</c:v>
+                </c:pt>
+                <c:pt idx="4">
+                  <c:v>48342.40000000001</c:v>
+                </c:pt>
+                <c:pt idx="5">
+                  <c:v>82529.85714285714</c:v>
+                </c:pt>
+                <c:pt idx="6">
+                  <c:v>51835.66666666667</c:v>
+                </c:pt>
+                <c:pt idx="7">
+                  <c:v>71725.14285714287</c:v>
+                </c:pt>
+                <c:pt idx="8">
+                  <c:v>87813.33333333333</c:v>
+                </c:pt>
+                <c:pt idx="9">
+                  <c:v>40894.73333333333</c:v>
+                </c:pt>
+                <c:pt idx="10">
+                  <c:v>38781.44444444444</c:v>
+                </c:pt>
+                <c:pt idx="11">
+                  <c:v>78823.06666666668</c:v>
+                </c:pt>
+                <c:pt idx="12">
+                  <c:v>40813.11111111112</c:v>
+                </c:pt>
+                <c:pt idx="13">
+                  <c:v>50500.44444444444</c:v>
+                </c:pt>
+                <c:pt idx="14">
+                  <c:v>35923.0</c:v>
+                </c:pt>
+                <c:pt idx="15">
+                  <c:v>49381.33333333334</c:v>
+                </c:pt>
+                <c:pt idx="16">
+                  <c:v>54827.90476190476</c:v>
+                </c:pt>
+                <c:pt idx="17">
+                  <c:v>51480.26666666667</c:v>
+                </c:pt>
+                <c:pt idx="18">
+                  <c:v>71640.90476190476</c:v>
+                </c:pt>
+                <c:pt idx="19">
+                  <c:v>42669.94444444444</c:v>
+                </c:pt>
+                <c:pt idx="20">
+                  <c:v>55013.5238095238</c:v>
+                </c:pt>
+                <c:pt idx="21">
+                  <c:v>42412.73333333334</c:v>
+                </c:pt>
+                <c:pt idx="22">
+                  <c:v>40842.46666666666</c:v>
+                </c:pt>
+              </c:numCache>
+            </c:numRef>
+          </c:val>
+          <c:smooth val="0"/>
+        </c:ser>
+        <c:dLbls>
+          <c:showLegendKey val="0"/>
+          <c:showVal val="0"/>
+          <c:showCatName val="0"/>
+          <c:showSerName val="0"/>
+          <c:showPercent val="0"/>
+          <c:showBubbleSize val="0"/>
+        </c:dLbls>
+        <c:smooth val="0"/>
+        <c:axId val="713529184"/>
+        <c:axId val="720822688"/>
+      </c:lineChart>
+      <c:catAx>
+        <c:axId val="713529184"/>
+        <c:scaling>
+          <c:orientation val="minMax"/>
+        </c:scaling>
+        <c:delete val="0"/>
+        <c:axPos val="b"/>
+        <c:numFmt formatCode="General" sourceLinked="1"/>
+        <c:majorTickMark val="none"/>
+        <c:minorTickMark val="none"/>
+        <c:tickLblPos val="nextTo"/>
+        <c:spPr>
+          <a:noFill/>
+          <a:ln w="9525" cap="flat" cmpd="sng" algn="ctr">
+            <a:solidFill>
+              <a:schemeClr val="tx1">
+                <a:lumMod val="15000"/>
+                <a:lumOff val="85000"/>
+              </a:schemeClr>
+            </a:solidFill>
+            <a:round/>
+          </a:ln>
+          <a:effectLst/>
+        </c:spPr>
+        <c:txPr>
+          <a:bodyPr rot="-60000000" spcFirstLastPara="1" vertOverflow="ellipsis" vert="horz" wrap="square" anchor="ctr" anchorCtr="1"/>
+          <a:lstStyle/>
+          <a:p>
+            <a:pPr>
+              <a:defRPr sz="900" b="0" i="0" u="none" strike="noStrike" kern="1200" baseline="0">
+                <a:solidFill>
+                  <a:schemeClr val="tx1">
+                    <a:lumMod val="65000"/>
+                    <a:lumOff val="35000"/>
+                  </a:schemeClr>
+                </a:solidFill>
+                <a:latin typeface="+mn-lt"/>
+                <a:ea typeface="+mn-ea"/>
+                <a:cs typeface="+mn-cs"/>
+              </a:defRPr>
+            </a:pPr>
+            <a:endParaRPr lang="en-US"/>
+          </a:p>
+        </c:txPr>
+        <c:crossAx val="720822688"/>
+        <c:crosses val="autoZero"/>
+        <c:auto val="1"/>
+        <c:lblAlgn val="ctr"/>
+        <c:lblOffset val="100"/>
+        <c:noMultiLvlLbl val="0"/>
+      </c:catAx>
+      <c:valAx>
+        <c:axId val="720822688"/>
+        <c:scaling>
+          <c:orientation val="minMax"/>
+        </c:scaling>
+        <c:delete val="0"/>
+        <c:axPos val="l"/>
+        <c:majorGridlines>
+          <c:spPr>
+            <a:ln w="9525" cap="flat" cmpd="sng" algn="ctr">
+              <a:solidFill>
+                <a:schemeClr val="tx1">
+                  <a:lumMod val="15000"/>
+                  <a:lumOff val="85000"/>
+                </a:schemeClr>
+              </a:solidFill>
+              <a:round/>
+            </a:ln>
+            <a:effectLst/>
+          </c:spPr>
+        </c:majorGridlines>
+        <c:majorTickMark val="none"/>
+        <c:minorTickMark val="none"/>
+        <c:tickLblPos val="nextTo"/>
+        <c:spPr>
+          <a:noFill/>
+          <a:ln>
+            <a:noFill/>
+          </a:ln>
+          <a:effectLst/>
+        </c:spPr>
+        <c:txPr>
+          <a:bodyPr rot="-60000000" spcFirstLastPara="1" vertOverflow="ellipsis" vert="horz" wrap="square" anchor="ctr" anchorCtr="1"/>
+          <a:lstStyle/>
+          <a:p>
+            <a:pPr>
+              <a:defRPr sz="900" b="0" i="0" u="none" strike="noStrike" kern="1200" baseline="0">
+                <a:solidFill>
+                  <a:schemeClr val="tx1">
+                    <a:lumMod val="65000"/>
+                    <a:lumOff val="35000"/>
+                  </a:schemeClr>
+                </a:solidFill>
+                <a:latin typeface="+mn-lt"/>
+                <a:ea typeface="+mn-ea"/>
+                <a:cs typeface="+mn-cs"/>
+              </a:defRPr>
+            </a:pPr>
+            <a:endParaRPr lang="en-US"/>
+          </a:p>
+        </c:txPr>
+        <c:crossAx val="713529184"/>
+        <c:crosses val="autoZero"/>
+        <c:crossBetween val="between"/>
+      </c:valAx>
+      <c:spPr>
+        <a:noFill/>
+        <a:ln>
+          <a:noFill/>
+        </a:ln>
+        <a:effectLst/>
+      </c:spPr>
+    </c:plotArea>
+    <c:legend>
+      <c:legendPos val="b"/>
+      <c:layout/>
+      <c:overlay val="0"/>
+      <c:spPr>
+        <a:noFill/>
+        <a:ln>
+          <a:noFill/>
+        </a:ln>
+        <a:effectLst/>
+      </c:spPr>
+      <c:txPr>
+        <a:bodyPr rot="0" spcFirstLastPara="1" vertOverflow="ellipsis" vert="horz" wrap="square" anchor="ctr" anchorCtr="1"/>
+        <a:lstStyle/>
+        <a:p>
+          <a:pPr>
+            <a:defRPr sz="900" b="0" i="0" u="none" strike="noStrike" kern="1200" baseline="0">
+              <a:solidFill>
+                <a:schemeClr val="tx1">
+                  <a:lumMod val="65000"/>
+                  <a:lumOff val="35000"/>
+                </a:schemeClr>
+              </a:solidFill>
+              <a:latin typeface="+mn-lt"/>
+              <a:ea typeface="+mn-ea"/>
+              <a:cs typeface="+mn-cs"/>
+            </a:defRPr>
+          </a:pPr>
+          <a:endParaRPr lang="en-US"/>
+        </a:p>
+      </c:txPr>
+    </c:legend>
+    <c:plotVisOnly val="1"/>
+    <c:dispBlanksAs val="gap"/>
+    <c:showDLblsOverMax val="0"/>
+  </c:chart>
+  <c:spPr>
+    <a:noFill/>
+    <a:ln>
+      <a:noFill/>
+    </a:ln>
+    <a:effectLst/>
+  </c:spPr>
+  <c:txPr>
+    <a:bodyPr/>
+    <a:lstStyle/>
+    <a:p>
+      <a:pPr>
+        <a:defRPr/>
+      </a:pPr>
+      <a:endParaRPr lang="en-US"/>
+    </a:p>
+  </c:txPr>
+  <c:externalData r:id="rId3">
+    <c:autoUpdate val="0"/>
+  </c:externalData>
+</c:chartSpace>
+</file>
+
+<file path=ppt/charts/chart3.xml><?xml version="1.0" encoding="utf-8"?>
+<c:chartSpace xmlns:c="http://schemas.openxmlformats.org/drawingml/2006/chart" xmlns:a="http://schemas.openxmlformats.org/drawingml/2006/main" xmlns:r="http://schemas.openxmlformats.org/officeDocument/2006/relationships">
+  <c:date1904 val="0"/>
+  <c:lang val="en-US"/>
+  <c:roundedCorners val="0"/>
+  <mc:AlternateContent xmlns:mc="http://schemas.openxmlformats.org/markup-compatibility/2006">
+    <mc:Choice xmlns:c14="http://schemas.microsoft.com/office/drawing/2007/8/2/chart" Requires="c14">
+      <c14:style val="102"/>
+    </mc:Choice>
+    <mc:Fallback>
+      <c:style val="2"/>
+    </mc:Fallback>
+  </mc:AlternateContent>
+  <c:chart>
+    <c:title>
+      <c:tx>
+        <c:rich>
+          <a:bodyPr rot="0" spcFirstLastPara="1" vertOverflow="ellipsis" vert="horz" wrap="square" anchor="ctr" anchorCtr="1"/>
+          <a:lstStyle/>
+          <a:p>
+            <a:pPr>
+              <a:defRPr sz="1400" b="0" i="0" u="none" strike="noStrike" kern="1200" spc="0" baseline="0">
+                <a:solidFill>
+                  <a:schemeClr val="tx1">
+                    <a:lumMod val="65000"/>
+                    <a:lumOff val="35000"/>
+                  </a:schemeClr>
+                </a:solidFill>
+                <a:latin typeface="+mn-lt"/>
+                <a:ea typeface="+mn-ea"/>
+                <a:cs typeface="+mn-cs"/>
+              </a:defRPr>
+            </a:pPr>
+            <a:r>
+              <a:rPr lang="en-US"/>
+              <a:t>SALARIES FOR DOCTORAL STUDENTS - TEXAS</a:t>
+            </a:r>
+          </a:p>
+        </c:rich>
+      </c:tx>
+      <c:layout/>
+      <c:overlay val="0"/>
+      <c:spPr>
+        <a:noFill/>
+        <a:ln>
+          <a:noFill/>
+        </a:ln>
+        <a:effectLst/>
+      </c:spPr>
+      <c:txPr>
+        <a:bodyPr rot="0" spcFirstLastPara="1" vertOverflow="ellipsis" vert="horz" wrap="square" anchor="ctr" anchorCtr="1"/>
+        <a:lstStyle/>
+        <a:p>
+          <a:pPr>
+            <a:defRPr sz="1400" b="0" i="0" u="none" strike="noStrike" kern="1200" spc="0" baseline="0">
+              <a:solidFill>
+                <a:schemeClr val="tx1">
+                  <a:lumMod val="65000"/>
+                  <a:lumOff val="35000"/>
+                </a:schemeClr>
+              </a:solidFill>
+              <a:latin typeface="+mn-lt"/>
+              <a:ea typeface="+mn-ea"/>
+              <a:cs typeface="+mn-cs"/>
+            </a:defRPr>
+          </a:pPr>
+          <a:endParaRPr lang="en-US"/>
+        </a:p>
+      </c:txPr>
+    </c:title>
+    <c:autoTitleDeleted val="0"/>
+    <c:plotArea>
+      <c:layout/>
+      <c:lineChart>
+        <c:grouping val="standard"/>
+        <c:varyColors val="0"/>
+        <c:ser>
+          <c:idx val="0"/>
+          <c:order val="0"/>
+          <c:tx>
+            <c:v>2001</c:v>
+          </c:tx>
+          <c:spPr>
+            <a:ln w="28575" cap="rnd">
+              <a:solidFill>
+                <a:schemeClr val="accent1"/>
+              </a:solidFill>
+              <a:round/>
+            </a:ln>
+            <a:effectLst/>
+          </c:spPr>
+          <c:marker>
+            <c:symbol val="none"/>
+          </c:marker>
+          <c:cat>
+            <c:strRef>
+              <c:f>'TX CHANGES'!$A$4:$A$24</c:f>
+              <c:strCache>
+                <c:ptCount val="21"/>
+                <c:pt idx="0">
+                  <c:v>BIOLOGICAL AND BIOMEDICAL SCIENCES</c:v>
+                </c:pt>
+                <c:pt idx="1">
+                  <c:v>BUSINESS, MANAGEMENT, MARKETING, AND RELATED SUPPORT SERVICES</c:v>
+                </c:pt>
+                <c:pt idx="2">
+                  <c:v>COMMUNICATION, JOURNALISM, AND RELATED PROGRAMS</c:v>
+                </c:pt>
+                <c:pt idx="3">
+                  <c:v>COMPUTER AND INFORMATION SCIENCES AND SUPPORT SERVICES</c:v>
+                </c:pt>
+                <c:pt idx="4">
+                  <c:v>DENTISTRY</c:v>
+                </c:pt>
+                <c:pt idx="5">
+                  <c:v>EDUCATION</c:v>
+                </c:pt>
+                <c:pt idx="6">
+                  <c:v>ENGINEERING</c:v>
+                </c:pt>
+                <c:pt idx="7">
+                  <c:v>ENGLISH LANGUAGE AND LITERATURE/LETTERS</c:v>
+                </c:pt>
+                <c:pt idx="8">
+                  <c:v>FOREIGN LANGUAGES, LITERATURES, AND LINGUISTICS</c:v>
+                </c:pt>
+                <c:pt idx="9">
+                  <c:v>HEALTH PROFESSIONS AND RELATED PROGRAMS</c:v>
+                </c:pt>
+                <c:pt idx="10">
+                  <c:v>HISTORY</c:v>
+                </c:pt>
+                <c:pt idx="11">
+                  <c:v>LAW</c:v>
+                </c:pt>
+                <c:pt idx="12">
+                  <c:v>LIBERAL ARTS AND SCIENCES, GENERAL STUDIES AND HUMANITIES</c:v>
+                </c:pt>
+                <c:pt idx="13">
+                  <c:v>MATHEMATICS AND STATISTICS</c:v>
+                </c:pt>
+                <c:pt idx="14">
+                  <c:v>MEDICINE</c:v>
+                </c:pt>
+                <c:pt idx="15">
+                  <c:v>PHARMACY, PHARMACEUTICAL SCIENCES, AND ADMINISTRATION</c:v>
+                </c:pt>
+                <c:pt idx="16">
+                  <c:v>PHYSICAL SCIENCES</c:v>
+                </c:pt>
+                <c:pt idx="17">
+                  <c:v>PSYCHOLOGY</c:v>
+                </c:pt>
+                <c:pt idx="18">
+                  <c:v>PUBLIC ADMINISTRATION AND SOCIAL SERVICE PROFESSIONS</c:v>
+                </c:pt>
+                <c:pt idx="19">
+                  <c:v>SOCIAL SCIENCES</c:v>
+                </c:pt>
+                <c:pt idx="20">
+                  <c:v>VISUAL AND PERFORMING ARTS</c:v>
+                </c:pt>
+              </c:strCache>
+            </c:strRef>
+          </c:cat>
+          <c:val>
+            <c:numRef>
+              <c:f>'TX CHANGES'!$B$4:$B$24</c:f>
+              <c:numCache>
+                <c:formatCode>"$"#,##0.00</c:formatCode>
+                <c:ptCount val="21"/>
+                <c:pt idx="0">
+                  <c:v>82420.06666666667</c:v>
+                </c:pt>
+                <c:pt idx="1">
+                  <c:v>129733.8333333334</c:v>
+                </c:pt>
+                <c:pt idx="2">
+                  <c:v>75247.66666666667</c:v>
+                </c:pt>
+                <c:pt idx="3">
+                  <c:v>127642.5833333333</c:v>
+                </c:pt>
+                <c:pt idx="4">
+                  <c:v>125400.9444444444</c:v>
+                </c:pt>
+                <c:pt idx="5">
+                  <c:v>82450.83333333333</c:v>
+                </c:pt>
+                <c:pt idx="6">
+                  <c:v>114815.0277777778</c:v>
+                </c:pt>
+                <c:pt idx="7">
+                  <c:v>70722.55555555556</c:v>
+                </c:pt>
+                <c:pt idx="8">
+                  <c:v>60501.33333333334</c:v>
+                </c:pt>
+                <c:pt idx="9">
+                  <c:v>94929.25</c:v>
+                </c:pt>
+                <c:pt idx="10">
+                  <c:v>64235.66666666666</c:v>
+                </c:pt>
+                <c:pt idx="11">
+                  <c:v>139298.1111111111</c:v>
+                </c:pt>
+                <c:pt idx="12">
+                  <c:v>55326.0</c:v>
+                </c:pt>
+                <c:pt idx="13">
+                  <c:v>115582.5555555555</c:v>
+                </c:pt>
+                <c:pt idx="14">
+                  <c:v>167918.3333333333</c:v>
+                </c:pt>
+                <c:pt idx="15">
+                  <c:v>126176.4444444445</c:v>
+                </c:pt>
+                <c:pt idx="16">
+                  <c:v>99098.85714285714</c:v>
+                </c:pt>
+                <c:pt idx="17">
+                  <c:v>71340.25</c:v>
+                </c:pt>
+                <c:pt idx="18">
+                  <c:v>87278.8</c:v>
+                </c:pt>
+                <c:pt idx="19">
+                  <c:v>73502.8888888889</c:v>
+                </c:pt>
+                <c:pt idx="20">
+                  <c:v>57294.44444444444</c:v>
+                </c:pt>
+              </c:numCache>
+            </c:numRef>
+          </c:val>
+          <c:smooth val="0"/>
+        </c:ser>
+        <c:ser>
+          <c:idx val="1"/>
+          <c:order val="1"/>
+          <c:tx>
+            <c:v>2011</c:v>
+          </c:tx>
+          <c:spPr>
+            <a:ln w="28575" cap="rnd">
+              <a:solidFill>
+                <a:schemeClr val="accent2"/>
+              </a:solidFill>
+              <a:round/>
+            </a:ln>
+            <a:effectLst/>
+          </c:spPr>
+          <c:marker>
+            <c:symbol val="none"/>
+          </c:marker>
+          <c:cat>
+            <c:strRef>
+              <c:f>'TX CHANGES'!$A$4:$A$24</c:f>
+              <c:strCache>
+                <c:ptCount val="21"/>
+                <c:pt idx="0">
+                  <c:v>BIOLOGICAL AND BIOMEDICAL SCIENCES</c:v>
+                </c:pt>
+                <c:pt idx="1">
+                  <c:v>BUSINESS, MANAGEMENT, MARKETING, AND RELATED SUPPORT SERVICES</c:v>
+                </c:pt>
+                <c:pt idx="2">
+                  <c:v>COMMUNICATION, JOURNALISM, AND RELATED PROGRAMS</c:v>
+                </c:pt>
+                <c:pt idx="3">
+                  <c:v>COMPUTER AND INFORMATION SCIENCES AND SUPPORT SERVICES</c:v>
+                </c:pt>
+                <c:pt idx="4">
+                  <c:v>DENTISTRY</c:v>
+                </c:pt>
+                <c:pt idx="5">
+                  <c:v>EDUCATION</c:v>
+                </c:pt>
+                <c:pt idx="6">
+                  <c:v>ENGINEERING</c:v>
+                </c:pt>
+                <c:pt idx="7">
+                  <c:v>ENGLISH LANGUAGE AND LITERATURE/LETTERS</c:v>
+                </c:pt>
+                <c:pt idx="8">
+                  <c:v>FOREIGN LANGUAGES, LITERATURES, AND LINGUISTICS</c:v>
+                </c:pt>
+                <c:pt idx="9">
+                  <c:v>HEALTH PROFESSIONS AND RELATED PROGRAMS</c:v>
+                </c:pt>
+                <c:pt idx="10">
+                  <c:v>HISTORY</c:v>
+                </c:pt>
+                <c:pt idx="11">
+                  <c:v>LAW</c:v>
+                </c:pt>
+                <c:pt idx="12">
+                  <c:v>LIBERAL ARTS AND SCIENCES, GENERAL STUDIES AND HUMANITIES</c:v>
+                </c:pt>
+                <c:pt idx="13">
+                  <c:v>MATHEMATICS AND STATISTICS</c:v>
+                </c:pt>
+                <c:pt idx="14">
+                  <c:v>MEDICINE</c:v>
+                </c:pt>
+                <c:pt idx="15">
+                  <c:v>PHARMACY, PHARMACEUTICAL SCIENCES, AND ADMINISTRATION</c:v>
+                </c:pt>
+                <c:pt idx="16">
+                  <c:v>PHYSICAL SCIENCES</c:v>
+                </c:pt>
+                <c:pt idx="17">
+                  <c:v>PSYCHOLOGY</c:v>
+                </c:pt>
+                <c:pt idx="18">
+                  <c:v>PUBLIC ADMINISTRATION AND SOCIAL SERVICE PROFESSIONS</c:v>
+                </c:pt>
+                <c:pt idx="19">
+                  <c:v>SOCIAL SCIENCES</c:v>
+                </c:pt>
+                <c:pt idx="20">
+                  <c:v>VISUAL AND PERFORMING ARTS</c:v>
+                </c:pt>
+              </c:strCache>
+            </c:strRef>
+          </c:cat>
+          <c:val>
+            <c:numRef>
+              <c:f>'TX CHANGES'!$C$4:$C$24</c:f>
+              <c:numCache>
+                <c:formatCode>"$"#,##0.00</c:formatCode>
+                <c:ptCount val="21"/>
+                <c:pt idx="0">
+                  <c:v>47050.94444444443</c:v>
+                </c:pt>
+                <c:pt idx="1">
+                  <c:v>123419.9333333333</c:v>
+                </c:pt>
+                <c:pt idx="2">
+                  <c:v>70460.66666666667</c:v>
+                </c:pt>
+                <c:pt idx="3">
+                  <c:v>126377.0</c:v>
+                </c:pt>
+                <c:pt idx="4">
+                  <c:v>106170.8333333333</c:v>
+                </c:pt>
+                <c:pt idx="5">
+                  <c:v>70098.5</c:v>
+                </c:pt>
+                <c:pt idx="6">
+                  <c:v>90714.06666666667</c:v>
+                </c:pt>
+                <c:pt idx="7">
+                  <c:v>58846.66666666666</c:v>
+                </c:pt>
+                <c:pt idx="8">
+                  <c:v>55836.66666666666</c:v>
+                </c:pt>
+                <c:pt idx="9">
+                  <c:v>88325.33333333333</c:v>
+                </c:pt>
+                <c:pt idx="10">
+                  <c:v>55592.0</c:v>
+                </c:pt>
+                <c:pt idx="11">
+                  <c:v>116446.0</c:v>
+                </c:pt>
+                <c:pt idx="12">
+                  <c:v>42911.66666666666</c:v>
+                </c:pt>
+                <c:pt idx="13">
+                  <c:v>76179.0</c:v>
+                </c:pt>
+                <c:pt idx="14">
+                  <c:v>55027.75</c:v>
+                </c:pt>
+                <c:pt idx="15">
+                  <c:v>125402.3333333333</c:v>
+                </c:pt>
+                <c:pt idx="16">
+                  <c:v>72403.22222222223</c:v>
+                </c:pt>
+                <c:pt idx="17">
+                  <c:v>63374.33333333334</c:v>
+                </c:pt>
+                <c:pt idx="18">
+                  <c:v>79289.44444444445</c:v>
+                </c:pt>
+                <c:pt idx="19">
+                  <c:v>69766.0</c:v>
+                </c:pt>
+                <c:pt idx="20">
+                  <c:v>44670.33333333334</c:v>
+                </c:pt>
+              </c:numCache>
+            </c:numRef>
+          </c:val>
+          <c:smooth val="0"/>
+        </c:ser>
+        <c:dLbls>
+          <c:showLegendKey val="0"/>
+          <c:showVal val="0"/>
+          <c:showCatName val="0"/>
+          <c:showSerName val="0"/>
+          <c:showPercent val="0"/>
+          <c:showBubbleSize val="0"/>
+        </c:dLbls>
+        <c:smooth val="0"/>
+        <c:axId val="778540960"/>
+        <c:axId val="778543280"/>
+      </c:lineChart>
+      <c:catAx>
+        <c:axId val="778540960"/>
+        <c:scaling>
+          <c:orientation val="minMax"/>
+        </c:scaling>
+        <c:delete val="0"/>
+        <c:axPos val="b"/>
+        <c:numFmt formatCode="General" sourceLinked="1"/>
+        <c:majorTickMark val="none"/>
+        <c:minorTickMark val="none"/>
+        <c:tickLblPos val="nextTo"/>
+        <c:spPr>
+          <a:noFill/>
+          <a:ln w="9525" cap="flat" cmpd="sng" algn="ctr">
+            <a:solidFill>
+              <a:schemeClr val="tx1">
+                <a:lumMod val="15000"/>
+                <a:lumOff val="85000"/>
+              </a:schemeClr>
+            </a:solidFill>
+            <a:round/>
+          </a:ln>
+          <a:effectLst/>
+        </c:spPr>
+        <c:txPr>
+          <a:bodyPr rot="-60000000" spcFirstLastPara="1" vertOverflow="ellipsis" vert="horz" wrap="square" anchor="ctr" anchorCtr="1"/>
+          <a:lstStyle/>
+          <a:p>
+            <a:pPr>
+              <a:defRPr sz="900" b="0" i="0" u="none" strike="noStrike" kern="1200" baseline="0">
+                <a:solidFill>
+                  <a:schemeClr val="tx1">
+                    <a:lumMod val="65000"/>
+                    <a:lumOff val="35000"/>
+                  </a:schemeClr>
+                </a:solidFill>
+                <a:latin typeface="+mn-lt"/>
+                <a:ea typeface="+mn-ea"/>
+                <a:cs typeface="+mn-cs"/>
+              </a:defRPr>
+            </a:pPr>
+            <a:endParaRPr lang="en-US"/>
+          </a:p>
+        </c:txPr>
+        <c:crossAx val="778543280"/>
+        <c:crosses val="autoZero"/>
+        <c:auto val="1"/>
+        <c:lblAlgn val="ctr"/>
+        <c:lblOffset val="100"/>
+        <c:noMultiLvlLbl val="0"/>
+      </c:catAx>
+      <c:valAx>
+        <c:axId val="778543280"/>
+        <c:scaling>
+          <c:orientation val="minMax"/>
+        </c:scaling>
+        <c:delete val="0"/>
+        <c:axPos val="l"/>
+        <c:majorGridlines>
+          <c:spPr>
+            <a:ln w="9525" cap="flat" cmpd="sng" algn="ctr">
+              <a:solidFill>
+                <a:schemeClr val="tx1">
+                  <a:lumMod val="15000"/>
+                  <a:lumOff val="85000"/>
+                </a:schemeClr>
+              </a:solidFill>
+              <a:round/>
+            </a:ln>
+            <a:effectLst/>
+          </c:spPr>
+        </c:majorGridlines>
+        <c:majorTickMark val="none"/>
+        <c:minorTickMark val="none"/>
+        <c:tickLblPos val="nextTo"/>
+        <c:spPr>
+          <a:noFill/>
+          <a:ln>
+            <a:noFill/>
+          </a:ln>
+          <a:effectLst/>
+        </c:spPr>
+        <c:txPr>
+          <a:bodyPr rot="-60000000" spcFirstLastPara="1" vertOverflow="ellipsis" vert="horz" wrap="square" anchor="ctr" anchorCtr="1"/>
+          <a:lstStyle/>
+          <a:p>
+            <a:pPr>
+              <a:defRPr sz="900" b="0" i="0" u="none" strike="noStrike" kern="1200" baseline="0">
+                <a:solidFill>
+                  <a:schemeClr val="tx1">
+                    <a:lumMod val="65000"/>
+                    <a:lumOff val="35000"/>
+                  </a:schemeClr>
+                </a:solidFill>
+                <a:latin typeface="+mn-lt"/>
+                <a:ea typeface="+mn-ea"/>
+                <a:cs typeface="+mn-cs"/>
+              </a:defRPr>
+            </a:pPr>
+            <a:endParaRPr lang="en-US"/>
+          </a:p>
+        </c:txPr>
+        <c:crossAx val="778540960"/>
+        <c:crosses val="autoZero"/>
+        <c:crossBetween val="between"/>
+      </c:valAx>
+      <c:spPr>
+        <a:noFill/>
+        <a:ln>
+          <a:noFill/>
+        </a:ln>
+        <a:effectLst/>
+      </c:spPr>
+    </c:plotArea>
+    <c:legend>
+      <c:legendPos val="b"/>
+      <c:layout/>
+      <c:overlay val="0"/>
+      <c:spPr>
+        <a:noFill/>
+        <a:ln>
+          <a:noFill/>
+        </a:ln>
+        <a:effectLst/>
+      </c:spPr>
+      <c:txPr>
+        <a:bodyPr rot="0" spcFirstLastPara="1" vertOverflow="ellipsis" vert="horz" wrap="square" anchor="ctr" anchorCtr="1"/>
+        <a:lstStyle/>
+        <a:p>
+          <a:pPr>
+            <a:defRPr sz="900" b="0" i="0" u="none" strike="noStrike" kern="1200" baseline="0">
+              <a:solidFill>
+                <a:schemeClr val="tx1">
+                  <a:lumMod val="65000"/>
+                  <a:lumOff val="35000"/>
+                </a:schemeClr>
+              </a:solidFill>
+              <a:latin typeface="+mn-lt"/>
+              <a:ea typeface="+mn-ea"/>
+              <a:cs typeface="+mn-cs"/>
+            </a:defRPr>
+          </a:pPr>
+          <a:endParaRPr lang="en-US"/>
+        </a:p>
+      </c:txPr>
+    </c:legend>
+    <c:plotVisOnly val="1"/>
+    <c:dispBlanksAs val="gap"/>
+    <c:showDLblsOverMax val="0"/>
+  </c:chart>
+  <c:spPr>
+    <a:noFill/>
+    <a:ln>
+      <a:noFill/>
+    </a:ln>
+    <a:effectLst/>
+  </c:spPr>
+  <c:txPr>
+    <a:bodyPr/>
+    <a:lstStyle/>
+    <a:p>
+      <a:pPr>
+        <a:defRPr/>
+      </a:pPr>
+      <a:endParaRPr lang="en-US"/>
+    </a:p>
+  </c:txPr>
+  <c:externalData r:id="rId3">
+    <c:autoUpdate val="0"/>
+  </c:externalData>
+</c:chartSpace>
+</file>
+
+<file path=ppt/charts/chart4.xml><?xml version="1.0" encoding="utf-8"?>
+<c:chartSpace xmlns:c="http://schemas.openxmlformats.org/drawingml/2006/chart" xmlns:a="http://schemas.openxmlformats.org/drawingml/2006/main" xmlns:r="http://schemas.openxmlformats.org/officeDocument/2006/relationships">
+  <c:date1904 val="0"/>
+  <c:lang val="en-US"/>
+  <c:roundedCorners val="0"/>
+  <mc:AlternateContent xmlns:mc="http://schemas.openxmlformats.org/markup-compatibility/2006">
+    <mc:Choice xmlns:c14="http://schemas.microsoft.com/office/drawing/2007/8/2/chart" Requires="c14">
+      <c14:style val="102"/>
+    </mc:Choice>
+    <mc:Fallback>
+      <c:style val="2"/>
+    </mc:Fallback>
+  </mc:AlternateContent>
+  <c:chart>
+    <c:title>
+      <c:tx>
+        <c:rich>
+          <a:bodyPr rot="0" spcFirstLastPara="1" vertOverflow="ellipsis" vert="horz" wrap="square" anchor="ctr" anchorCtr="1"/>
+          <a:lstStyle/>
+          <a:p>
+            <a:pPr>
+              <a:defRPr sz="1400" b="0" i="0" u="none" strike="noStrike" kern="1200" spc="0" baseline="0">
+                <a:solidFill>
+                  <a:schemeClr val="tx1">
+                    <a:lumMod val="65000"/>
+                    <a:lumOff val="35000"/>
+                  </a:schemeClr>
+                </a:solidFill>
+                <a:latin typeface="+mn-lt"/>
+                <a:ea typeface="+mn-ea"/>
+                <a:cs typeface="+mn-cs"/>
+              </a:defRPr>
+            </a:pPr>
+            <a:r>
+              <a:rPr lang="en-US" dirty="0" smtClean="0"/>
+              <a:t>SALARIES</a:t>
+            </a:r>
+            <a:r>
+              <a:rPr lang="en-US" baseline="0" dirty="0" smtClean="0"/>
+              <a:t> FOR BACHELORS STUDENTS IN COLORADO</a:t>
+            </a:r>
+            <a:endParaRPr lang="en-US" dirty="0"/>
+          </a:p>
+        </c:rich>
+      </c:tx>
+      <c:layout/>
+      <c:overlay val="0"/>
+      <c:spPr>
+        <a:noFill/>
+        <a:ln>
+          <a:noFill/>
+        </a:ln>
+        <a:effectLst/>
+      </c:spPr>
+      <c:txPr>
+        <a:bodyPr rot="0" spcFirstLastPara="1" vertOverflow="ellipsis" vert="horz" wrap="square" anchor="ctr" anchorCtr="1"/>
+        <a:lstStyle/>
+        <a:p>
+          <a:pPr>
+            <a:defRPr sz="1400" b="0" i="0" u="none" strike="noStrike" kern="1200" spc="0" baseline="0">
+              <a:solidFill>
+                <a:schemeClr val="tx1">
+                  <a:lumMod val="65000"/>
+                  <a:lumOff val="35000"/>
+                </a:schemeClr>
+              </a:solidFill>
+              <a:latin typeface="+mn-lt"/>
+              <a:ea typeface="+mn-ea"/>
+              <a:cs typeface="+mn-cs"/>
+            </a:defRPr>
+          </a:pPr>
+          <a:endParaRPr lang="en-US"/>
+        </a:p>
+      </c:txPr>
+    </c:title>
+    <c:autoTitleDeleted val="0"/>
+    <c:plotArea>
+      <c:layout/>
+      <c:lineChart>
+        <c:grouping val="standard"/>
+        <c:varyColors val="0"/>
+        <c:ser>
+          <c:idx val="0"/>
+          <c:order val="0"/>
+          <c:tx>
+            <c:v>1998</c:v>
+          </c:tx>
+          <c:spPr>
+            <a:ln w="28575" cap="rnd">
+              <a:solidFill>
+                <a:schemeClr val="accent1"/>
+              </a:solidFill>
+              <a:round/>
+            </a:ln>
+            <a:effectLst/>
+          </c:spPr>
+          <c:marker>
+            <c:symbol val="none"/>
+          </c:marker>
+          <c:cat>
+            <c:strRef>
+              <c:f>'CO CHANGES'!$A$4:$A$131</c:f>
+              <c:strCache>
+                <c:ptCount val="77"/>
+                <c:pt idx="0">
+                  <c:v>ACCOUNTING AND RELATED SERVICES</c:v>
+                </c:pt>
+                <c:pt idx="1">
+                  <c:v>AEROSPACE, AERONAUTICAL AND ASTRONAUTICAL ENGINEERING</c:v>
+                </c:pt>
+                <c:pt idx="2">
+                  <c:v>AGRICULTURAL BUSINESS AND MANAGEMENT</c:v>
+                </c:pt>
+                <c:pt idx="3">
+                  <c:v>AIR TRANSPORTATION</c:v>
+                </c:pt>
+                <c:pt idx="4">
+                  <c:v>ANIMAL SCIENCES</c:v>
+                </c:pt>
+                <c:pt idx="5">
+                  <c:v>ANTHROPOLOGY</c:v>
+                </c:pt>
+                <c:pt idx="6">
+                  <c:v>APPAREL AND TEXTILES</c:v>
+                </c:pt>
+                <c:pt idx="7">
+                  <c:v>APPLIED HORTICULTURE AND HORTICULTURAL BUSINESS SERVICES</c:v>
+                </c:pt>
+                <c:pt idx="8">
+                  <c:v>ARCHITECTURAL ENGINEERING</c:v>
+                </c:pt>
+                <c:pt idx="9">
+                  <c:v>BIOCHEMISTRY, BIOPHYSICS AND MOLECULAR BIOLOGY</c:v>
+                </c:pt>
+                <c:pt idx="10">
+                  <c:v>BIOLOGY, GENERAL</c:v>
+                </c:pt>
+                <c:pt idx="11">
+                  <c:v>BUSINESS ADMINISTRATION, MANAGEMENT AND OPERATIONS</c:v>
+                </c:pt>
+                <c:pt idx="12">
+                  <c:v>CHEMICAL ENGINEERING</c:v>
+                </c:pt>
+                <c:pt idx="13">
+                  <c:v>CHEMISTRY</c:v>
+                </c:pt>
+                <c:pt idx="14">
+                  <c:v>CIVIL ENGINEERING</c:v>
+                </c:pt>
+                <c:pt idx="15">
+                  <c:v>COMMUNICATION AND MEDIA STUDIES</c:v>
+                </c:pt>
+                <c:pt idx="16">
+                  <c:v>COMMUNICATION DISORDERS SCIENCES AND SERVICES</c:v>
+                </c:pt>
+                <c:pt idx="17">
+                  <c:v>COMPUTER AND INFORMATION SCIENCES, GENERAL</c:v>
+                </c:pt>
+                <c:pt idx="18">
+                  <c:v>COMPUTER ENGINEERING</c:v>
+                </c:pt>
+                <c:pt idx="19">
+                  <c:v>COMPUTER SCIENCE</c:v>
+                </c:pt>
+                <c:pt idx="20">
+                  <c:v>CONSTRUCTION ENGINEERING TECHNOLOGIES</c:v>
+                </c:pt>
+                <c:pt idx="21">
+                  <c:v>CRIMINAL JUSTICE AND CORRECTIONS</c:v>
+                </c:pt>
+                <c:pt idx="22">
+                  <c:v>DESIGN AND APPLIED ARTS</c:v>
+                </c:pt>
+                <c:pt idx="23">
+                  <c:v>DIETETICS AND CLINICAL NUTRITION SERVICES</c:v>
+                </c:pt>
+                <c:pt idx="24">
+                  <c:v>DRAMA/THEATRE ARTS AND STAGECRAFT</c:v>
+                </c:pt>
+                <c:pt idx="25">
+                  <c:v>ECONOMICS</c:v>
+                </c:pt>
+                <c:pt idx="26">
+                  <c:v>ELECTRICAL ENGINEERING TECHNOLOGIES/TECHNICIANS</c:v>
+                </c:pt>
+                <c:pt idx="27">
+                  <c:v>ELECTRICAL, ELECTRONICS AND COMMUNICATIONS ENGINEERING</c:v>
+                </c:pt>
+                <c:pt idx="28">
+                  <c:v>ENGINEERING PHYSICS</c:v>
+                </c:pt>
+                <c:pt idx="29">
+                  <c:v>ENGINEERING, GENERAL</c:v>
+                </c:pt>
+                <c:pt idx="30">
+                  <c:v>ENGLISH LANGUAGE AND LITERATURE, GENERAL</c:v>
+                </c:pt>
+                <c:pt idx="31">
+                  <c:v>ENVIRONMENTAL DESIGN</c:v>
+                </c:pt>
+                <c:pt idx="32">
+                  <c:v>ETHNIC, CULTURAL MINORITY, GENDER, AND GROUP STUDIES</c:v>
+                </c:pt>
+                <c:pt idx="33">
+                  <c:v>FILM/VIDEO AND PHOTOGRAPHIC ARTS</c:v>
+                </c:pt>
+                <c:pt idx="34">
+                  <c:v>FINANCE AND FINANCIAL MANAGEMENT SERVICES</c:v>
+                </c:pt>
+                <c:pt idx="35">
+                  <c:v>FINE AND STUDIO ARTS</c:v>
+                </c:pt>
+                <c:pt idx="36">
+                  <c:v>FORESTRY</c:v>
+                </c:pt>
+                <c:pt idx="37">
+                  <c:v>GEOGRAPHY AND CARTOGRAPHY</c:v>
+                </c:pt>
+                <c:pt idx="38">
+                  <c:v>GEOLOGICAL AND EARTH SCIENCES/GEOSCIENCES</c:v>
+                </c:pt>
+                <c:pt idx="39">
+                  <c:v>GEOLOGICAL/GEOPHYSICAL ENGINEERING</c:v>
+                </c:pt>
+                <c:pt idx="40">
+                  <c:v>HEALTH AND MEDICAL ADMINISTRATIVE SERVICES</c:v>
+                </c:pt>
+                <c:pt idx="41">
+                  <c:v>HEALTH AND PHYSICAL EDUCATION/FITNESS</c:v>
+                </c:pt>
+                <c:pt idx="42">
+                  <c:v>HISTORY</c:v>
+                </c:pt>
+                <c:pt idx="43">
+                  <c:v>HOSPITALITY ADMINISTRATION/MANAGEMENT</c:v>
+                </c:pt>
+                <c:pt idx="44">
+                  <c:v>HUMAN DEVELOPMENT, FAMILY STUDIES, AND RELATED SERVICES</c:v>
+                </c:pt>
+                <c:pt idx="45">
+                  <c:v>JOURNALISM</c:v>
+                </c:pt>
+                <c:pt idx="46">
+                  <c:v>LANDSCAPE ARCHITECTURE</c:v>
+                </c:pt>
+                <c:pt idx="47">
+                  <c:v>LIBERAL ARTS AND SCIENCES, GENERAL STUDIES AND HUMANITIES</c:v>
+                </c:pt>
+                <c:pt idx="48">
+                  <c:v>MANAGEMENT INFORMATION SYSTEMS AND SERVICES</c:v>
+                </c:pt>
+                <c:pt idx="49">
+                  <c:v>MARKETING</c:v>
+                </c:pt>
+                <c:pt idx="50">
+                  <c:v>MATHEMATICS</c:v>
+                </c:pt>
+                <c:pt idx="51">
+                  <c:v>MECHANICAL ENGINEERING</c:v>
+                </c:pt>
+                <c:pt idx="52">
+                  <c:v>MECHANICAL ENGINEERING RELATED TECHNOLOGIES/TECHNICIANS</c:v>
+                </c:pt>
+                <c:pt idx="53">
+                  <c:v>METALLURGICAL ENGINEERING</c:v>
+                </c:pt>
+                <c:pt idx="54">
+                  <c:v>MICROBIOLOGICAL SCIENCES AND IMMUNOLOGY</c:v>
+                </c:pt>
+                <c:pt idx="55">
+                  <c:v>MULTI/INTERDISCIPLINARY STUDIES, OTHER</c:v>
+                </c:pt>
+                <c:pt idx="56">
+                  <c:v>MUSIC</c:v>
+                </c:pt>
+                <c:pt idx="57">
+                  <c:v>NATURAL RESOURCES CONSERVATION AND RESEARCH</c:v>
+                </c:pt>
+                <c:pt idx="58">
+                  <c:v>NATURAL RESOURCES MANAGEMENT AND POLICY</c:v>
+                </c:pt>
+                <c:pt idx="59">
+                  <c:v>PARKS, RECREATION AND LEISURE FACILITIES MANAGEMENT</c:v>
+                </c:pt>
+                <c:pt idx="60">
+                  <c:v>PARKS, RECREATION AND LEISURE STUDIES</c:v>
+                </c:pt>
+                <c:pt idx="61">
+                  <c:v>PETROLEUM ENGINEERING</c:v>
+                </c:pt>
+                <c:pt idx="62">
+                  <c:v>PHILOSOPHY</c:v>
+                </c:pt>
+                <c:pt idx="63">
+                  <c:v>PLANT SCIENCES</c:v>
+                </c:pt>
+                <c:pt idx="64">
+                  <c:v>POLITICAL SCIENCE AND GOVERNMENT</c:v>
+                </c:pt>
+                <c:pt idx="65">
+                  <c:v>PSYCHOLOGY, GENERAL</c:v>
+                </c:pt>
+                <c:pt idx="66">
+                  <c:v>PUBLIC HEALTH</c:v>
+                </c:pt>
+                <c:pt idx="67">
+                  <c:v>PUBLIC RELATIONS, ADVERTISING, AND APPLIED COMMUNICATION</c:v>
+                </c:pt>
+                <c:pt idx="68">
+                  <c:v>REGISTERED NURSING, NURSING ADMINISTRATION, NURSING RESEARCH AND CLINICAL NURSING</c:v>
+                </c:pt>
+                <c:pt idx="69">
+                  <c:v>RHETORIC AND COMPOSITION/WRITING STUDIES</c:v>
+                </c:pt>
+                <c:pt idx="70">
+                  <c:v>ROMANCE LANGUAGES, LITERATURES, AND LINGUISTICS</c:v>
+                </c:pt>
+                <c:pt idx="71">
+                  <c:v>SOCIAL SCIENCES, GENERAL</c:v>
+                </c:pt>
+                <c:pt idx="72">
+                  <c:v>SOCIAL WORK</c:v>
+                </c:pt>
+                <c:pt idx="73">
+                  <c:v>SOCIOLOGY</c:v>
+                </c:pt>
+                <c:pt idx="74">
+                  <c:v>TEACHER EDUCATION AND PROFESSIONAL DEVELOPMENT, SPECIFIC SUBJECT AREAS</c:v>
+                </c:pt>
+                <c:pt idx="75">
+                  <c:v>VISUAL AND PERFORMING ARTS, GENERAL</c:v>
+                </c:pt>
+                <c:pt idx="76">
+                  <c:v>ZOOLOGY/ANIMAL BIOLOGY</c:v>
+                </c:pt>
+              </c:strCache>
+            </c:strRef>
+          </c:cat>
+          <c:val>
+            <c:numRef>
+              <c:f>'CO CHANGES'!$B$4:$B$131</c:f>
+              <c:numCache>
+                <c:formatCode>"$"#,##0.00</c:formatCode>
+                <c:ptCount val="77"/>
+                <c:pt idx="0">
+                  <c:v>60259.12121212122</c:v>
+                </c:pt>
+                <c:pt idx="1">
+                  <c:v>85983.83333333334</c:v>
+                </c:pt>
+                <c:pt idx="2">
+                  <c:v>47630.66666666666</c:v>
+                </c:pt>
+                <c:pt idx="3">
+                  <c:v>51810.1111111111</c:v>
+                </c:pt>
+                <c:pt idx="4">
+                  <c:v>41629.44444444444</c:v>
+                </c:pt>
+                <c:pt idx="5">
+                  <c:v>39270.33333333334</c:v>
+                </c:pt>
+                <c:pt idx="6">
+                  <c:v>44827.77777777778</c:v>
+                </c:pt>
+                <c:pt idx="7">
+                  <c:v>44628.88888888888</c:v>
+                </c:pt>
+                <c:pt idx="8">
+                  <c:v>73027.8888888889</c:v>
+                </c:pt>
+                <c:pt idx="9">
+                  <c:v>58204.08333333334</c:v>
+                </c:pt>
+                <c:pt idx="10">
+                  <c:v>46975.09195402299</c:v>
+                </c:pt>
+                <c:pt idx="11">
+                  <c:v>55625.84848484848</c:v>
+                </c:pt>
+                <c:pt idx="12">
+                  <c:v>88263.2380952381</c:v>
+                </c:pt>
+                <c:pt idx="13">
+                  <c:v>59652.14285714285</c:v>
+                </c:pt>
+                <c:pt idx="14">
+                  <c:v>75254.2380952381</c:v>
+                </c:pt>
+                <c:pt idx="15">
+                  <c:v>47048.70370370369</c:v>
+                </c:pt>
+                <c:pt idx="16">
+                  <c:v>47590.66666666667</c:v>
+                </c:pt>
+                <c:pt idx="17">
+                  <c:v>81089.58333333333</c:v>
+                </c:pt>
+                <c:pt idx="18">
+                  <c:v>94431.8888888889</c:v>
+                </c:pt>
+                <c:pt idx="19">
+                  <c:v>86248.6</c:v>
+                </c:pt>
+                <c:pt idx="20">
+                  <c:v>76164.99999999999</c:v>
+                </c:pt>
+                <c:pt idx="21">
+                  <c:v>51365.77777777778</c:v>
+                </c:pt>
+                <c:pt idx="22">
+                  <c:v>48539.66666666667</c:v>
+                </c:pt>
+                <c:pt idx="23">
+                  <c:v>46926.91666666667</c:v>
+                </c:pt>
+                <c:pt idx="24">
+                  <c:v>39361.13333333334</c:v>
+                </c:pt>
+                <c:pt idx="25">
+                  <c:v>67069.02777777777</c:v>
+                </c:pt>
+                <c:pt idx="26">
+                  <c:v>84773.16666666667</c:v>
+                </c:pt>
+                <c:pt idx="27">
+                  <c:v>88292.73333333332</c:v>
+                </c:pt>
+                <c:pt idx="28">
+                  <c:v>76850.83333333334</c:v>
+                </c:pt>
+                <c:pt idx="29">
+                  <c:v>80415.66666666667</c:v>
+                </c:pt>
+                <c:pt idx="30">
+                  <c:v>41741.67901234567</c:v>
+                </c:pt>
+                <c:pt idx="31">
+                  <c:v>48788.55555555555</c:v>
+                </c:pt>
+                <c:pt idx="32">
+                  <c:v>47716.66666666666</c:v>
+                </c:pt>
+                <c:pt idx="33">
+                  <c:v>43080.11111111111</c:v>
+                </c:pt>
+                <c:pt idx="34">
+                  <c:v>58086.22222222222</c:v>
+                </c:pt>
+                <c:pt idx="35">
+                  <c:v>38567.35087719298</c:v>
+                </c:pt>
+                <c:pt idx="36">
+                  <c:v>51776.66666666666</c:v>
+                </c:pt>
+                <c:pt idx="37">
+                  <c:v>49712.38888888888</c:v>
+                </c:pt>
+                <c:pt idx="38">
+                  <c:v>57289.88888888887</c:v>
+                </c:pt>
+                <c:pt idx="39">
+                  <c:v>74779.22222222222</c:v>
+                </c:pt>
+                <c:pt idx="40">
+                  <c:v>57920.66666666667</c:v>
+                </c:pt>
+                <c:pt idx="41">
+                  <c:v>46209.69565217391</c:v>
+                </c:pt>
+                <c:pt idx="42">
+                  <c:v>44166.72727272726</c:v>
+                </c:pt>
+                <c:pt idx="43">
+                  <c:v>49788.33333333333</c:v>
+                </c:pt>
+                <c:pt idx="44">
+                  <c:v>37775.33333333334</c:v>
+                </c:pt>
+                <c:pt idx="45">
+                  <c:v>46765.41666666666</c:v>
+                </c:pt>
+                <c:pt idx="46">
+                  <c:v>55794.66666666666</c:v>
+                </c:pt>
+                <c:pt idx="47">
+                  <c:v>42812.9</c:v>
+                </c:pt>
+                <c:pt idx="48">
+                  <c:v>64266.66666666668</c:v>
+                </c:pt>
+                <c:pt idx="49">
+                  <c:v>51338.88888888888</c:v>
+                </c:pt>
+                <c:pt idx="50">
+                  <c:v>66370.33333333333</c:v>
+                </c:pt>
+                <c:pt idx="51">
+                  <c:v>75226.20833333334</c:v>
+                </c:pt>
+                <c:pt idx="52">
+                  <c:v>70619.58333333333</c:v>
+                </c:pt>
+                <c:pt idx="53">
+                  <c:v>83656.83333333333</c:v>
+                </c:pt>
+                <c:pt idx="54">
+                  <c:v>51058.33333333334</c:v>
+                </c:pt>
+                <c:pt idx="55">
+                  <c:v>46438.73333333333</c:v>
+                </c:pt>
+                <c:pt idx="56">
+                  <c:v>42433.25</c:v>
+                </c:pt>
+                <c:pt idx="57">
+                  <c:v>45079.88888888888</c:v>
+                </c:pt>
+                <c:pt idx="58">
+                  <c:v>51798.0</c:v>
+                </c:pt>
+                <c:pt idx="59">
+                  <c:v>43552.93333333333</c:v>
+                </c:pt>
+                <c:pt idx="60">
+                  <c:v>41494.25</c:v>
+                </c:pt>
+                <c:pt idx="61">
+                  <c:v>170241.6666666667</c:v>
+                </c:pt>
+                <c:pt idx="62">
+                  <c:v>57660.5</c:v>
+                </c:pt>
+                <c:pt idx="63">
+                  <c:v>45890.0</c:v>
+                </c:pt>
+                <c:pt idx="64">
+                  <c:v>56936.33333333333</c:v>
+                </c:pt>
+                <c:pt idx="65">
+                  <c:v>41657.42528735632</c:v>
+                </c:pt>
+                <c:pt idx="66">
+                  <c:v>53182.8888888889</c:v>
+                </c:pt>
+                <c:pt idx="67">
+                  <c:v>53385.33333333334</c:v>
+                </c:pt>
+                <c:pt idx="68">
+                  <c:v>62636.38461538462</c:v>
+                </c:pt>
+                <c:pt idx="69">
+                  <c:v>47848.875</c:v>
+                </c:pt>
+                <c:pt idx="70">
+                  <c:v>46904.23333333333</c:v>
+                </c:pt>
+                <c:pt idx="71">
+                  <c:v>43342.41666666666</c:v>
+                </c:pt>
+                <c:pt idx="72">
+                  <c:v>41364.70833333333</c:v>
+                </c:pt>
+                <c:pt idx="73">
+                  <c:v>44194.90476190476</c:v>
+                </c:pt>
+                <c:pt idx="74">
+                  <c:v>43526.66666666666</c:v>
+                </c:pt>
+                <c:pt idx="75">
+                  <c:v>36728.5</c:v>
+                </c:pt>
+                <c:pt idx="76">
+                  <c:v>41465.22222222222</c:v>
+                </c:pt>
+              </c:numCache>
+            </c:numRef>
+          </c:val>
+          <c:smooth val="0"/>
+        </c:ser>
+        <c:ser>
+          <c:idx val="1"/>
+          <c:order val="1"/>
+          <c:tx>
+            <c:v>2013</c:v>
+          </c:tx>
+          <c:spPr>
+            <a:ln w="28575" cap="rnd">
+              <a:solidFill>
+                <a:schemeClr val="accent2"/>
+              </a:solidFill>
+              <a:round/>
+            </a:ln>
+            <a:effectLst/>
+          </c:spPr>
+          <c:marker>
+            <c:symbol val="none"/>
+          </c:marker>
+          <c:cat>
+            <c:strRef>
+              <c:f>'CO CHANGES'!$A$4:$A$131</c:f>
+              <c:strCache>
+                <c:ptCount val="77"/>
+                <c:pt idx="0">
+                  <c:v>ACCOUNTING AND RELATED SERVICES</c:v>
+                </c:pt>
+                <c:pt idx="1">
+                  <c:v>AEROSPACE, AERONAUTICAL AND ASTRONAUTICAL ENGINEERING</c:v>
+                </c:pt>
+                <c:pt idx="2">
+                  <c:v>AGRICULTURAL BUSINESS AND MANAGEMENT</c:v>
+                </c:pt>
+                <c:pt idx="3">
+                  <c:v>AIR TRANSPORTATION</c:v>
+                </c:pt>
+                <c:pt idx="4">
+                  <c:v>ANIMAL SCIENCES</c:v>
+                </c:pt>
+                <c:pt idx="5">
+                  <c:v>ANTHROPOLOGY</c:v>
+                </c:pt>
+                <c:pt idx="6">
+                  <c:v>APPAREL AND TEXTILES</c:v>
+                </c:pt>
+                <c:pt idx="7">
+                  <c:v>APPLIED HORTICULTURE AND HORTICULTURAL BUSINESS SERVICES</c:v>
+                </c:pt>
+                <c:pt idx="8">
+                  <c:v>ARCHITECTURAL ENGINEERING</c:v>
+                </c:pt>
+                <c:pt idx="9">
+                  <c:v>BIOCHEMISTRY, BIOPHYSICS AND MOLECULAR BIOLOGY</c:v>
+                </c:pt>
+                <c:pt idx="10">
+                  <c:v>BIOLOGY, GENERAL</c:v>
+                </c:pt>
+                <c:pt idx="11">
+                  <c:v>BUSINESS ADMINISTRATION, MANAGEMENT AND OPERATIONS</c:v>
+                </c:pt>
+                <c:pt idx="12">
+                  <c:v>CHEMICAL ENGINEERING</c:v>
+                </c:pt>
+                <c:pt idx="13">
+                  <c:v>CHEMISTRY</c:v>
+                </c:pt>
+                <c:pt idx="14">
+                  <c:v>CIVIL ENGINEERING</c:v>
+                </c:pt>
+                <c:pt idx="15">
+                  <c:v>COMMUNICATION AND MEDIA STUDIES</c:v>
+                </c:pt>
+                <c:pt idx="16">
+                  <c:v>COMMUNICATION DISORDERS SCIENCES AND SERVICES</c:v>
+                </c:pt>
+                <c:pt idx="17">
+                  <c:v>COMPUTER AND INFORMATION SCIENCES, GENERAL</c:v>
+                </c:pt>
+                <c:pt idx="18">
+                  <c:v>COMPUTER ENGINEERING</c:v>
+                </c:pt>
+                <c:pt idx="19">
+                  <c:v>COMPUTER SCIENCE</c:v>
+                </c:pt>
+                <c:pt idx="20">
+                  <c:v>CONSTRUCTION ENGINEERING TECHNOLOGIES</c:v>
+                </c:pt>
+                <c:pt idx="21">
+                  <c:v>CRIMINAL JUSTICE AND CORRECTIONS</c:v>
+                </c:pt>
+                <c:pt idx="22">
+                  <c:v>DESIGN AND APPLIED ARTS</c:v>
+                </c:pt>
+                <c:pt idx="23">
+                  <c:v>DIETETICS AND CLINICAL NUTRITION SERVICES</c:v>
+                </c:pt>
+                <c:pt idx="24">
+                  <c:v>DRAMA/THEATRE ARTS AND STAGECRAFT</c:v>
+                </c:pt>
+                <c:pt idx="25">
+                  <c:v>ECONOMICS</c:v>
+                </c:pt>
+                <c:pt idx="26">
+                  <c:v>ELECTRICAL ENGINEERING TECHNOLOGIES/TECHNICIANS</c:v>
+                </c:pt>
+                <c:pt idx="27">
+                  <c:v>ELECTRICAL, ELECTRONICS AND COMMUNICATIONS ENGINEERING</c:v>
+                </c:pt>
+                <c:pt idx="28">
+                  <c:v>ENGINEERING PHYSICS</c:v>
+                </c:pt>
+                <c:pt idx="29">
+                  <c:v>ENGINEERING, GENERAL</c:v>
+                </c:pt>
+                <c:pt idx="30">
+                  <c:v>ENGLISH LANGUAGE AND LITERATURE, GENERAL</c:v>
+                </c:pt>
+                <c:pt idx="31">
+                  <c:v>ENVIRONMENTAL DESIGN</c:v>
+                </c:pt>
+                <c:pt idx="32">
+                  <c:v>ETHNIC, CULTURAL MINORITY, GENDER, AND GROUP STUDIES</c:v>
+                </c:pt>
+                <c:pt idx="33">
+                  <c:v>FILM/VIDEO AND PHOTOGRAPHIC ARTS</c:v>
+                </c:pt>
+                <c:pt idx="34">
+                  <c:v>FINANCE AND FINANCIAL MANAGEMENT SERVICES</c:v>
+                </c:pt>
+                <c:pt idx="35">
+                  <c:v>FINE AND STUDIO ARTS</c:v>
+                </c:pt>
+                <c:pt idx="36">
+                  <c:v>FORESTRY</c:v>
+                </c:pt>
+                <c:pt idx="37">
+                  <c:v>GEOGRAPHY AND CARTOGRAPHY</c:v>
+                </c:pt>
+                <c:pt idx="38">
+                  <c:v>GEOLOGICAL AND EARTH SCIENCES/GEOSCIENCES</c:v>
+                </c:pt>
+                <c:pt idx="39">
+                  <c:v>GEOLOGICAL/GEOPHYSICAL ENGINEERING</c:v>
+                </c:pt>
+                <c:pt idx="40">
+                  <c:v>HEALTH AND MEDICAL ADMINISTRATIVE SERVICES</c:v>
+                </c:pt>
+                <c:pt idx="41">
+                  <c:v>HEALTH AND PHYSICAL EDUCATION/FITNESS</c:v>
+                </c:pt>
+                <c:pt idx="42">
+                  <c:v>HISTORY</c:v>
+                </c:pt>
+                <c:pt idx="43">
+                  <c:v>HOSPITALITY ADMINISTRATION/MANAGEMENT</c:v>
+                </c:pt>
+                <c:pt idx="44">
+                  <c:v>HUMAN DEVELOPMENT, FAMILY STUDIES, AND RELATED SERVICES</c:v>
+                </c:pt>
+                <c:pt idx="45">
+                  <c:v>JOURNALISM</c:v>
+                </c:pt>
+                <c:pt idx="46">
+                  <c:v>LANDSCAPE ARCHITECTURE</c:v>
+                </c:pt>
+                <c:pt idx="47">
+                  <c:v>LIBERAL ARTS AND SCIENCES, GENERAL STUDIES AND HUMANITIES</c:v>
+                </c:pt>
+                <c:pt idx="48">
+                  <c:v>MANAGEMENT INFORMATION SYSTEMS AND SERVICES</c:v>
+                </c:pt>
+                <c:pt idx="49">
+                  <c:v>MARKETING</c:v>
+                </c:pt>
+                <c:pt idx="50">
+                  <c:v>MATHEMATICS</c:v>
+                </c:pt>
+                <c:pt idx="51">
+                  <c:v>MECHANICAL ENGINEERING</c:v>
+                </c:pt>
+                <c:pt idx="52">
+                  <c:v>MECHANICAL ENGINEERING RELATED TECHNOLOGIES/TECHNICIANS</c:v>
+                </c:pt>
+                <c:pt idx="53">
+                  <c:v>METALLURGICAL ENGINEERING</c:v>
+                </c:pt>
+                <c:pt idx="54">
+                  <c:v>MICROBIOLOGICAL SCIENCES AND IMMUNOLOGY</c:v>
+                </c:pt>
+                <c:pt idx="55">
+                  <c:v>MULTI/INTERDISCIPLINARY STUDIES, OTHER</c:v>
+                </c:pt>
+                <c:pt idx="56">
+                  <c:v>MUSIC</c:v>
+                </c:pt>
+                <c:pt idx="57">
+                  <c:v>NATURAL RESOURCES CONSERVATION AND RESEARCH</c:v>
+                </c:pt>
+                <c:pt idx="58">
+                  <c:v>NATURAL RESOURCES MANAGEMENT AND POLICY</c:v>
+                </c:pt>
+                <c:pt idx="59">
+                  <c:v>PARKS, RECREATION AND LEISURE FACILITIES MANAGEMENT</c:v>
+                </c:pt>
+                <c:pt idx="60">
+                  <c:v>PARKS, RECREATION AND LEISURE STUDIES</c:v>
+                </c:pt>
+                <c:pt idx="61">
+                  <c:v>PETROLEUM ENGINEERING</c:v>
+                </c:pt>
+                <c:pt idx="62">
+                  <c:v>PHILOSOPHY</c:v>
+                </c:pt>
+                <c:pt idx="63">
+                  <c:v>PLANT SCIENCES</c:v>
+                </c:pt>
+                <c:pt idx="64">
+                  <c:v>POLITICAL SCIENCE AND GOVERNMENT</c:v>
+                </c:pt>
+                <c:pt idx="65">
+                  <c:v>PSYCHOLOGY, GENERAL</c:v>
+                </c:pt>
+                <c:pt idx="66">
+                  <c:v>PUBLIC HEALTH</c:v>
+                </c:pt>
+                <c:pt idx="67">
+                  <c:v>PUBLIC RELATIONS, ADVERTISING, AND APPLIED COMMUNICATION</c:v>
+                </c:pt>
+                <c:pt idx="68">
+                  <c:v>REGISTERED NURSING, NURSING ADMINISTRATION, NURSING RESEARCH AND CLINICAL NURSING</c:v>
+                </c:pt>
+                <c:pt idx="69">
+                  <c:v>RHETORIC AND COMPOSITION/WRITING STUDIES</c:v>
+                </c:pt>
+                <c:pt idx="70">
+                  <c:v>ROMANCE LANGUAGES, LITERATURES, AND LINGUISTICS</c:v>
+                </c:pt>
+                <c:pt idx="71">
+                  <c:v>SOCIAL SCIENCES, GENERAL</c:v>
+                </c:pt>
+                <c:pt idx="72">
+                  <c:v>SOCIAL WORK</c:v>
+                </c:pt>
+                <c:pt idx="73">
+                  <c:v>SOCIOLOGY</c:v>
+                </c:pt>
+                <c:pt idx="74">
+                  <c:v>TEACHER EDUCATION AND PROFESSIONAL DEVELOPMENT, SPECIFIC SUBJECT AREAS</c:v>
+                </c:pt>
+                <c:pt idx="75">
+                  <c:v>VISUAL AND PERFORMING ARTS, GENERAL</c:v>
+                </c:pt>
+                <c:pt idx="76">
+                  <c:v>ZOOLOGY/ANIMAL BIOLOGY</c:v>
+                </c:pt>
+              </c:strCache>
+            </c:strRef>
+          </c:cat>
+          <c:val>
+            <c:numRef>
+              <c:f>'CO CHANGES'!$C$4:$C$131</c:f>
+              <c:numCache>
+                <c:formatCode>"$"#,##0.00</c:formatCode>
+                <c:ptCount val="77"/>
+                <c:pt idx="0">
+                  <c:v>41979.66666666667</c:v>
+                </c:pt>
+                <c:pt idx="1">
+                  <c:v>65645.33333333333</c:v>
+                </c:pt>
+                <c:pt idx="2">
+                  <c:v>37321.0</c:v>
+                </c:pt>
+                <c:pt idx="3">
+                  <c:v>34340.33333333334</c:v>
+                </c:pt>
+                <c:pt idx="4">
+                  <c:v>32679.66666666667</c:v>
+                </c:pt>
+                <c:pt idx="5">
+                  <c:v>27044.41666666666</c:v>
+                </c:pt>
+                <c:pt idx="6">
+                  <c:v>29689.0</c:v>
+                </c:pt>
+                <c:pt idx="7">
+                  <c:v>35250.66666666666</c:v>
+                </c:pt>
+                <c:pt idx="8">
+                  <c:v>57582.0</c:v>
+                </c:pt>
+                <c:pt idx="9">
+                  <c:v>31471.0</c:v>
+                </c:pt>
+                <c:pt idx="10">
+                  <c:v>25912.22222222222</c:v>
+                </c:pt>
+                <c:pt idx="11">
+                  <c:v>40627.2962962963</c:v>
+                </c:pt>
+                <c:pt idx="12">
+                  <c:v>60569.77777777778</c:v>
+                </c:pt>
+                <c:pt idx="13">
+                  <c:v>31472.33333333333</c:v>
+                </c:pt>
+                <c:pt idx="14">
+                  <c:v>50865.0</c:v>
+                </c:pt>
+                <c:pt idx="15">
+                  <c:v>29161.95238095239</c:v>
+                </c:pt>
+                <c:pt idx="16">
+                  <c:v>21953.0</c:v>
+                </c:pt>
+                <c:pt idx="17">
+                  <c:v>61737.33333333334</c:v>
+                </c:pt>
+                <c:pt idx="18">
+                  <c:v>64788.0</c:v>
+                </c:pt>
+                <c:pt idx="19">
+                  <c:v>62437.44444444444</c:v>
+                </c:pt>
+                <c:pt idx="20">
+                  <c:v>56948.33333333334</c:v>
+                </c:pt>
+                <c:pt idx="21">
+                  <c:v>32174.59999999999</c:v>
+                </c:pt>
+                <c:pt idx="22">
+                  <c:v>33236.77777777777</c:v>
+                </c:pt>
+                <c:pt idx="23">
+                  <c:v>31370.33333333333</c:v>
+                </c:pt>
+                <c:pt idx="24">
+                  <c:v>26372.33333333334</c:v>
+                </c:pt>
+                <c:pt idx="25">
+                  <c:v>39234.08333333334</c:v>
+                </c:pt>
+                <c:pt idx="26">
+                  <c:v>50591.66666666666</c:v>
+                </c:pt>
+                <c:pt idx="27">
+                  <c:v>54413.75</c:v>
+                </c:pt>
+                <c:pt idx="28">
+                  <c:v>43603.66666666666</c:v>
+                </c:pt>
+                <c:pt idx="29">
+                  <c:v>58856.33333333334</c:v>
+                </c:pt>
+                <c:pt idx="30">
+                  <c:v>26138.44444444444</c:v>
+                </c:pt>
+                <c:pt idx="31">
+                  <c:v>32625.0</c:v>
+                </c:pt>
+                <c:pt idx="32">
+                  <c:v>23906.33333333333</c:v>
+                </c:pt>
+                <c:pt idx="33">
+                  <c:v>27122.66666666667</c:v>
+                </c:pt>
+                <c:pt idx="34">
+                  <c:v>40908.0</c:v>
+                </c:pt>
+                <c:pt idx="35">
+                  <c:v>26535.90476190476</c:v>
+                </c:pt>
+                <c:pt idx="36">
+                  <c:v>26842.66666666667</c:v>
+                </c:pt>
+                <c:pt idx="37">
+                  <c:v>30330.33333333333</c:v>
+                </c:pt>
+                <c:pt idx="38">
+                  <c:v>32694.66666666667</c:v>
+                </c:pt>
+                <c:pt idx="39">
+                  <c:v>51894.0</c:v>
+                </c:pt>
+                <c:pt idx="40">
+                  <c:v>44890.33333333334</c:v>
+                </c:pt>
+                <c:pt idx="41">
+                  <c:v>26205.42857142857</c:v>
+                </c:pt>
+                <c:pt idx="42">
+                  <c:v>28442.61111111111</c:v>
+                </c:pt>
+                <c:pt idx="43">
+                  <c:v>30080.66666666667</c:v>
+                </c:pt>
+                <c:pt idx="44">
+                  <c:v>26322.0</c:v>
+                </c:pt>
+                <c:pt idx="45">
+                  <c:v>30126.41666666666</c:v>
+                </c:pt>
+                <c:pt idx="46">
+                  <c:v>30533.0</c:v>
+                </c:pt>
+                <c:pt idx="47">
+                  <c:v>28844.5</c:v>
+                </c:pt>
+                <c:pt idx="48">
+                  <c:v>50802.0</c:v>
+                </c:pt>
+                <c:pt idx="49">
+                  <c:v>33501.66666666667</c:v>
+                </c:pt>
+                <c:pt idx="50">
+                  <c:v>40174.83333333334</c:v>
+                </c:pt>
+                <c:pt idx="51">
+                  <c:v>54779.73333333334</c:v>
+                </c:pt>
+                <c:pt idx="52">
+                  <c:v>54656.33333333334</c:v>
+                </c:pt>
+                <c:pt idx="53">
+                  <c:v>68101.33333333333</c:v>
+                </c:pt>
+                <c:pt idx="54">
+                  <c:v>29135.33333333333</c:v>
+                </c:pt>
+                <c:pt idx="55">
+                  <c:v>29922.33333333333</c:v>
+                </c:pt>
+                <c:pt idx="56">
+                  <c:v>26968.66666666667</c:v>
+                </c:pt>
+                <c:pt idx="57">
+                  <c:v>31783.26666666667</c:v>
+                </c:pt>
+                <c:pt idx="58">
+                  <c:v>38072.66666666666</c:v>
+                </c:pt>
+                <c:pt idx="59">
+                  <c:v>26029.5</c:v>
+                </c:pt>
+                <c:pt idx="60">
+                  <c:v>22998.5</c:v>
+                </c:pt>
+                <c:pt idx="61">
+                  <c:v>98465.0</c:v>
+                </c:pt>
+                <c:pt idx="62">
+                  <c:v>28471.0</c:v>
+                </c:pt>
+                <c:pt idx="63">
+                  <c:v>28545.66666666667</c:v>
+                </c:pt>
+                <c:pt idx="64">
+                  <c:v>31199.52380952381</c:v>
+                </c:pt>
+                <c:pt idx="65">
+                  <c:v>27167.06666666666</c:v>
+                </c:pt>
+                <c:pt idx="66">
+                  <c:v>33672.5</c:v>
+                </c:pt>
+                <c:pt idx="67">
+                  <c:v>38129.66666666666</c:v>
+                </c:pt>
+                <c:pt idx="68">
+                  <c:v>51214.61111111112</c:v>
+                </c:pt>
+                <c:pt idx="69">
+                  <c:v>32944.66666666666</c:v>
+                </c:pt>
+                <c:pt idx="70">
+                  <c:v>30383.16666666667</c:v>
+                </c:pt>
+                <c:pt idx="71">
+                  <c:v>43624.66666666666</c:v>
+                </c:pt>
+                <c:pt idx="72">
+                  <c:v>28745.66666666667</c:v>
+                </c:pt>
+                <c:pt idx="73">
+                  <c:v>29744.81481481482</c:v>
+                </c:pt>
+                <c:pt idx="74">
+                  <c:v>27699.83333333333</c:v>
+                </c:pt>
+                <c:pt idx="75">
+                  <c:v>25676.0</c:v>
+                </c:pt>
+                <c:pt idx="76">
+                  <c:v>22805.33333333333</c:v>
+                </c:pt>
+              </c:numCache>
+            </c:numRef>
+          </c:val>
+          <c:smooth val="0"/>
+        </c:ser>
+        <c:dLbls>
+          <c:showLegendKey val="0"/>
+          <c:showVal val="0"/>
+          <c:showCatName val="0"/>
+          <c:showSerName val="0"/>
+          <c:showPercent val="0"/>
+          <c:showBubbleSize val="0"/>
+        </c:dLbls>
+        <c:smooth val="0"/>
+        <c:axId val="776686656"/>
+        <c:axId val="776689616"/>
+      </c:lineChart>
+      <c:catAx>
+        <c:axId val="776686656"/>
+        <c:scaling>
+          <c:orientation val="minMax"/>
+        </c:scaling>
+        <c:delete val="0"/>
+        <c:axPos val="b"/>
+        <c:numFmt formatCode="General" sourceLinked="1"/>
+        <c:majorTickMark val="none"/>
+        <c:minorTickMark val="none"/>
+        <c:tickLblPos val="nextTo"/>
+        <c:spPr>
+          <a:noFill/>
+          <a:ln w="9525" cap="flat" cmpd="sng" algn="ctr">
+            <a:solidFill>
+              <a:schemeClr val="tx1">
+                <a:lumMod val="15000"/>
+                <a:lumOff val="85000"/>
+              </a:schemeClr>
+            </a:solidFill>
+            <a:round/>
+          </a:ln>
+          <a:effectLst/>
+        </c:spPr>
+        <c:txPr>
+          <a:bodyPr rot="-60000000" spcFirstLastPara="1" vertOverflow="ellipsis" vert="horz" wrap="square" anchor="ctr" anchorCtr="1"/>
+          <a:lstStyle/>
+          <a:p>
+            <a:pPr>
+              <a:defRPr sz="900" b="0" i="0" u="none" strike="noStrike" kern="1200" baseline="0">
+                <a:solidFill>
+                  <a:schemeClr val="tx1">
+                    <a:lumMod val="65000"/>
+                    <a:lumOff val="35000"/>
+                  </a:schemeClr>
+                </a:solidFill>
+                <a:latin typeface="+mn-lt"/>
+                <a:ea typeface="+mn-ea"/>
+                <a:cs typeface="+mn-cs"/>
+              </a:defRPr>
+            </a:pPr>
+            <a:endParaRPr lang="en-US"/>
+          </a:p>
+        </c:txPr>
+        <c:crossAx val="776689616"/>
+        <c:crosses val="autoZero"/>
+        <c:auto val="1"/>
+        <c:lblAlgn val="ctr"/>
+        <c:lblOffset val="100"/>
+        <c:noMultiLvlLbl val="0"/>
+      </c:catAx>
+      <c:valAx>
+        <c:axId val="776689616"/>
+        <c:scaling>
+          <c:orientation val="minMax"/>
+        </c:scaling>
+        <c:delete val="0"/>
+        <c:axPos val="l"/>
+        <c:majorGridlines>
+          <c:spPr>
+            <a:ln w="9525" cap="flat" cmpd="sng" algn="ctr">
+              <a:solidFill>
+                <a:schemeClr val="tx1">
+                  <a:lumMod val="15000"/>
+                  <a:lumOff val="85000"/>
+                </a:schemeClr>
+              </a:solidFill>
+              <a:round/>
+            </a:ln>
+            <a:effectLst/>
+          </c:spPr>
+        </c:majorGridlines>
+        <c:majorTickMark val="none"/>
+        <c:minorTickMark val="none"/>
+        <c:tickLblPos val="nextTo"/>
+        <c:spPr>
+          <a:noFill/>
+          <a:ln>
+            <a:noFill/>
+          </a:ln>
+          <a:effectLst/>
+        </c:spPr>
+        <c:txPr>
+          <a:bodyPr rot="-60000000" spcFirstLastPara="1" vertOverflow="ellipsis" vert="horz" wrap="square" anchor="ctr" anchorCtr="1"/>
+          <a:lstStyle/>
+          <a:p>
+            <a:pPr>
+              <a:defRPr sz="900" b="0" i="0" u="none" strike="noStrike" kern="1200" baseline="0">
+                <a:solidFill>
+                  <a:schemeClr val="tx1">
+                    <a:lumMod val="65000"/>
+                    <a:lumOff val="35000"/>
+                  </a:schemeClr>
+                </a:solidFill>
+                <a:latin typeface="+mn-lt"/>
+                <a:ea typeface="+mn-ea"/>
+                <a:cs typeface="+mn-cs"/>
+              </a:defRPr>
+            </a:pPr>
+            <a:endParaRPr lang="en-US"/>
+          </a:p>
+        </c:txPr>
+        <c:crossAx val="776686656"/>
+        <c:crosses val="autoZero"/>
+        <c:crossBetween val="between"/>
+      </c:valAx>
+      <c:spPr>
+        <a:noFill/>
+        <a:ln>
+          <a:noFill/>
+        </a:ln>
+        <a:effectLst/>
+      </c:spPr>
+    </c:plotArea>
+    <c:legend>
+      <c:legendPos val="b"/>
+      <c:layout/>
+      <c:overlay val="0"/>
+      <c:spPr>
+        <a:noFill/>
+        <a:ln>
+          <a:noFill/>
+        </a:ln>
+        <a:effectLst/>
+      </c:spPr>
+      <c:txPr>
+        <a:bodyPr rot="0" spcFirstLastPara="1" vertOverflow="ellipsis" vert="horz" wrap="square" anchor="ctr" anchorCtr="1"/>
+        <a:lstStyle/>
+        <a:p>
+          <a:pPr>
+            <a:defRPr sz="900" b="0" i="0" u="none" strike="noStrike" kern="1200" baseline="0">
+              <a:solidFill>
+                <a:schemeClr val="tx1">
+                  <a:lumMod val="65000"/>
+                  <a:lumOff val="35000"/>
+                </a:schemeClr>
+              </a:solidFill>
+              <a:latin typeface="+mn-lt"/>
+              <a:ea typeface="+mn-ea"/>
+              <a:cs typeface="+mn-cs"/>
+            </a:defRPr>
+          </a:pPr>
+          <a:endParaRPr lang="en-US"/>
+        </a:p>
+      </c:txPr>
+    </c:legend>
+    <c:plotVisOnly val="1"/>
+    <c:dispBlanksAs val="gap"/>
+    <c:showDLblsOverMax val="0"/>
+  </c:chart>
+  <c:spPr>
+    <a:noFill/>
+    <a:ln>
+      <a:noFill/>
+    </a:ln>
+    <a:effectLst/>
+  </c:spPr>
+  <c:txPr>
+    <a:bodyPr/>
+    <a:lstStyle/>
+    <a:p>
+      <a:pPr>
+        <a:defRPr/>
+      </a:pPr>
+      <a:endParaRPr lang="en-US"/>
+    </a:p>
+  </c:txPr>
+  <c:externalData r:id="rId3">
+    <c:autoUpdate val="0"/>
+  </c:externalData>
+</c:chartSpace>
+</file>
+
+<file path=ppt/charts/chart5.xml><?xml version="1.0" encoding="utf-8"?>
+<c:chartSpace xmlns:c="http://schemas.openxmlformats.org/drawingml/2006/chart" xmlns:a="http://schemas.openxmlformats.org/drawingml/2006/main" xmlns:r="http://schemas.openxmlformats.org/officeDocument/2006/relationships">
+  <c:date1904 val="0"/>
+  <c:lang val="en-US"/>
+  <c:roundedCorners val="0"/>
+  <mc:AlternateContent xmlns:mc="http://schemas.openxmlformats.org/markup-compatibility/2006">
+    <mc:Choice xmlns:c14="http://schemas.microsoft.com/office/drawing/2007/8/2/chart" Requires="c14">
+      <c14:style val="102"/>
+    </mc:Choice>
+    <mc:Fallback>
+      <c:style val="2"/>
+    </mc:Fallback>
+  </mc:AlternateContent>
+  <c:chart>
+    <c:title>
+      <c:tx>
+        <c:rich>
+          <a:bodyPr rot="0" spcFirstLastPara="1" vertOverflow="ellipsis" vert="horz" wrap="square" anchor="ctr" anchorCtr="1"/>
+          <a:lstStyle/>
+          <a:p>
+            <a:pPr>
+              <a:defRPr sz="1400" b="0" i="0" u="none" strike="noStrike" kern="1200" spc="0" baseline="0">
+                <a:solidFill>
+                  <a:schemeClr val="tx1">
+                    <a:lumMod val="65000"/>
+                    <a:lumOff val="35000"/>
+                  </a:schemeClr>
+                </a:solidFill>
+                <a:latin typeface="+mn-lt"/>
+                <a:ea typeface="+mn-ea"/>
+                <a:cs typeface="+mn-cs"/>
+              </a:defRPr>
+            </a:pPr>
+            <a:r>
+              <a:rPr lang="en-US"/>
+              <a:t>SALARIES FOR MASTERS STUDENTS - CO</a:t>
+            </a:r>
+          </a:p>
+        </c:rich>
+      </c:tx>
+      <c:layout/>
+      <c:overlay val="0"/>
+      <c:spPr>
+        <a:noFill/>
+        <a:ln>
+          <a:noFill/>
+        </a:ln>
+        <a:effectLst/>
+      </c:spPr>
+      <c:txPr>
+        <a:bodyPr rot="0" spcFirstLastPara="1" vertOverflow="ellipsis" vert="horz" wrap="square" anchor="ctr" anchorCtr="1"/>
+        <a:lstStyle/>
+        <a:p>
+          <a:pPr>
+            <a:defRPr sz="1400" b="0" i="0" u="none" strike="noStrike" kern="1200" spc="0" baseline="0">
+              <a:solidFill>
+                <a:schemeClr val="tx1">
+                  <a:lumMod val="65000"/>
+                  <a:lumOff val="35000"/>
+                </a:schemeClr>
+              </a:solidFill>
+              <a:latin typeface="+mn-lt"/>
+              <a:ea typeface="+mn-ea"/>
+              <a:cs typeface="+mn-cs"/>
+            </a:defRPr>
+          </a:pPr>
+          <a:endParaRPr lang="en-US"/>
+        </a:p>
+      </c:txPr>
+    </c:title>
+    <c:autoTitleDeleted val="0"/>
+    <c:plotArea>
+      <c:layout/>
+      <c:lineChart>
+        <c:grouping val="standard"/>
+        <c:varyColors val="0"/>
+        <c:ser>
+          <c:idx val="0"/>
+          <c:order val="0"/>
+          <c:tx>
+            <c:strRef>
+              <c:f>'CO CHANGES'!$B$137</c:f>
+              <c:strCache>
+                <c:ptCount val="1"/>
+                <c:pt idx="0">
+                  <c:v>1996</c:v>
+                </c:pt>
+              </c:strCache>
+            </c:strRef>
+          </c:tx>
+          <c:spPr>
+            <a:ln w="28575" cap="rnd">
+              <a:solidFill>
+                <a:schemeClr val="accent1"/>
+              </a:solidFill>
+              <a:round/>
+            </a:ln>
+            <a:effectLst/>
+          </c:spPr>
+          <c:marker>
+            <c:symbol val="none"/>
+          </c:marker>
+          <c:cat>
+            <c:strRef>
+              <c:f>'CO CHANGES'!$A$138:$A$161</c:f>
+              <c:strCache>
+                <c:ptCount val="24"/>
+                <c:pt idx="0">
+                  <c:v>AGRICULTURE, AGRICULTURE OPERATIONS, AND RELATED SCIENCES</c:v>
+                </c:pt>
+                <c:pt idx="1">
+                  <c:v>ARCHITECTURE AND RELATED SERVICES</c:v>
+                </c:pt>
+                <c:pt idx="2">
+                  <c:v>BIOLOGICAL AND BIOMEDICAL SCIENCES</c:v>
+                </c:pt>
+                <c:pt idx="3">
+                  <c:v>BUSINESS, MANAGEMENT, MARKETING, AND RELATED SUPPORT SERVICES</c:v>
+                </c:pt>
+                <c:pt idx="4">
+                  <c:v>COMMUNICATION, JOURNALISM, AND RELATED PROGRAMS</c:v>
+                </c:pt>
+                <c:pt idx="5">
+                  <c:v>COMPUTER AND INFORMATION SCIENCES AND SUPPORT SERVICES</c:v>
+                </c:pt>
+                <c:pt idx="6">
+                  <c:v>EDUCATION</c:v>
+                </c:pt>
+                <c:pt idx="7">
+                  <c:v>ENGINEERING</c:v>
+                </c:pt>
+                <c:pt idx="8">
+                  <c:v>ENGLISH LANGUAGE AND LITERATURE/LETTERS</c:v>
+                </c:pt>
+                <c:pt idx="9">
+                  <c:v>FAMILY AND CONSUMER SCIENCES/HUMAN SCIENCES</c:v>
+                </c:pt>
+                <c:pt idx="10">
+                  <c:v>FOREIGN LANGUAGES, LITERATURES, AND LINGUISTICS</c:v>
+                </c:pt>
+                <c:pt idx="11">
+                  <c:v>HEALTH PROFESSIONS AND RELATED PROGRAMS</c:v>
+                </c:pt>
+                <c:pt idx="12">
+                  <c:v>HISTORY</c:v>
+                </c:pt>
+                <c:pt idx="13">
+                  <c:v>HOMELAND SECURITY, LAW ENFORCEMENT, FIREFIGHTING AND RELATED PROTECTIVE SERVICES</c:v>
+                </c:pt>
+                <c:pt idx="14">
+                  <c:v>LIBRARY SCIENCE</c:v>
+                </c:pt>
+                <c:pt idx="15">
+                  <c:v>MATHEMATICS AND STATISTICS</c:v>
+                </c:pt>
+                <c:pt idx="16">
+                  <c:v>MULTI/INTERDISCIPLINARY STUDIES</c:v>
+                </c:pt>
+                <c:pt idx="17">
+                  <c:v>NATURAL RESOURCES AND CONSERVATION</c:v>
+                </c:pt>
+                <c:pt idx="18">
+                  <c:v>PARKS, RECREATION, LEISURE, AND FITNESS STUDIES</c:v>
+                </c:pt>
+                <c:pt idx="19">
+                  <c:v>PHYSICAL SCIENCES</c:v>
+                </c:pt>
+                <c:pt idx="20">
+                  <c:v>PSYCHOLOGY</c:v>
+                </c:pt>
+                <c:pt idx="21">
+                  <c:v>PUBLIC ADMINISTRATION AND SOCIAL SERVICE PROFESSIONS</c:v>
+                </c:pt>
+                <c:pt idx="22">
+                  <c:v>SOCIAL SCIENCES</c:v>
+                </c:pt>
+                <c:pt idx="23">
+                  <c:v>VISUAL AND PERFORMING ARTS</c:v>
+                </c:pt>
+              </c:strCache>
+            </c:strRef>
+          </c:cat>
+          <c:val>
+            <c:numRef>
+              <c:f>'CO CHANGES'!$B$138:$B$161</c:f>
+              <c:numCache>
+                <c:formatCode>"$"#,##0.00</c:formatCode>
+                <c:ptCount val="24"/>
+                <c:pt idx="0">
+                  <c:v>55040.33333333334</c:v>
+                </c:pt>
+                <c:pt idx="1">
+                  <c:v>58805.22222222222</c:v>
+                </c:pt>
+                <c:pt idx="2">
+                  <c:v>67400.16666666667</c:v>
+                </c:pt>
+                <c:pt idx="3">
+                  <c:v>97132.9761904762</c:v>
+                </c:pt>
+                <c:pt idx="4">
+                  <c:v>67139.33333333333</c:v>
+                </c:pt>
+                <c:pt idx="5">
+                  <c:v>111109.4</c:v>
+                </c:pt>
+                <c:pt idx="6">
+                  <c:v>54803.25925925926</c:v>
+                </c:pt>
+                <c:pt idx="7">
+                  <c:v>99870.76923076923</c:v>
+                </c:pt>
+                <c:pt idx="8">
+                  <c:v>54107.85714285715</c:v>
+                </c:pt>
+                <c:pt idx="9">
+                  <c:v>55051.22222222222</c:v>
+                </c:pt>
+                <c:pt idx="10">
+                  <c:v>48648.33333333334</c:v>
+                </c:pt>
+                <c:pt idx="11">
+                  <c:v>74315.75</c:v>
+                </c:pt>
+                <c:pt idx="12">
+                  <c:v>55867.33333333334</c:v>
+                </c:pt>
+                <c:pt idx="13">
+                  <c:v>63576.83333333333</c:v>
+                </c:pt>
+                <c:pt idx="14">
+                  <c:v>65888.55555555556</c:v>
+                </c:pt>
+                <c:pt idx="15">
+                  <c:v>80902.83333333334</c:v>
+                </c:pt>
+                <c:pt idx="16">
+                  <c:v>59289.91666666667</c:v>
+                </c:pt>
+                <c:pt idx="17">
+                  <c:v>66475.55555555556</c:v>
+                </c:pt>
+                <c:pt idx="18">
+                  <c:v>58216.08333333334</c:v>
+                </c:pt>
+                <c:pt idx="19">
+                  <c:v>95875.94444444445</c:v>
+                </c:pt>
+                <c:pt idx="20">
+                  <c:v>57671.15384615384</c:v>
+                </c:pt>
+                <c:pt idx="21">
+                  <c:v>63844.62500000001</c:v>
+                </c:pt>
+                <c:pt idx="22">
+                  <c:v>73568.7619047619</c:v>
+                </c:pt>
+                <c:pt idx="23">
+                  <c:v>51432.05555555555</c:v>
+                </c:pt>
+              </c:numCache>
+            </c:numRef>
+          </c:val>
+          <c:smooth val="0"/>
+        </c:ser>
+        <c:ser>
+          <c:idx val="1"/>
+          <c:order val="1"/>
+          <c:tx>
+            <c:strRef>
+              <c:f>'CO CHANGES'!$C$137</c:f>
+              <c:strCache>
+                <c:ptCount val="1"/>
+                <c:pt idx="0">
+                  <c:v>2011</c:v>
+                </c:pt>
+              </c:strCache>
+            </c:strRef>
+          </c:tx>
+          <c:spPr>
+            <a:ln w="28575" cap="rnd">
+              <a:solidFill>
+                <a:schemeClr val="accent2"/>
+              </a:solidFill>
+              <a:round/>
+            </a:ln>
+            <a:effectLst/>
+          </c:spPr>
+          <c:marker>
+            <c:symbol val="none"/>
+          </c:marker>
+          <c:cat>
+            <c:strRef>
+              <c:f>'CO CHANGES'!$A$138:$A$161</c:f>
+              <c:strCache>
+                <c:ptCount val="24"/>
+                <c:pt idx="0">
+                  <c:v>AGRICULTURE, AGRICULTURE OPERATIONS, AND RELATED SCIENCES</c:v>
+                </c:pt>
+                <c:pt idx="1">
+                  <c:v>ARCHITECTURE AND RELATED SERVICES</c:v>
+                </c:pt>
+                <c:pt idx="2">
+                  <c:v>BIOLOGICAL AND BIOMEDICAL SCIENCES</c:v>
+                </c:pt>
+                <c:pt idx="3">
+                  <c:v>BUSINESS, MANAGEMENT, MARKETING, AND RELATED SUPPORT SERVICES</c:v>
+                </c:pt>
+                <c:pt idx="4">
+                  <c:v>COMMUNICATION, JOURNALISM, AND RELATED PROGRAMS</c:v>
+                </c:pt>
+                <c:pt idx="5">
+                  <c:v>COMPUTER AND INFORMATION SCIENCES AND SUPPORT SERVICES</c:v>
+                </c:pt>
+                <c:pt idx="6">
+                  <c:v>EDUCATION</c:v>
+                </c:pt>
+                <c:pt idx="7">
+                  <c:v>ENGINEERING</c:v>
+                </c:pt>
+                <c:pt idx="8">
+                  <c:v>ENGLISH LANGUAGE AND LITERATURE/LETTERS</c:v>
+                </c:pt>
+                <c:pt idx="9">
+                  <c:v>FAMILY AND CONSUMER SCIENCES/HUMAN SCIENCES</c:v>
+                </c:pt>
+                <c:pt idx="10">
+                  <c:v>FOREIGN LANGUAGES, LITERATURES, AND LINGUISTICS</c:v>
+                </c:pt>
+                <c:pt idx="11">
+                  <c:v>HEALTH PROFESSIONS AND RELATED PROGRAMS</c:v>
+                </c:pt>
+                <c:pt idx="12">
+                  <c:v>HISTORY</c:v>
+                </c:pt>
+                <c:pt idx="13">
+                  <c:v>HOMELAND SECURITY, LAW ENFORCEMENT, FIREFIGHTING AND RELATED PROTECTIVE SERVICES</c:v>
+                </c:pt>
+                <c:pt idx="14">
+                  <c:v>LIBRARY SCIENCE</c:v>
+                </c:pt>
+                <c:pt idx="15">
+                  <c:v>MATHEMATICS AND STATISTICS</c:v>
+                </c:pt>
+                <c:pt idx="16">
+                  <c:v>MULTI/INTERDISCIPLINARY STUDIES</c:v>
+                </c:pt>
+                <c:pt idx="17">
+                  <c:v>NATURAL RESOURCES AND CONSERVATION</c:v>
+                </c:pt>
+                <c:pt idx="18">
+                  <c:v>PARKS, RECREATION, LEISURE, AND FITNESS STUDIES</c:v>
+                </c:pt>
+                <c:pt idx="19">
+                  <c:v>PHYSICAL SCIENCES</c:v>
+                </c:pt>
+                <c:pt idx="20">
+                  <c:v>PSYCHOLOGY</c:v>
+                </c:pt>
+                <c:pt idx="21">
+                  <c:v>PUBLIC ADMINISTRATION AND SOCIAL SERVICE PROFESSIONS</c:v>
+                </c:pt>
+                <c:pt idx="22">
+                  <c:v>SOCIAL SCIENCES</c:v>
+                </c:pt>
+                <c:pt idx="23">
+                  <c:v>VISUAL AND PERFORMING ARTS</c:v>
+                </c:pt>
+              </c:strCache>
+            </c:strRef>
+          </c:cat>
+          <c:val>
+            <c:numRef>
+              <c:f>'CO CHANGES'!$C$138:$C$161</c:f>
+              <c:numCache>
+                <c:formatCode>"$"#,##0.00</c:formatCode>
+                <c:ptCount val="24"/>
+                <c:pt idx="0">
+                  <c:v>43285.0</c:v>
+                </c:pt>
+                <c:pt idx="1">
+                  <c:v>41501.66666666666</c:v>
+                </c:pt>
+                <c:pt idx="2">
+                  <c:v>41432.77777777778</c:v>
+                </c:pt>
+                <c:pt idx="3">
+                  <c:v>62462.62962962963</c:v>
+                </c:pt>
+                <c:pt idx="4">
+                  <c:v>37825.88888888888</c:v>
+                </c:pt>
+                <c:pt idx="5">
+                  <c:v>85915.1111111111</c:v>
+                </c:pt>
+                <c:pt idx="6">
+                  <c:v>41893.51515151515</c:v>
+                </c:pt>
+                <c:pt idx="7">
+                  <c:v>73381.86666666667</c:v>
+                </c:pt>
+                <c:pt idx="8">
+                  <c:v>35436.11111111112</c:v>
+                </c:pt>
+                <c:pt idx="9">
+                  <c:v>36239.0</c:v>
+                </c:pt>
+                <c:pt idx="10">
+                  <c:v>31365.66666666667</c:v>
+                </c:pt>
+                <c:pt idx="11">
+                  <c:v>58728.4761904762</c:v>
+                </c:pt>
+                <c:pt idx="12">
+                  <c:v>36692.16666666666</c:v>
+                </c:pt>
+                <c:pt idx="13">
+                  <c:v>44518.0</c:v>
+                </c:pt>
+                <c:pt idx="14">
+                  <c:v>52995.66666666666</c:v>
+                </c:pt>
+                <c:pt idx="15">
+                  <c:v>57337.41666666667</c:v>
+                </c:pt>
+                <c:pt idx="16">
+                  <c:v>45771.33333333333</c:v>
+                </c:pt>
+                <c:pt idx="17">
+                  <c:v>37284.66666666666</c:v>
+                </c:pt>
+                <c:pt idx="18">
+                  <c:v>35801.16666666666</c:v>
+                </c:pt>
+                <c:pt idx="19">
+                  <c:v>59964.1111111111</c:v>
+                </c:pt>
+                <c:pt idx="20">
+                  <c:v>42458.41666666667</c:v>
+                </c:pt>
+                <c:pt idx="21">
+                  <c:v>48358.83333333334</c:v>
+                </c:pt>
+                <c:pt idx="22">
+                  <c:v>45545.75</c:v>
+                </c:pt>
+                <c:pt idx="23">
+                  <c:v>34783.55555555555</c:v>
+                </c:pt>
+              </c:numCache>
+            </c:numRef>
+          </c:val>
+          <c:smooth val="0"/>
+        </c:ser>
+        <c:dLbls>
+          <c:showLegendKey val="0"/>
+          <c:showVal val="0"/>
+          <c:showCatName val="0"/>
+          <c:showSerName val="0"/>
+          <c:showPercent val="0"/>
+          <c:showBubbleSize val="0"/>
+        </c:dLbls>
+        <c:smooth val="0"/>
+        <c:axId val="719716128"/>
+        <c:axId val="719514320"/>
+      </c:lineChart>
+      <c:catAx>
+        <c:axId val="719716128"/>
+        <c:scaling>
+          <c:orientation val="minMax"/>
+        </c:scaling>
+        <c:delete val="0"/>
+        <c:axPos val="b"/>
+        <c:numFmt formatCode="General" sourceLinked="1"/>
+        <c:majorTickMark val="none"/>
+        <c:minorTickMark val="none"/>
+        <c:tickLblPos val="nextTo"/>
+        <c:spPr>
+          <a:noFill/>
+          <a:ln w="9525" cap="flat" cmpd="sng" algn="ctr">
+            <a:solidFill>
+              <a:schemeClr val="tx1">
+                <a:lumMod val="15000"/>
+                <a:lumOff val="85000"/>
+              </a:schemeClr>
+            </a:solidFill>
+            <a:round/>
+          </a:ln>
+          <a:effectLst/>
+        </c:spPr>
+        <c:txPr>
+          <a:bodyPr rot="-60000000" spcFirstLastPara="1" vertOverflow="ellipsis" vert="horz" wrap="square" anchor="ctr" anchorCtr="1"/>
+          <a:lstStyle/>
+          <a:p>
+            <a:pPr>
+              <a:defRPr sz="900" b="0" i="0" u="none" strike="noStrike" kern="1200" baseline="0">
+                <a:solidFill>
+                  <a:schemeClr val="tx1">
+                    <a:lumMod val="65000"/>
+                    <a:lumOff val="35000"/>
+                  </a:schemeClr>
+                </a:solidFill>
+                <a:latin typeface="+mn-lt"/>
+                <a:ea typeface="+mn-ea"/>
+                <a:cs typeface="+mn-cs"/>
+              </a:defRPr>
+            </a:pPr>
+            <a:endParaRPr lang="en-US"/>
+          </a:p>
+        </c:txPr>
+        <c:crossAx val="719514320"/>
+        <c:crosses val="autoZero"/>
+        <c:auto val="1"/>
+        <c:lblAlgn val="ctr"/>
+        <c:lblOffset val="100"/>
+        <c:noMultiLvlLbl val="0"/>
+      </c:catAx>
+      <c:valAx>
+        <c:axId val="719514320"/>
+        <c:scaling>
+          <c:orientation val="minMax"/>
+        </c:scaling>
+        <c:delete val="0"/>
+        <c:axPos val="l"/>
+        <c:majorGridlines>
+          <c:spPr>
+            <a:ln w="9525" cap="flat" cmpd="sng" algn="ctr">
+              <a:solidFill>
+                <a:schemeClr val="tx1">
+                  <a:lumMod val="15000"/>
+                  <a:lumOff val="85000"/>
+                </a:schemeClr>
+              </a:solidFill>
+              <a:round/>
+            </a:ln>
+            <a:effectLst/>
+          </c:spPr>
+        </c:majorGridlines>
+        <c:majorTickMark val="none"/>
+        <c:minorTickMark val="none"/>
+        <c:tickLblPos val="nextTo"/>
+        <c:spPr>
+          <a:noFill/>
+          <a:ln>
+            <a:noFill/>
+          </a:ln>
+          <a:effectLst/>
+        </c:spPr>
+        <c:txPr>
+          <a:bodyPr rot="-60000000" spcFirstLastPara="1" vertOverflow="ellipsis" vert="horz" wrap="square" anchor="ctr" anchorCtr="1"/>
+          <a:lstStyle/>
+          <a:p>
+            <a:pPr>
+              <a:defRPr sz="900" b="0" i="0" u="none" strike="noStrike" kern="1200" baseline="0">
+                <a:solidFill>
+                  <a:schemeClr val="tx1">
+                    <a:lumMod val="65000"/>
+                    <a:lumOff val="35000"/>
+                  </a:schemeClr>
+                </a:solidFill>
+                <a:latin typeface="+mn-lt"/>
+                <a:ea typeface="+mn-ea"/>
+                <a:cs typeface="+mn-cs"/>
+              </a:defRPr>
+            </a:pPr>
+            <a:endParaRPr lang="en-US"/>
+          </a:p>
+        </c:txPr>
+        <c:crossAx val="719716128"/>
+        <c:crosses val="autoZero"/>
+        <c:crossBetween val="between"/>
+      </c:valAx>
+      <c:spPr>
+        <a:noFill/>
+        <a:ln>
+          <a:noFill/>
+        </a:ln>
+        <a:effectLst/>
+      </c:spPr>
+    </c:plotArea>
+    <c:legend>
+      <c:legendPos val="b"/>
+      <c:layout/>
+      <c:overlay val="0"/>
+      <c:spPr>
+        <a:noFill/>
+        <a:ln>
+          <a:noFill/>
+        </a:ln>
+        <a:effectLst/>
+      </c:spPr>
+      <c:txPr>
+        <a:bodyPr rot="0" spcFirstLastPara="1" vertOverflow="ellipsis" vert="horz" wrap="square" anchor="ctr" anchorCtr="1"/>
+        <a:lstStyle/>
+        <a:p>
+          <a:pPr>
+            <a:defRPr sz="900" b="0" i="0" u="none" strike="noStrike" kern="1200" baseline="0">
+              <a:solidFill>
+                <a:schemeClr val="tx1">
+                  <a:lumMod val="65000"/>
+                  <a:lumOff val="35000"/>
+                </a:schemeClr>
+              </a:solidFill>
+              <a:latin typeface="+mn-lt"/>
+              <a:ea typeface="+mn-ea"/>
+              <a:cs typeface="+mn-cs"/>
+            </a:defRPr>
+          </a:pPr>
+          <a:endParaRPr lang="en-US"/>
+        </a:p>
+      </c:txPr>
+    </c:legend>
+    <c:plotVisOnly val="1"/>
+    <c:dispBlanksAs val="gap"/>
+    <c:showDLblsOverMax val="0"/>
+  </c:chart>
+  <c:spPr>
+    <a:noFill/>
+    <a:ln>
+      <a:noFill/>
+    </a:ln>
+    <a:effectLst/>
+  </c:spPr>
+  <c:txPr>
+    <a:bodyPr/>
+    <a:lstStyle/>
+    <a:p>
+      <a:pPr>
+        <a:defRPr/>
+      </a:pPr>
+      <a:endParaRPr lang="en-US"/>
+    </a:p>
+  </c:txPr>
+  <c:externalData r:id="rId3">
+    <c:autoUpdate val="0"/>
+  </c:externalData>
+</c:chartSpace>
+</file>
+
+<file path=ppt/charts/chart6.xml><?xml version="1.0" encoding="utf-8"?>
+<c:chartSpace xmlns:c="http://schemas.openxmlformats.org/drawingml/2006/chart" xmlns:a="http://schemas.openxmlformats.org/drawingml/2006/main" xmlns:r="http://schemas.openxmlformats.org/officeDocument/2006/relationships">
+  <c:date1904 val="0"/>
+  <c:lang val="en-US"/>
+  <c:roundedCorners val="0"/>
+  <mc:AlternateContent xmlns:mc="http://schemas.openxmlformats.org/markup-compatibility/2006">
+    <mc:Choice xmlns:c14="http://schemas.microsoft.com/office/drawing/2007/8/2/chart" Requires="c14">
+      <c14:style val="102"/>
+    </mc:Choice>
+    <mc:Fallback>
+      <c:style val="2"/>
+    </mc:Fallback>
+  </mc:AlternateContent>
+  <c:chart>
+    <c:title>
+      <c:tx>
+        <c:rich>
+          <a:bodyPr rot="0" spcFirstLastPara="1" vertOverflow="ellipsis" vert="horz" wrap="square" anchor="ctr" anchorCtr="1"/>
+          <a:lstStyle/>
+          <a:p>
+            <a:pPr>
+              <a:defRPr sz="1400" b="0" i="0" u="none" strike="noStrike" kern="1200" spc="0" baseline="0">
+                <a:solidFill>
+                  <a:schemeClr val="tx1">
+                    <a:lumMod val="65000"/>
+                    <a:lumOff val="35000"/>
+                  </a:schemeClr>
+                </a:solidFill>
+                <a:latin typeface="+mn-lt"/>
+                <a:ea typeface="+mn-ea"/>
+                <a:cs typeface="+mn-cs"/>
+              </a:defRPr>
+            </a:pPr>
+            <a:r>
+              <a:rPr lang="en-US"/>
+              <a:t>SALARIES FOR DOCTORAL STUDENTS - CO</a:t>
+            </a:r>
+          </a:p>
+        </c:rich>
+      </c:tx>
+      <c:layout/>
+      <c:overlay val="0"/>
+      <c:spPr>
+        <a:noFill/>
+        <a:ln>
+          <a:noFill/>
+        </a:ln>
+        <a:effectLst/>
+      </c:spPr>
+      <c:txPr>
+        <a:bodyPr rot="0" spcFirstLastPara="1" vertOverflow="ellipsis" vert="horz" wrap="square" anchor="ctr" anchorCtr="1"/>
+        <a:lstStyle/>
+        <a:p>
+          <a:pPr>
+            <a:defRPr sz="1400" b="0" i="0" u="none" strike="noStrike" kern="1200" spc="0" baseline="0">
+              <a:solidFill>
+                <a:schemeClr val="tx1">
+                  <a:lumMod val="65000"/>
+                  <a:lumOff val="35000"/>
+                </a:schemeClr>
+              </a:solidFill>
+              <a:latin typeface="+mn-lt"/>
+              <a:ea typeface="+mn-ea"/>
+              <a:cs typeface="+mn-cs"/>
+            </a:defRPr>
+          </a:pPr>
+          <a:endParaRPr lang="en-US"/>
+        </a:p>
+      </c:txPr>
+    </c:title>
+    <c:autoTitleDeleted val="0"/>
+    <c:plotArea>
+      <c:layout/>
+      <c:lineChart>
+        <c:grouping val="standard"/>
+        <c:varyColors val="0"/>
+        <c:ser>
+          <c:idx val="0"/>
+          <c:order val="0"/>
+          <c:tx>
+            <c:strRef>
+              <c:f>'CO CHANGES'!$B$166</c:f>
+              <c:strCache>
+                <c:ptCount val="1"/>
+                <c:pt idx="0">
+                  <c:v>1996</c:v>
+                </c:pt>
+              </c:strCache>
+            </c:strRef>
+          </c:tx>
+          <c:spPr>
+            <a:ln w="28575" cap="rnd">
+              <a:solidFill>
+                <a:schemeClr val="accent1"/>
+              </a:solidFill>
+              <a:round/>
+            </a:ln>
+            <a:effectLst/>
+          </c:spPr>
+          <c:marker>
+            <c:symbol val="none"/>
+          </c:marker>
+          <c:cat>
+            <c:strRef>
+              <c:f>'CO CHANGES'!$A$167:$A$176</c:f>
+              <c:strCache>
+                <c:ptCount val="10"/>
+                <c:pt idx="0">
+                  <c:v>AGRICULTURE, AGRICULTURE OPERATIONS, AND RELATED SCIENCES</c:v>
+                </c:pt>
+                <c:pt idx="1">
+                  <c:v>BIOLOGICAL AND BIOMEDICAL SCIENCES</c:v>
+                </c:pt>
+                <c:pt idx="2">
+                  <c:v>EDUCATION</c:v>
+                </c:pt>
+                <c:pt idx="3">
+                  <c:v>ENGINEERING</c:v>
+                </c:pt>
+                <c:pt idx="4">
+                  <c:v>LAW</c:v>
+                </c:pt>
+                <c:pt idx="5">
+                  <c:v>PHYSICAL SCIENCES</c:v>
+                </c:pt>
+                <c:pt idx="6">
+                  <c:v>PSYCHOLOGY</c:v>
+                </c:pt>
+                <c:pt idx="7">
+                  <c:v>SOCIAL SCIENCES</c:v>
+                </c:pt>
+                <c:pt idx="8">
+                  <c:v>VETERINARY MEDICINE</c:v>
+                </c:pt>
+                <c:pt idx="9">
+                  <c:v>VISUAL AND PERFORMING ARTS</c:v>
+                </c:pt>
+              </c:strCache>
+            </c:strRef>
+          </c:cat>
+          <c:val>
+            <c:numRef>
+              <c:f>'CO CHANGES'!$B$167:$B$176</c:f>
+              <c:numCache>
+                <c:formatCode>"$"#,##0.00</c:formatCode>
+                <c:ptCount val="10"/>
+                <c:pt idx="0">
+                  <c:v>85610.16666666666</c:v>
+                </c:pt>
+                <c:pt idx="1">
+                  <c:v>82409.66666666667</c:v>
+                </c:pt>
+                <c:pt idx="2">
+                  <c:v>81617.26666666666</c:v>
+                </c:pt>
+                <c:pt idx="3">
+                  <c:v>109130.9523809524</c:v>
+                </c:pt>
+                <c:pt idx="4">
+                  <c:v>91491.22222222223</c:v>
+                </c:pt>
+                <c:pt idx="5">
+                  <c:v>102852.7142857143</c:v>
+                </c:pt>
+                <c:pt idx="6">
+                  <c:v>72397.33333333333</c:v>
+                </c:pt>
+                <c:pt idx="7">
+                  <c:v>78143.83333333333</c:v>
+                </c:pt>
+                <c:pt idx="8">
+                  <c:v>71458.44444444445</c:v>
+                </c:pt>
+                <c:pt idx="9">
+                  <c:v>67029.66666666667</c:v>
+                </c:pt>
+              </c:numCache>
+            </c:numRef>
+          </c:val>
+          <c:smooth val="0"/>
+        </c:ser>
+        <c:ser>
+          <c:idx val="1"/>
+          <c:order val="1"/>
+          <c:tx>
+            <c:strRef>
+              <c:f>'CO CHANGES'!$C$166</c:f>
+              <c:strCache>
+                <c:ptCount val="1"/>
+                <c:pt idx="0">
+                  <c:v>2011</c:v>
+                </c:pt>
+              </c:strCache>
+            </c:strRef>
+          </c:tx>
+          <c:spPr>
+            <a:ln w="28575" cap="rnd">
+              <a:solidFill>
+                <a:schemeClr val="accent2"/>
+              </a:solidFill>
+              <a:round/>
+            </a:ln>
+            <a:effectLst/>
+          </c:spPr>
+          <c:marker>
+            <c:symbol val="none"/>
+          </c:marker>
+          <c:cat>
+            <c:strRef>
+              <c:f>'CO CHANGES'!$A$167:$A$176</c:f>
+              <c:strCache>
+                <c:ptCount val="10"/>
+                <c:pt idx="0">
+                  <c:v>AGRICULTURE, AGRICULTURE OPERATIONS, AND RELATED SCIENCES</c:v>
+                </c:pt>
+                <c:pt idx="1">
+                  <c:v>BIOLOGICAL AND BIOMEDICAL SCIENCES</c:v>
+                </c:pt>
+                <c:pt idx="2">
+                  <c:v>EDUCATION</c:v>
+                </c:pt>
+                <c:pt idx="3">
+                  <c:v>ENGINEERING</c:v>
+                </c:pt>
+                <c:pt idx="4">
+                  <c:v>LAW</c:v>
+                </c:pt>
+                <c:pt idx="5">
+                  <c:v>PHYSICAL SCIENCES</c:v>
+                </c:pt>
+                <c:pt idx="6">
+                  <c:v>PSYCHOLOGY</c:v>
+                </c:pt>
+                <c:pt idx="7">
+                  <c:v>SOCIAL SCIENCES</c:v>
+                </c:pt>
+                <c:pt idx="8">
+                  <c:v>VETERINARY MEDICINE</c:v>
+                </c:pt>
+                <c:pt idx="9">
+                  <c:v>VISUAL AND PERFORMING ARTS</c:v>
+                </c:pt>
+              </c:strCache>
+            </c:strRef>
+          </c:cat>
+          <c:val>
+            <c:numRef>
+              <c:f>'CO CHANGES'!$C$167:$C$176</c:f>
+              <c:numCache>
+                <c:formatCode>"$"#,##0.00</c:formatCode>
+                <c:ptCount val="10"/>
+                <c:pt idx="0">
+                  <c:v>60346.0</c:v>
+                </c:pt>
+                <c:pt idx="1">
+                  <c:v>46180.88888888888</c:v>
+                </c:pt>
+                <c:pt idx="2">
+                  <c:v>74131.0</c:v>
+                </c:pt>
+                <c:pt idx="3">
+                  <c:v>79941.0</c:v>
+                </c:pt>
+                <c:pt idx="4">
+                  <c:v>57209.0</c:v>
+                </c:pt>
+                <c:pt idx="5">
+                  <c:v>59252.66666666666</c:v>
+                </c:pt>
+                <c:pt idx="6">
+                  <c:v>51963.44444444444</c:v>
+                </c:pt>
+                <c:pt idx="7">
+                  <c:v>57367.66666666666</c:v>
+                </c:pt>
+                <c:pt idx="8">
+                  <c:v>54250.33333333334</c:v>
+                </c:pt>
+                <c:pt idx="9">
+                  <c:v>38687.66666666666</c:v>
+                </c:pt>
+              </c:numCache>
+            </c:numRef>
+          </c:val>
+          <c:smooth val="0"/>
+        </c:ser>
+        <c:dLbls>
+          <c:showLegendKey val="0"/>
+          <c:showVal val="0"/>
+          <c:showCatName val="0"/>
+          <c:showSerName val="0"/>
+          <c:showPercent val="0"/>
+          <c:showBubbleSize val="0"/>
+        </c:dLbls>
+        <c:smooth val="0"/>
+        <c:axId val="802674240"/>
+        <c:axId val="772040032"/>
+      </c:lineChart>
+      <c:catAx>
+        <c:axId val="802674240"/>
+        <c:scaling>
+          <c:orientation val="minMax"/>
+        </c:scaling>
+        <c:delete val="0"/>
+        <c:axPos val="b"/>
+        <c:numFmt formatCode="General" sourceLinked="1"/>
+        <c:majorTickMark val="none"/>
+        <c:minorTickMark val="none"/>
+        <c:tickLblPos val="nextTo"/>
+        <c:spPr>
+          <a:noFill/>
+          <a:ln w="9525" cap="flat" cmpd="sng" algn="ctr">
+            <a:solidFill>
+              <a:schemeClr val="tx1">
+                <a:lumMod val="15000"/>
+                <a:lumOff val="85000"/>
+              </a:schemeClr>
+            </a:solidFill>
+            <a:round/>
+          </a:ln>
+          <a:effectLst/>
+        </c:spPr>
+        <c:txPr>
+          <a:bodyPr rot="-60000000" spcFirstLastPara="1" vertOverflow="ellipsis" vert="horz" wrap="square" anchor="ctr" anchorCtr="1"/>
+          <a:lstStyle/>
+          <a:p>
+            <a:pPr>
+              <a:defRPr sz="900" b="0" i="0" u="none" strike="noStrike" kern="1200" baseline="0">
+                <a:solidFill>
+                  <a:schemeClr val="tx1">
+                    <a:lumMod val="65000"/>
+                    <a:lumOff val="35000"/>
+                  </a:schemeClr>
+                </a:solidFill>
+                <a:latin typeface="+mn-lt"/>
+                <a:ea typeface="+mn-ea"/>
+                <a:cs typeface="+mn-cs"/>
+              </a:defRPr>
+            </a:pPr>
+            <a:endParaRPr lang="en-US"/>
+          </a:p>
+        </c:txPr>
+        <c:crossAx val="772040032"/>
+        <c:crosses val="autoZero"/>
+        <c:auto val="1"/>
+        <c:lblAlgn val="ctr"/>
+        <c:lblOffset val="100"/>
+        <c:noMultiLvlLbl val="0"/>
+      </c:catAx>
+      <c:valAx>
+        <c:axId val="772040032"/>
+        <c:scaling>
+          <c:orientation val="minMax"/>
+        </c:scaling>
+        <c:delete val="0"/>
+        <c:axPos val="l"/>
+        <c:majorGridlines>
+          <c:spPr>
+            <a:ln w="9525" cap="flat" cmpd="sng" algn="ctr">
+              <a:solidFill>
+                <a:schemeClr val="tx1">
+                  <a:lumMod val="15000"/>
+                  <a:lumOff val="85000"/>
+                </a:schemeClr>
+              </a:solidFill>
+              <a:round/>
+            </a:ln>
+            <a:effectLst/>
+          </c:spPr>
+        </c:majorGridlines>
+        <c:numFmt formatCode="&quot;$&quot;#,##0.00" sourceLinked="0"/>
+        <c:majorTickMark val="none"/>
+        <c:minorTickMark val="none"/>
+        <c:tickLblPos val="nextTo"/>
+        <c:spPr>
+          <a:noFill/>
+          <a:ln>
+            <a:noFill/>
+          </a:ln>
+          <a:effectLst/>
+        </c:spPr>
+        <c:txPr>
+          <a:bodyPr rot="-60000000" spcFirstLastPara="1" vertOverflow="ellipsis" vert="horz" wrap="square" anchor="ctr" anchorCtr="1"/>
+          <a:lstStyle/>
+          <a:p>
+            <a:pPr>
+              <a:defRPr sz="900" b="0" i="0" u="none" strike="noStrike" kern="1200" baseline="0">
+                <a:solidFill>
+                  <a:schemeClr val="tx1">
+                    <a:lumMod val="65000"/>
+                    <a:lumOff val="35000"/>
+                  </a:schemeClr>
+                </a:solidFill>
+                <a:latin typeface="+mn-lt"/>
+                <a:ea typeface="+mn-ea"/>
+                <a:cs typeface="+mn-cs"/>
+              </a:defRPr>
+            </a:pPr>
+            <a:endParaRPr lang="en-US"/>
+          </a:p>
+        </c:txPr>
+        <c:crossAx val="802674240"/>
+        <c:crosses val="autoZero"/>
+        <c:crossBetween val="between"/>
+      </c:valAx>
+      <c:spPr>
+        <a:noFill/>
+        <a:ln>
+          <a:noFill/>
+        </a:ln>
+        <a:effectLst/>
+      </c:spPr>
+    </c:plotArea>
+    <c:legend>
+      <c:legendPos val="b"/>
+      <c:layout/>
+      <c:overlay val="0"/>
+      <c:spPr>
+        <a:noFill/>
+        <a:ln>
+          <a:noFill/>
+        </a:ln>
+        <a:effectLst/>
+      </c:spPr>
+      <c:txPr>
+        <a:bodyPr rot="0" spcFirstLastPara="1" vertOverflow="ellipsis" vert="horz" wrap="square" anchor="ctr" anchorCtr="1"/>
+        <a:lstStyle/>
+        <a:p>
+          <a:pPr>
+            <a:defRPr sz="900" b="0" i="0" u="none" strike="noStrike" kern="1200" baseline="0">
+              <a:solidFill>
+                <a:schemeClr val="tx1">
+                  <a:lumMod val="65000"/>
+                  <a:lumOff val="35000"/>
+                </a:schemeClr>
+              </a:solidFill>
+              <a:latin typeface="+mn-lt"/>
+              <a:ea typeface="+mn-ea"/>
+              <a:cs typeface="+mn-cs"/>
+            </a:defRPr>
+          </a:pPr>
+          <a:endParaRPr lang="en-US"/>
+        </a:p>
+      </c:txPr>
+    </c:legend>
+    <c:plotVisOnly val="1"/>
+    <c:dispBlanksAs val="gap"/>
+    <c:showDLblsOverMax val="0"/>
+  </c:chart>
+  <c:spPr>
+    <a:noFill/>
+    <a:ln>
+      <a:noFill/>
+    </a:ln>
+    <a:effectLst/>
+  </c:spPr>
+  <c:txPr>
+    <a:bodyPr/>
+    <a:lstStyle/>
+    <a:p>
+      <a:pPr>
+        <a:defRPr/>
+      </a:pPr>
+      <a:endParaRPr lang="en-US"/>
+    </a:p>
+  </c:txPr>
+  <c:externalData r:id="rId3">
+    <c:autoUpdate val="0"/>
+  </c:externalData>
+</c:chartSpace>
+</file>
+
+<file path=ppt/charts/colors1.xml><?xml version="1.0" encoding="utf-8"?>
+<cs:colorStyle xmlns:cs="http://schemas.microsoft.com/office/drawing/2012/chartStyle" xmlns:a="http://schemas.openxmlformats.org/drawingml/2006/main" meth="cycle" id="10">
+  <a:schemeClr val="accent1"/>
+  <a:schemeClr val="accent2"/>
+  <a:schemeClr val="accent3"/>
+  <a:schemeClr val="accent4"/>
+  <a:schemeClr val="accent5"/>
+  <a:schemeClr val="accent6"/>
+  <cs:variation/>
+  <cs:variation>
+    <a:lumMod val="60000"/>
+  </cs:variation>
+  <cs:variation>
+    <a:lumMod val="80000"/>
+    <a:lumOff val="20000"/>
+  </cs:variation>
+  <cs:variation>
+    <a:lumMod val="80000"/>
+  </cs:variation>
+  <cs:variation>
+    <a:lumMod val="60000"/>
+    <a:lumOff val="40000"/>
+  </cs:variation>
+  <cs:variation>
+    <a:lumMod val="50000"/>
+  </cs:variation>
+  <cs:variation>
+    <a:lumMod val="70000"/>
+    <a:lumOff val="30000"/>
+  </cs:variation>
+  <cs:variation>
+    <a:lumMod val="70000"/>
+  </cs:variation>
+  <cs:variation>
+    <a:lumMod val="50000"/>
+    <a:lumOff val="50000"/>
+  </cs:variation>
+</cs:colorStyle>
+</file>
+
+<file path=ppt/charts/colors2.xml><?xml version="1.0" encoding="utf-8"?>
+<cs:colorStyle xmlns:cs="http://schemas.microsoft.com/office/drawing/2012/chartStyle" xmlns:a="http://schemas.openxmlformats.org/drawingml/2006/main" meth="cycle" id="10">
+  <a:schemeClr val="accent1"/>
+  <a:schemeClr val="accent2"/>
+  <a:schemeClr val="accent3"/>
+  <a:schemeClr val="accent4"/>
+  <a:schemeClr val="accent5"/>
+  <a:schemeClr val="accent6"/>
+  <cs:variation/>
+  <cs:variation>
+    <a:lumMod val="60000"/>
+  </cs:variation>
+  <cs:variation>
+    <a:lumMod val="80000"/>
+    <a:lumOff val="20000"/>
+  </cs:variation>
+  <cs:variation>
+    <a:lumMod val="80000"/>
+  </cs:variation>
+  <cs:variation>
+    <a:lumMod val="60000"/>
+    <a:lumOff val="40000"/>
+  </cs:variation>
+  <cs:variation>
+    <a:lumMod val="50000"/>
+  </cs:variation>
+  <cs:variation>
+    <a:lumMod val="70000"/>
+    <a:lumOff val="30000"/>
+  </cs:variation>
+  <cs:variation>
+    <a:lumMod val="70000"/>
+  </cs:variation>
+  <cs:variation>
+    <a:lumMod val="50000"/>
+    <a:lumOff val="50000"/>
+  </cs:variation>
+</cs:colorStyle>
+</file>
+
+<file path=ppt/charts/colors3.xml><?xml version="1.0" encoding="utf-8"?>
+<cs:colorStyle xmlns:cs="http://schemas.microsoft.com/office/drawing/2012/chartStyle" xmlns:a="http://schemas.openxmlformats.org/drawingml/2006/main" meth="cycle" id="10">
+  <a:schemeClr val="accent1"/>
+  <a:schemeClr val="accent2"/>
+  <a:schemeClr val="accent3"/>
+  <a:schemeClr val="accent4"/>
+  <a:schemeClr val="accent5"/>
+  <a:schemeClr val="accent6"/>
+  <cs:variation/>
+  <cs:variation>
+    <a:lumMod val="60000"/>
+  </cs:variation>
+  <cs:variation>
+    <a:lumMod val="80000"/>
+    <a:lumOff val="20000"/>
+  </cs:variation>
+  <cs:variation>
+    <a:lumMod val="80000"/>
+  </cs:variation>
+  <cs:variation>
+    <a:lumMod val="60000"/>
+    <a:lumOff val="40000"/>
+  </cs:variation>
+  <cs:variation>
+    <a:lumMod val="50000"/>
+  </cs:variation>
+  <cs:variation>
+    <a:lumMod val="70000"/>
+    <a:lumOff val="30000"/>
+  </cs:variation>
+  <cs:variation>
+    <a:lumMod val="70000"/>
+  </cs:variation>
+  <cs:variation>
+    <a:lumMod val="50000"/>
+    <a:lumOff val="50000"/>
+  </cs:variation>
+</cs:colorStyle>
+</file>
+
+<file path=ppt/charts/colors4.xml><?xml version="1.0" encoding="utf-8"?>
+<cs:colorStyle xmlns:cs="http://schemas.microsoft.com/office/drawing/2012/chartStyle" xmlns:a="http://schemas.openxmlformats.org/drawingml/2006/main" meth="cycle" id="10">
+  <a:schemeClr val="accent1"/>
+  <a:schemeClr val="accent2"/>
+  <a:schemeClr val="accent3"/>
+  <a:schemeClr val="accent4"/>
+  <a:schemeClr val="accent5"/>
+  <a:schemeClr val="accent6"/>
+  <cs:variation/>
+  <cs:variation>
+    <a:lumMod val="60000"/>
+  </cs:variation>
+  <cs:variation>
+    <a:lumMod val="80000"/>
+    <a:lumOff val="20000"/>
+  </cs:variation>
+  <cs:variation>
+    <a:lumMod val="80000"/>
+  </cs:variation>
+  <cs:variation>
+    <a:lumMod val="60000"/>
+    <a:lumOff val="40000"/>
+  </cs:variation>
+  <cs:variation>
+    <a:lumMod val="50000"/>
+  </cs:variation>
+  <cs:variation>
+    <a:lumMod val="70000"/>
+    <a:lumOff val="30000"/>
+  </cs:variation>
+  <cs:variation>
+    <a:lumMod val="70000"/>
+  </cs:variation>
+  <cs:variation>
+    <a:lumMod val="50000"/>
+    <a:lumOff val="50000"/>
+  </cs:variation>
+</cs:colorStyle>
+</file>
+
+<file path=ppt/charts/colors5.xml><?xml version="1.0" encoding="utf-8"?>
+<cs:colorStyle xmlns:cs="http://schemas.microsoft.com/office/drawing/2012/chartStyle" xmlns:a="http://schemas.openxmlformats.org/drawingml/2006/main" meth="cycle" id="10">
+  <a:schemeClr val="accent1"/>
+  <a:schemeClr val="accent2"/>
+  <a:schemeClr val="accent3"/>
+  <a:schemeClr val="accent4"/>
+  <a:schemeClr val="accent5"/>
+  <a:schemeClr val="accent6"/>
+  <cs:variation/>
+  <cs:variation>
+    <a:lumMod val="60000"/>
+  </cs:variation>
+  <cs:variation>
+    <a:lumMod val="80000"/>
+    <a:lumOff val="20000"/>
+  </cs:variation>
+  <cs:variation>
+    <a:lumMod val="80000"/>
+  </cs:variation>
+  <cs:variation>
+    <a:lumMod val="60000"/>
+    <a:lumOff val="40000"/>
+  </cs:variation>
+  <cs:variation>
+    <a:lumMod val="50000"/>
+  </cs:variation>
+  <cs:variation>
+    <a:lumMod val="70000"/>
+    <a:lumOff val="30000"/>
+  </cs:variation>
+  <cs:variation>
+    <a:lumMod val="70000"/>
+  </cs:variation>
+  <cs:variation>
+    <a:lumMod val="50000"/>
+    <a:lumOff val="50000"/>
+  </cs:variation>
+</cs:colorStyle>
+</file>
+
+<file path=ppt/charts/colors6.xml><?xml version="1.0" encoding="utf-8"?>
+<cs:colorStyle xmlns:cs="http://schemas.microsoft.com/office/drawing/2012/chartStyle" xmlns:a="http://schemas.openxmlformats.org/drawingml/2006/main" meth="cycle" id="10">
+  <a:schemeClr val="accent1"/>
+  <a:schemeClr val="accent2"/>
+  <a:schemeClr val="accent3"/>
+  <a:schemeClr val="accent4"/>
+  <a:schemeClr val="accent5"/>
+  <a:schemeClr val="accent6"/>
+  <cs:variation/>
+  <cs:variation>
+    <a:lumMod val="60000"/>
+  </cs:variation>
+  <cs:variation>
+    <a:lumMod val="80000"/>
+    <a:lumOff val="20000"/>
+  </cs:variation>
+  <cs:variation>
+    <a:lumMod val="80000"/>
+  </cs:variation>
+  <cs:variation>
+    <a:lumMod val="60000"/>
+    <a:lumOff val="40000"/>
+  </cs:variation>
+  <cs:variation>
+    <a:lumMod val="50000"/>
+  </cs:variation>
+  <cs:variation>
+    <a:lumMod val="70000"/>
+    <a:lumOff val="30000"/>
+  </cs:variation>
+  <cs:variation>
+    <a:lumMod val="70000"/>
+  </cs:variation>
+  <cs:variation>
+    <a:lumMod val="50000"/>
+    <a:lumOff val="50000"/>
+  </cs:variation>
+</cs:colorStyle>
+</file>
+
+<file path=ppt/charts/style1.xml><?xml version="1.0" encoding="utf-8"?>
+<cs:chartStyle xmlns:cs="http://schemas.microsoft.com/office/drawing/2012/chartStyle" xmlns:a="http://schemas.openxmlformats.org/drawingml/2006/main" id="227">
+  <cs:axisTitle>
+    <cs:lnRef idx="0"/>
+    <cs:fillRef idx="0"/>
+    <cs:effectRef idx="0"/>
+    <cs:fontRef idx="minor">
+      <a:schemeClr val="tx1">
+        <a:lumMod val="65000"/>
+        <a:lumOff val="35000"/>
+      </a:schemeClr>
+    </cs:fontRef>
+    <cs:defRPr sz="1000" kern="1200"/>
+  </cs:axisTitle>
+  <cs:categoryAxis>
+    <cs:lnRef idx="0"/>
+    <cs:fillRef idx="0"/>
+    <cs:effectRef idx="0"/>
+    <cs:fontRef idx="minor">
+      <a:schemeClr val="tx1">
+        <a:lumMod val="65000"/>
+        <a:lumOff val="35000"/>
+      </a:schemeClr>
+    </cs:fontRef>
+    <cs:spPr>
+      <a:ln w="9525" cap="flat" cmpd="sng" algn="ctr">
+        <a:solidFill>
+          <a:schemeClr val="tx1">
+            <a:lumMod val="15000"/>
+            <a:lumOff val="85000"/>
+          </a:schemeClr>
+        </a:solidFill>
+        <a:round/>
+      </a:ln>
+    </cs:spPr>
+    <cs:defRPr sz="900" kern="1200"/>
+  </cs:categoryAxis>
+  <cs:chartArea mods="allowNoFillOverride allowNoLineOverride">
+    <cs:lnRef idx="0"/>
+    <cs:fillRef idx="0"/>
+    <cs:effectRef idx="0"/>
+    <cs:fontRef idx="minor">
+      <a:schemeClr val="tx1"/>
+    </cs:fontRef>
+    <cs:spPr>
+      <a:solidFill>
+        <a:schemeClr val="bg1"/>
+      </a:solidFill>
+      <a:ln w="9525" cap="flat" cmpd="sng" algn="ctr">
+        <a:solidFill>
+          <a:schemeClr val="tx1">
+            <a:lumMod val="15000"/>
+            <a:lumOff val="85000"/>
+          </a:schemeClr>
+        </a:solidFill>
+        <a:round/>
+      </a:ln>
+    </cs:spPr>
+    <cs:defRPr sz="1000" kern="1200"/>
+  </cs:chartArea>
+  <cs:dataLabel>
+    <cs:lnRef idx="0"/>
+    <cs:fillRef idx="0"/>
+    <cs:effectRef idx="0"/>
+    <cs:fontRef idx="minor">
+      <a:schemeClr val="tx1">
+        <a:lumMod val="75000"/>
+        <a:lumOff val="25000"/>
+      </a:schemeClr>
+    </cs:fontRef>
+    <cs:defRPr sz="900" kern="1200"/>
+  </cs:dataLabel>
+  <cs:dataLabelCallout>
+    <cs:lnRef idx="0"/>
+    <cs:fillRef idx="0"/>
+    <cs:effectRef idx="0"/>
+    <cs:fontRef idx="minor">
+      <a:schemeClr val="dk1">
+        <a:lumMod val="65000"/>
+        <a:lumOff val="35000"/>
+      </a:schemeClr>
+    </cs:fontRef>
+    <cs:spPr>
+      <a:solidFill>
+        <a:schemeClr val="lt1"/>
+      </a:solidFill>
+      <a:ln>
+        <a:solidFill>
+          <a:schemeClr val="dk1">
+            <a:lumMod val="25000"/>
+            <a:lumOff val="75000"/>
+          </a:schemeClr>
+        </a:solidFill>
+      </a:ln>
+    </cs:spPr>
+    <cs:defRPr sz="900" kern="1200"/>
+    <cs:bodyPr rot="0" spcFirstLastPara="1" vertOverflow="clip" horzOverflow="clip" vert="horz" wrap="square" lIns="36576" tIns="18288" rIns="36576" bIns="18288" anchor="ctr" anchorCtr="1">
+      <a:spAutoFit/>
+    </cs:bodyPr>
+  </cs:dataLabelCallout>
+  <cs:dataPoint>
+    <cs:lnRef idx="0"/>
+    <cs:fillRef idx="1">
+      <cs:styleClr val="auto"/>
+    </cs:fillRef>
+    <cs:effectRef idx="0"/>
+    <cs:fontRef idx="minor">
+      <a:schemeClr val="tx1"/>
+    </cs:fontRef>
+    <cs:spPr>
+      <a:solidFill>
+        <a:schemeClr val="phClr"/>
+      </a:solidFill>
+    </cs:spPr>
+  </cs:dataPoint>
+  <cs:dataPoint3D>
+    <cs:lnRef idx="0"/>
+    <cs:fillRef idx="1">
+      <cs:styleClr val="auto"/>
+    </cs:fillRef>
+    <cs:effectRef idx="0"/>
+    <cs:fontRef idx="minor">
+      <a:schemeClr val="tx1"/>
+    </cs:fontRef>
+    <cs:spPr>
+      <a:solidFill>
+        <a:schemeClr val="phClr"/>
+      </a:solidFill>
+    </cs:spPr>
+  </cs:dataPoint3D>
+  <cs:dataPointLine>
+    <cs:lnRef idx="0">
+      <cs:styleClr val="auto"/>
+    </cs:lnRef>
+    <cs:fillRef idx="1"/>
+    <cs:effectRef idx="0"/>
+    <cs:fontRef idx="minor">
+      <a:schemeClr val="tx1"/>
+    </cs:fontRef>
+    <cs:spPr>
+      <a:ln w="28575" cap="rnd">
+        <a:solidFill>
+          <a:schemeClr val="phClr"/>
+        </a:solidFill>
+        <a:round/>
+      </a:ln>
+    </cs:spPr>
+  </cs:dataPointLine>
+  <cs:dataPointMarker>
+    <cs:lnRef idx="0">
+      <cs:styleClr val="auto"/>
+    </cs:lnRef>
+    <cs:fillRef idx="1">
+      <cs:styleClr val="auto"/>
+    </cs:fillRef>
+    <cs:effectRef idx="0"/>
+    <cs:fontRef idx="minor">
+      <a:schemeClr val="tx1"/>
+    </cs:fontRef>
+    <cs:spPr>
+      <a:solidFill>
+        <a:schemeClr val="phClr"/>
+      </a:solidFill>
+      <a:ln w="9525">
+        <a:solidFill>
+          <a:schemeClr val="phClr"/>
+        </a:solidFill>
+      </a:ln>
+    </cs:spPr>
+  </cs:dataPointMarker>
+  <cs:dataPointMarkerLayout symbol="circle" size="5"/>
+  <cs:dataPointWireframe>
+    <cs:lnRef idx="0">
+      <cs:styleClr val="auto"/>
+    </cs:lnRef>
+    <cs:fillRef idx="1"/>
+    <cs:effectRef idx="0"/>
+    <cs:fontRef idx="minor">
+      <a:schemeClr val="tx1"/>
+    </cs:fontRef>
+    <cs:spPr>
+      <a:ln w="9525" cap="rnd">
+        <a:solidFill>
+          <a:schemeClr val="phClr"/>
+        </a:solidFill>
+        <a:round/>
+      </a:ln>
+    </cs:spPr>
+  </cs:dataPointWireframe>
+  <cs:dataTable>
+    <cs:lnRef idx="0"/>
+    <cs:fillRef idx="0"/>
+    <cs:effectRef idx="0"/>
+    <cs:fontRef idx="minor">
+      <a:schemeClr val="tx1">
+        <a:lumMod val="65000"/>
+        <a:lumOff val="35000"/>
+      </a:schemeClr>
+    </cs:fontRef>
+    <cs:spPr>
+      <a:noFill/>
+      <a:ln w="9525" cap="flat" cmpd="sng" algn="ctr">
+        <a:solidFill>
+          <a:schemeClr val="tx1">
+            <a:lumMod val="15000"/>
+            <a:lumOff val="85000"/>
+          </a:schemeClr>
+        </a:solidFill>
+        <a:round/>
+      </a:ln>
+    </cs:spPr>
+    <cs:defRPr sz="900" kern="1200"/>
+  </cs:dataTable>
+  <cs:downBar>
+    <cs:lnRef idx="0"/>
+    <cs:fillRef idx="0"/>
+    <cs:effectRef idx="0"/>
+    <cs:fontRef idx="minor">
+      <a:schemeClr val="dk1"/>
+    </cs:fontRef>
+    <cs:spPr>
+      <a:solidFill>
+        <a:schemeClr val="dk1">
+          <a:lumMod val="65000"/>
+          <a:lumOff val="35000"/>
+        </a:schemeClr>
+      </a:solidFill>
+      <a:ln w="9525">
+        <a:solidFill>
+          <a:schemeClr val="tx1">
+            <a:lumMod val="65000"/>
+            <a:lumOff val="35000"/>
+          </a:schemeClr>
+        </a:solidFill>
+      </a:ln>
+    </cs:spPr>
+  </cs:downBar>
+  <cs:dropLine>
+    <cs:lnRef idx="0"/>
+    <cs:fillRef idx="0"/>
+    <cs:effectRef idx="0"/>
+    <cs:fontRef idx="minor">
+      <a:schemeClr val="tx1"/>
+    </cs:fontRef>
+    <cs:spPr>
+      <a:ln w="9525" cap="flat" cmpd="sng" algn="ctr">
+        <a:solidFill>
+          <a:schemeClr val="tx1">
+            <a:lumMod val="35000"/>
+            <a:lumOff val="65000"/>
+          </a:schemeClr>
+        </a:solidFill>
+        <a:round/>
+      </a:ln>
+    </cs:spPr>
+  </cs:dropLine>
+  <cs:errorBar>
+    <cs:lnRef idx="0"/>
+    <cs:fillRef idx="0"/>
+    <cs:effectRef idx="0"/>
+    <cs:fontRef idx="minor">
+      <a:schemeClr val="tx1"/>
+    </cs:fontRef>
+    <cs:spPr>
+      <a:ln w="9525" cap="flat" cmpd="sng" algn="ctr">
+        <a:solidFill>
+          <a:schemeClr val="tx1">
+            <a:lumMod val="65000"/>
+            <a:lumOff val="35000"/>
+          </a:schemeClr>
+        </a:solidFill>
+        <a:round/>
+      </a:ln>
+    </cs:spPr>
+  </cs:errorBar>
+  <cs:floor>
+    <cs:lnRef idx="0"/>
+    <cs:fillRef idx="0"/>
+    <cs:effectRef idx="0"/>
+    <cs:fontRef idx="minor">
+      <a:schemeClr val="tx1"/>
+    </cs:fontRef>
+    <cs:spPr>
+      <a:noFill/>
+      <a:ln>
+        <a:noFill/>
+      </a:ln>
+    </cs:spPr>
+  </cs:floor>
+  <cs:gridlineMajor>
+    <cs:lnRef idx="0"/>
+    <cs:fillRef idx="0"/>
+    <cs:effectRef idx="0"/>
+    <cs:fontRef idx="minor">
+      <a:schemeClr val="tx1"/>
+    </cs:fontRef>
+    <cs:spPr>
+      <a:ln w="9525" cap="flat" cmpd="sng" algn="ctr">
+        <a:solidFill>
+          <a:schemeClr val="tx1">
+            <a:lumMod val="15000"/>
+            <a:lumOff val="85000"/>
+          </a:schemeClr>
+        </a:solidFill>
+        <a:round/>
+      </a:ln>
+    </cs:spPr>
+  </cs:gridlineMajor>
+  <cs:gridlineMinor>
+    <cs:lnRef idx="0"/>
+    <cs:fillRef idx="0"/>
+    <cs:effectRef idx="0"/>
+    <cs:fontRef idx="minor">
+      <a:schemeClr val="tx1"/>
+    </cs:fontRef>
+    <cs:spPr>
+      <a:ln w="9525" cap="flat" cmpd="sng" algn="ctr">
+        <a:solidFill>
+          <a:schemeClr val="tx1">
+            <a:lumMod val="5000"/>
+            <a:lumOff val="95000"/>
+          </a:schemeClr>
+        </a:solidFill>
+        <a:round/>
+      </a:ln>
+    </cs:spPr>
+  </cs:gridlineMinor>
+  <cs:hiLoLine>
+    <cs:lnRef idx="0"/>
+    <cs:fillRef idx="0"/>
+    <cs:effectRef idx="0"/>
+    <cs:fontRef idx="minor">
+      <a:schemeClr val="tx1"/>
+    </cs:fontRef>
+    <cs:spPr>
+      <a:ln w="9525" cap="flat" cmpd="sng" algn="ctr">
+        <a:solidFill>
+          <a:schemeClr val="tx1">
+            <a:lumMod val="75000"/>
+            <a:lumOff val="25000"/>
+          </a:schemeClr>
+        </a:solidFill>
+        <a:round/>
+      </a:ln>
+    </cs:spPr>
+  </cs:hiLoLine>
+  <cs:leaderLine>
+    <cs:lnRef idx="0"/>
+    <cs:fillRef idx="0"/>
+    <cs:effectRef idx="0"/>
+    <cs:fontRef idx="minor">
+      <a:schemeClr val="tx1"/>
+    </cs:fontRef>
+    <cs:spPr>
+      <a:ln w="9525" cap="flat" cmpd="sng" algn="ctr">
+        <a:solidFill>
+          <a:schemeClr val="tx1">
+            <a:lumMod val="35000"/>
+            <a:lumOff val="65000"/>
+          </a:schemeClr>
+        </a:solidFill>
+        <a:round/>
+      </a:ln>
+    </cs:spPr>
+  </cs:leaderLine>
+  <cs:legend>
+    <cs:lnRef idx="0"/>
+    <cs:fillRef idx="0"/>
+    <cs:effectRef idx="0"/>
+    <cs:fontRef idx="minor">
+      <a:schemeClr val="tx1">
+        <a:lumMod val="65000"/>
+        <a:lumOff val="35000"/>
+      </a:schemeClr>
+    </cs:fontRef>
+    <cs:defRPr sz="900" kern="1200"/>
+  </cs:legend>
+  <cs:plotArea mods="allowNoFillOverride allowNoLineOverride">
+    <cs:lnRef idx="0"/>
+    <cs:fillRef idx="0"/>
+    <cs:effectRef idx="0"/>
+    <cs:fontRef idx="minor">
+      <a:schemeClr val="tx1"/>
+    </cs:fontRef>
+  </cs:plotArea>
+  <cs:plotArea3D mods="allowNoFillOverride allowNoLineOverride">
+    <cs:lnRef idx="0"/>
+    <cs:fillRef idx="0"/>
+    <cs:effectRef idx="0"/>
+    <cs:fontRef idx="minor">
+      <a:schemeClr val="tx1"/>
+    </cs:fontRef>
+  </cs:plotArea3D>
+  <cs:seriesAxis>
+    <cs:lnRef idx="0"/>
+    <cs:fillRef idx="0"/>
+    <cs:effectRef idx="0"/>
+    <cs:fontRef idx="minor">
+      <a:schemeClr val="tx1">
+        <a:lumMod val="65000"/>
+        <a:lumOff val="35000"/>
+      </a:schemeClr>
+    </cs:fontRef>
+    <cs:defRPr sz="900" kern="1200"/>
+  </cs:seriesAxis>
+  <cs:seriesLine>
+    <cs:lnRef idx="0"/>
+    <cs:fillRef idx="0"/>
+    <cs:effectRef idx="0"/>
+    <cs:fontRef idx="minor">
+      <a:schemeClr val="tx1"/>
+    </cs:fontRef>
+    <cs:spPr>
+      <a:ln w="9525" cap="flat" cmpd="sng" algn="ctr">
+        <a:solidFill>
+          <a:schemeClr val="tx1">
+            <a:lumMod val="35000"/>
+            <a:lumOff val="65000"/>
+          </a:schemeClr>
+        </a:solidFill>
+        <a:round/>
+      </a:ln>
+    </cs:spPr>
+  </cs:seriesLine>
+  <cs:title>
+    <cs:lnRef idx="0"/>
+    <cs:fillRef idx="0"/>
+    <cs:effectRef idx="0"/>
+    <cs:fontRef idx="minor">
+      <a:schemeClr val="tx1">
+        <a:lumMod val="65000"/>
+        <a:lumOff val="35000"/>
+      </a:schemeClr>
+    </cs:fontRef>
+    <cs:defRPr sz="1400" b="0" kern="1200" spc="0" baseline="0"/>
+  </cs:title>
+  <cs:trendline>
+    <cs:lnRef idx="0">
+      <cs:styleClr val="auto"/>
+    </cs:lnRef>
+    <cs:fillRef idx="0"/>
+    <cs:effectRef idx="0"/>
+    <cs:fontRef idx="minor">
+      <a:schemeClr val="tx1"/>
+    </cs:fontRef>
+    <cs:spPr>
+      <a:ln w="19050" cap="rnd">
+        <a:solidFill>
+          <a:schemeClr val="phClr"/>
+        </a:solidFill>
+        <a:prstDash val="sysDot"/>
+      </a:ln>
+    </cs:spPr>
+  </cs:trendline>
+  <cs:trendlineLabel>
+    <cs:lnRef idx="0"/>
+    <cs:fillRef idx="0"/>
+    <cs:effectRef idx="0"/>
+    <cs:fontRef idx="minor">
+      <a:schemeClr val="tx1">
+        <a:lumMod val="65000"/>
+        <a:lumOff val="35000"/>
+      </a:schemeClr>
+    </cs:fontRef>
+    <cs:defRPr sz="900" kern="1200"/>
+  </cs:trendlineLabel>
+  <cs:upBar>
+    <cs:lnRef idx="0"/>
+    <cs:fillRef idx="0"/>
+    <cs:effectRef idx="0"/>
+    <cs:fontRef idx="minor">
+      <a:schemeClr val="dk1"/>
+    </cs:fontRef>
+    <cs:spPr>
+      <a:solidFill>
+        <a:schemeClr val="lt1"/>
+      </a:solidFill>
+      <a:ln w="9525">
+        <a:solidFill>
+          <a:schemeClr val="tx1">
+            <a:lumMod val="15000"/>
+            <a:lumOff val="85000"/>
+          </a:schemeClr>
+        </a:solidFill>
+      </a:ln>
+    </cs:spPr>
+  </cs:upBar>
+  <cs:valueAxis>
+    <cs:lnRef idx="0"/>
+    <cs:fillRef idx="0"/>
+    <cs:effectRef idx="0"/>
+    <cs:fontRef idx="minor">
+      <a:schemeClr val="tx1">
+        <a:lumMod val="65000"/>
+        <a:lumOff val="35000"/>
+      </a:schemeClr>
+    </cs:fontRef>
+    <cs:defRPr sz="900" kern="1200"/>
+  </cs:valueAxis>
+  <cs:wall>
+    <cs:lnRef idx="0"/>
+    <cs:fillRef idx="0"/>
+    <cs:effectRef idx="0"/>
+    <cs:fontRef idx="minor">
+      <a:schemeClr val="tx1"/>
+    </cs:fontRef>
+    <cs:spPr>
+      <a:noFill/>
+      <a:ln>
+        <a:noFill/>
+      </a:ln>
+    </cs:spPr>
+  </cs:wall>
+</cs:chartStyle>
+</file>
+
+<file path=ppt/charts/style2.xml><?xml version="1.0" encoding="utf-8"?>
+<cs:chartStyle xmlns:cs="http://schemas.microsoft.com/office/drawing/2012/chartStyle" xmlns:a="http://schemas.openxmlformats.org/drawingml/2006/main" id="227">
+  <cs:axisTitle>
+    <cs:lnRef idx="0"/>
+    <cs:fillRef idx="0"/>
+    <cs:effectRef idx="0"/>
+    <cs:fontRef idx="minor">
+      <a:schemeClr val="tx1">
+        <a:lumMod val="65000"/>
+        <a:lumOff val="35000"/>
+      </a:schemeClr>
+    </cs:fontRef>
+    <cs:defRPr sz="1000" kern="1200"/>
+  </cs:axisTitle>
+  <cs:categoryAxis>
+    <cs:lnRef idx="0"/>
+    <cs:fillRef idx="0"/>
+    <cs:effectRef idx="0"/>
+    <cs:fontRef idx="minor">
+      <a:schemeClr val="tx1">
+        <a:lumMod val="65000"/>
+        <a:lumOff val="35000"/>
+      </a:schemeClr>
+    </cs:fontRef>
+    <cs:spPr>
+      <a:ln w="9525" cap="flat" cmpd="sng" algn="ctr">
+        <a:solidFill>
+          <a:schemeClr val="tx1">
+            <a:lumMod val="15000"/>
+            <a:lumOff val="85000"/>
+          </a:schemeClr>
+        </a:solidFill>
+        <a:round/>
+      </a:ln>
+    </cs:spPr>
+    <cs:defRPr sz="900" kern="1200"/>
+  </cs:categoryAxis>
+  <cs:chartArea mods="allowNoFillOverride allowNoLineOverride">
+    <cs:lnRef idx="0"/>
+    <cs:fillRef idx="0"/>
+    <cs:effectRef idx="0"/>
+    <cs:fontRef idx="minor">
+      <a:schemeClr val="tx1"/>
+    </cs:fontRef>
+    <cs:spPr>
+      <a:solidFill>
+        <a:schemeClr val="bg1"/>
+      </a:solidFill>
+      <a:ln w="9525" cap="flat" cmpd="sng" algn="ctr">
+        <a:solidFill>
+          <a:schemeClr val="tx1">
+            <a:lumMod val="15000"/>
+            <a:lumOff val="85000"/>
+          </a:schemeClr>
+        </a:solidFill>
+        <a:round/>
+      </a:ln>
+    </cs:spPr>
+    <cs:defRPr sz="1000" kern="1200"/>
+  </cs:chartArea>
+  <cs:dataLabel>
+    <cs:lnRef idx="0"/>
+    <cs:fillRef idx="0"/>
+    <cs:effectRef idx="0"/>
+    <cs:fontRef idx="minor">
+      <a:schemeClr val="tx1">
+        <a:lumMod val="75000"/>
+        <a:lumOff val="25000"/>
+      </a:schemeClr>
+    </cs:fontRef>
+    <cs:defRPr sz="900" kern="1200"/>
+  </cs:dataLabel>
+  <cs:dataLabelCallout>
+    <cs:lnRef idx="0"/>
+    <cs:fillRef idx="0"/>
+    <cs:effectRef idx="0"/>
+    <cs:fontRef idx="minor">
+      <a:schemeClr val="dk1">
+        <a:lumMod val="65000"/>
+        <a:lumOff val="35000"/>
+      </a:schemeClr>
+    </cs:fontRef>
+    <cs:spPr>
+      <a:solidFill>
+        <a:schemeClr val="lt1"/>
+      </a:solidFill>
+      <a:ln>
+        <a:solidFill>
+          <a:schemeClr val="dk1">
+            <a:lumMod val="25000"/>
+            <a:lumOff val="75000"/>
+          </a:schemeClr>
+        </a:solidFill>
+      </a:ln>
+    </cs:spPr>
+    <cs:defRPr sz="900" kern="1200"/>
+    <cs:bodyPr rot="0" spcFirstLastPara="1" vertOverflow="clip" horzOverflow="clip" vert="horz" wrap="square" lIns="36576" tIns="18288" rIns="36576" bIns="18288" anchor="ctr" anchorCtr="1">
+      <a:spAutoFit/>
+    </cs:bodyPr>
+  </cs:dataLabelCallout>
+  <cs:dataPoint>
+    <cs:lnRef idx="0"/>
+    <cs:fillRef idx="1">
+      <cs:styleClr val="auto"/>
+    </cs:fillRef>
+    <cs:effectRef idx="0"/>
+    <cs:fontRef idx="minor">
+      <a:schemeClr val="tx1"/>
+    </cs:fontRef>
+    <cs:spPr>
+      <a:solidFill>
+        <a:schemeClr val="phClr"/>
+      </a:solidFill>
+    </cs:spPr>
+  </cs:dataPoint>
+  <cs:dataPoint3D>
+    <cs:lnRef idx="0"/>
+    <cs:fillRef idx="1">
+      <cs:styleClr val="auto"/>
+    </cs:fillRef>
+    <cs:effectRef idx="0"/>
+    <cs:fontRef idx="minor">
+      <a:schemeClr val="tx1"/>
+    </cs:fontRef>
+    <cs:spPr>
+      <a:solidFill>
+        <a:schemeClr val="phClr"/>
+      </a:solidFill>
+    </cs:spPr>
+  </cs:dataPoint3D>
+  <cs:dataPointLine>
+    <cs:lnRef idx="0">
+      <cs:styleClr val="auto"/>
+    </cs:lnRef>
+    <cs:fillRef idx="1"/>
+    <cs:effectRef idx="0"/>
+    <cs:fontRef idx="minor">
+      <a:schemeClr val="tx1"/>
+    </cs:fontRef>
+    <cs:spPr>
+      <a:ln w="28575" cap="rnd">
+        <a:solidFill>
+          <a:schemeClr val="phClr"/>
+        </a:solidFill>
+        <a:round/>
+      </a:ln>
+    </cs:spPr>
+  </cs:dataPointLine>
+  <cs:dataPointMarker>
+    <cs:lnRef idx="0">
+      <cs:styleClr val="auto"/>
+    </cs:lnRef>
+    <cs:fillRef idx="1">
+      <cs:styleClr val="auto"/>
+    </cs:fillRef>
+    <cs:effectRef idx="0"/>
+    <cs:fontRef idx="minor">
+      <a:schemeClr val="tx1"/>
+    </cs:fontRef>
+    <cs:spPr>
+      <a:solidFill>
+        <a:schemeClr val="phClr"/>
+      </a:solidFill>
+      <a:ln w="9525">
+        <a:solidFill>
+          <a:schemeClr val="phClr"/>
+        </a:solidFill>
+      </a:ln>
+    </cs:spPr>
+  </cs:dataPointMarker>
+  <cs:dataPointMarkerLayout symbol="circle" size="5"/>
+  <cs:dataPointWireframe>
+    <cs:lnRef idx="0">
+      <cs:styleClr val="auto"/>
+    </cs:lnRef>
+    <cs:fillRef idx="1"/>
+    <cs:effectRef idx="0"/>
+    <cs:fontRef idx="minor">
+      <a:schemeClr val="tx1"/>
+    </cs:fontRef>
+    <cs:spPr>
+      <a:ln w="9525" cap="rnd">
+        <a:solidFill>
+          <a:schemeClr val="phClr"/>
+        </a:solidFill>
+        <a:round/>
+      </a:ln>
+    </cs:spPr>
+  </cs:dataPointWireframe>
+  <cs:dataTable>
+    <cs:lnRef idx="0"/>
+    <cs:fillRef idx="0"/>
+    <cs:effectRef idx="0"/>
+    <cs:fontRef idx="minor">
+      <a:schemeClr val="tx1">
+        <a:lumMod val="65000"/>
+        <a:lumOff val="35000"/>
+      </a:schemeClr>
+    </cs:fontRef>
+    <cs:spPr>
+      <a:noFill/>
+      <a:ln w="9525" cap="flat" cmpd="sng" algn="ctr">
+        <a:solidFill>
+          <a:schemeClr val="tx1">
+            <a:lumMod val="15000"/>
+            <a:lumOff val="85000"/>
+          </a:schemeClr>
+        </a:solidFill>
+        <a:round/>
+      </a:ln>
+    </cs:spPr>
+    <cs:defRPr sz="900" kern="1200"/>
+  </cs:dataTable>
+  <cs:downBar>
+    <cs:lnRef idx="0"/>
+    <cs:fillRef idx="0"/>
+    <cs:effectRef idx="0"/>
+    <cs:fontRef idx="minor">
+      <a:schemeClr val="dk1"/>
+    </cs:fontRef>
+    <cs:spPr>
+      <a:solidFill>
+        <a:schemeClr val="dk1">
+          <a:lumMod val="65000"/>
+          <a:lumOff val="35000"/>
+        </a:schemeClr>
+      </a:solidFill>
+      <a:ln w="9525">
+        <a:solidFill>
+          <a:schemeClr val="tx1">
+            <a:lumMod val="65000"/>
+            <a:lumOff val="35000"/>
+          </a:schemeClr>
+        </a:solidFill>
+      </a:ln>
+    </cs:spPr>
+  </cs:downBar>
+  <cs:dropLine>
+    <cs:lnRef idx="0"/>
+    <cs:fillRef idx="0"/>
+    <cs:effectRef idx="0"/>
+    <cs:fontRef idx="minor">
+      <a:schemeClr val="tx1"/>
+    </cs:fontRef>
+    <cs:spPr>
+      <a:ln w="9525" cap="flat" cmpd="sng" algn="ctr">
+        <a:solidFill>
+          <a:schemeClr val="tx1">
+            <a:lumMod val="35000"/>
+            <a:lumOff val="65000"/>
+          </a:schemeClr>
+        </a:solidFill>
+        <a:round/>
+      </a:ln>
+    </cs:spPr>
+  </cs:dropLine>
+  <cs:errorBar>
+    <cs:lnRef idx="0"/>
+    <cs:fillRef idx="0"/>
+    <cs:effectRef idx="0"/>
+    <cs:fontRef idx="minor">
+      <a:schemeClr val="tx1"/>
+    </cs:fontRef>
+    <cs:spPr>
+      <a:ln w="9525" cap="flat" cmpd="sng" algn="ctr">
+        <a:solidFill>
+          <a:schemeClr val="tx1">
+            <a:lumMod val="65000"/>
+            <a:lumOff val="35000"/>
+          </a:schemeClr>
+        </a:solidFill>
+        <a:round/>
+      </a:ln>
+    </cs:spPr>
+  </cs:errorBar>
+  <cs:floor>
+    <cs:lnRef idx="0"/>
+    <cs:fillRef idx="0"/>
+    <cs:effectRef idx="0"/>
+    <cs:fontRef idx="minor">
+      <a:schemeClr val="tx1"/>
+    </cs:fontRef>
+    <cs:spPr>
+      <a:noFill/>
+      <a:ln>
+        <a:noFill/>
+      </a:ln>
+    </cs:spPr>
+  </cs:floor>
+  <cs:gridlineMajor>
+    <cs:lnRef idx="0"/>
+    <cs:fillRef idx="0"/>
+    <cs:effectRef idx="0"/>
+    <cs:fontRef idx="minor">
+      <a:schemeClr val="tx1"/>
+    </cs:fontRef>
+    <cs:spPr>
+      <a:ln w="9525" cap="flat" cmpd="sng" algn="ctr">
+        <a:solidFill>
+          <a:schemeClr val="tx1">
+            <a:lumMod val="15000"/>
+            <a:lumOff val="85000"/>
+          </a:schemeClr>
+        </a:solidFill>
+        <a:round/>
+      </a:ln>
+    </cs:spPr>
+  </cs:gridlineMajor>
+  <cs:gridlineMinor>
+    <cs:lnRef idx="0"/>
+    <cs:fillRef idx="0"/>
+    <cs:effectRef idx="0"/>
+    <cs:fontRef idx="minor">
+      <a:schemeClr val="tx1"/>
+    </cs:fontRef>
+    <cs:spPr>
+      <a:ln w="9525" cap="flat" cmpd="sng" algn="ctr">
+        <a:solidFill>
+          <a:schemeClr val="tx1">
+            <a:lumMod val="5000"/>
+            <a:lumOff val="95000"/>
+          </a:schemeClr>
+        </a:solidFill>
+        <a:round/>
+      </a:ln>
+    </cs:spPr>
+  </cs:gridlineMinor>
+  <cs:hiLoLine>
+    <cs:lnRef idx="0"/>
+    <cs:fillRef idx="0"/>
+    <cs:effectRef idx="0"/>
+    <cs:fontRef idx="minor">
+      <a:schemeClr val="tx1"/>
+    </cs:fontRef>
+    <cs:spPr>
+      <a:ln w="9525" cap="flat" cmpd="sng" algn="ctr">
+        <a:solidFill>
+          <a:schemeClr val="tx1">
+            <a:lumMod val="75000"/>
+            <a:lumOff val="25000"/>
+          </a:schemeClr>
+        </a:solidFill>
+        <a:round/>
+      </a:ln>
+    </cs:spPr>
+  </cs:hiLoLine>
+  <cs:leaderLine>
+    <cs:lnRef idx="0"/>
+    <cs:fillRef idx="0"/>
+    <cs:effectRef idx="0"/>
+    <cs:fontRef idx="minor">
+      <a:schemeClr val="tx1"/>
+    </cs:fontRef>
+    <cs:spPr>
+      <a:ln w="9525" cap="flat" cmpd="sng" algn="ctr">
+        <a:solidFill>
+          <a:schemeClr val="tx1">
+            <a:lumMod val="35000"/>
+            <a:lumOff val="65000"/>
+          </a:schemeClr>
+        </a:solidFill>
+        <a:round/>
+      </a:ln>
+    </cs:spPr>
+  </cs:leaderLine>
+  <cs:legend>
+    <cs:lnRef idx="0"/>
+    <cs:fillRef idx="0"/>
+    <cs:effectRef idx="0"/>
+    <cs:fontRef idx="minor">
+      <a:schemeClr val="tx1">
+        <a:lumMod val="65000"/>
+        <a:lumOff val="35000"/>
+      </a:schemeClr>
+    </cs:fontRef>
+    <cs:defRPr sz="900" kern="1200"/>
+  </cs:legend>
+  <cs:plotArea mods="allowNoFillOverride allowNoLineOverride">
+    <cs:lnRef idx="0"/>
+    <cs:fillRef idx="0"/>
+    <cs:effectRef idx="0"/>
+    <cs:fontRef idx="minor">
+      <a:schemeClr val="tx1"/>
+    </cs:fontRef>
+  </cs:plotArea>
+  <cs:plotArea3D mods="allowNoFillOverride allowNoLineOverride">
+    <cs:lnRef idx="0"/>
+    <cs:fillRef idx="0"/>
+    <cs:effectRef idx="0"/>
+    <cs:fontRef idx="minor">
+      <a:schemeClr val="tx1"/>
+    </cs:fontRef>
+  </cs:plotArea3D>
+  <cs:seriesAxis>
+    <cs:lnRef idx="0"/>
+    <cs:fillRef idx="0"/>
+    <cs:effectRef idx="0"/>
+    <cs:fontRef idx="minor">
+      <a:schemeClr val="tx1">
+        <a:lumMod val="65000"/>
+        <a:lumOff val="35000"/>
+      </a:schemeClr>
+    </cs:fontRef>
+    <cs:defRPr sz="900" kern="1200"/>
+  </cs:seriesAxis>
+  <cs:seriesLine>
+    <cs:lnRef idx="0"/>
+    <cs:fillRef idx="0"/>
+    <cs:effectRef idx="0"/>
+    <cs:fontRef idx="minor">
+      <a:schemeClr val="tx1"/>
+    </cs:fontRef>
+    <cs:spPr>
+      <a:ln w="9525" cap="flat" cmpd="sng" algn="ctr">
+        <a:solidFill>
+          <a:schemeClr val="tx1">
+            <a:lumMod val="35000"/>
+            <a:lumOff val="65000"/>
+          </a:schemeClr>
+        </a:solidFill>
+        <a:round/>
+      </a:ln>
+    </cs:spPr>
+  </cs:seriesLine>
+  <cs:title>
+    <cs:lnRef idx="0"/>
+    <cs:fillRef idx="0"/>
+    <cs:effectRef idx="0"/>
+    <cs:fontRef idx="minor">
+      <a:schemeClr val="tx1">
+        <a:lumMod val="65000"/>
+        <a:lumOff val="35000"/>
+      </a:schemeClr>
+    </cs:fontRef>
+    <cs:defRPr sz="1400" b="0" kern="1200" spc="0" baseline="0"/>
+  </cs:title>
+  <cs:trendline>
+    <cs:lnRef idx="0">
+      <cs:styleClr val="auto"/>
+    </cs:lnRef>
+    <cs:fillRef idx="0"/>
+    <cs:effectRef idx="0"/>
+    <cs:fontRef idx="minor">
+      <a:schemeClr val="tx1"/>
+    </cs:fontRef>
+    <cs:spPr>
+      <a:ln w="19050" cap="rnd">
+        <a:solidFill>
+          <a:schemeClr val="phClr"/>
+        </a:solidFill>
+        <a:prstDash val="sysDot"/>
+      </a:ln>
+    </cs:spPr>
+  </cs:trendline>
+  <cs:trendlineLabel>
+    <cs:lnRef idx="0"/>
+    <cs:fillRef idx="0"/>
+    <cs:effectRef idx="0"/>
+    <cs:fontRef idx="minor">
+      <a:schemeClr val="tx1">
+        <a:lumMod val="65000"/>
+        <a:lumOff val="35000"/>
+      </a:schemeClr>
+    </cs:fontRef>
+    <cs:defRPr sz="900" kern="1200"/>
+  </cs:trendlineLabel>
+  <cs:upBar>
+    <cs:lnRef idx="0"/>
+    <cs:fillRef idx="0"/>
+    <cs:effectRef idx="0"/>
+    <cs:fontRef idx="minor">
+      <a:schemeClr val="dk1"/>
+    </cs:fontRef>
+    <cs:spPr>
+      <a:solidFill>
+        <a:schemeClr val="lt1"/>
+      </a:solidFill>
+      <a:ln w="9525">
+        <a:solidFill>
+          <a:schemeClr val="tx1">
+            <a:lumMod val="15000"/>
+            <a:lumOff val="85000"/>
+          </a:schemeClr>
+        </a:solidFill>
+      </a:ln>
+    </cs:spPr>
+  </cs:upBar>
+  <cs:valueAxis>
+    <cs:lnRef idx="0"/>
+    <cs:fillRef idx="0"/>
+    <cs:effectRef idx="0"/>
+    <cs:fontRef idx="minor">
+      <a:schemeClr val="tx1">
+        <a:lumMod val="65000"/>
+        <a:lumOff val="35000"/>
+      </a:schemeClr>
+    </cs:fontRef>
+    <cs:defRPr sz="900" kern="1200"/>
+  </cs:valueAxis>
+  <cs:wall>
+    <cs:lnRef idx="0"/>
+    <cs:fillRef idx="0"/>
+    <cs:effectRef idx="0"/>
+    <cs:fontRef idx="minor">
+      <a:schemeClr val="tx1"/>
+    </cs:fontRef>
+    <cs:spPr>
+      <a:noFill/>
+      <a:ln>
+        <a:noFill/>
+      </a:ln>
+    </cs:spPr>
+  </cs:wall>
+</cs:chartStyle>
+</file>
+
+<file path=ppt/charts/style3.xml><?xml version="1.0" encoding="utf-8"?>
+<cs:chartStyle xmlns:cs="http://schemas.microsoft.com/office/drawing/2012/chartStyle" xmlns:a="http://schemas.openxmlformats.org/drawingml/2006/main" id="227">
+  <cs:axisTitle>
+    <cs:lnRef idx="0"/>
+    <cs:fillRef idx="0"/>
+    <cs:effectRef idx="0"/>
+    <cs:fontRef idx="minor">
+      <a:schemeClr val="tx1">
+        <a:lumMod val="65000"/>
+        <a:lumOff val="35000"/>
+      </a:schemeClr>
+    </cs:fontRef>
+    <cs:defRPr sz="1000" kern="1200"/>
+  </cs:axisTitle>
+  <cs:categoryAxis>
+    <cs:lnRef idx="0"/>
+    <cs:fillRef idx="0"/>
+    <cs:effectRef idx="0"/>
+    <cs:fontRef idx="minor">
+      <a:schemeClr val="tx1">
+        <a:lumMod val="65000"/>
+        <a:lumOff val="35000"/>
+      </a:schemeClr>
+    </cs:fontRef>
+    <cs:spPr>
+      <a:ln w="9525" cap="flat" cmpd="sng" algn="ctr">
+        <a:solidFill>
+          <a:schemeClr val="tx1">
+            <a:lumMod val="15000"/>
+            <a:lumOff val="85000"/>
+          </a:schemeClr>
+        </a:solidFill>
+        <a:round/>
+      </a:ln>
+    </cs:spPr>
+    <cs:defRPr sz="900" kern="1200"/>
+  </cs:categoryAxis>
+  <cs:chartArea mods="allowNoFillOverride allowNoLineOverride">
+    <cs:lnRef idx="0"/>
+    <cs:fillRef idx="0"/>
+    <cs:effectRef idx="0"/>
+    <cs:fontRef idx="minor">
+      <a:schemeClr val="tx1"/>
+    </cs:fontRef>
+    <cs:spPr>
+      <a:solidFill>
+        <a:schemeClr val="bg1"/>
+      </a:solidFill>
+      <a:ln w="9525" cap="flat" cmpd="sng" algn="ctr">
+        <a:solidFill>
+          <a:schemeClr val="tx1">
+            <a:lumMod val="15000"/>
+            <a:lumOff val="85000"/>
+          </a:schemeClr>
+        </a:solidFill>
+        <a:round/>
+      </a:ln>
+    </cs:spPr>
+    <cs:defRPr sz="1000" kern="1200"/>
+  </cs:chartArea>
+  <cs:dataLabel>
+    <cs:lnRef idx="0"/>
+    <cs:fillRef idx="0"/>
+    <cs:effectRef idx="0"/>
+    <cs:fontRef idx="minor">
+      <a:schemeClr val="tx1">
+        <a:lumMod val="75000"/>
+        <a:lumOff val="25000"/>
+      </a:schemeClr>
+    </cs:fontRef>
+    <cs:defRPr sz="900" kern="1200"/>
+  </cs:dataLabel>
+  <cs:dataLabelCallout>
+    <cs:lnRef idx="0"/>
+    <cs:fillRef idx="0"/>
+    <cs:effectRef idx="0"/>
+    <cs:fontRef idx="minor">
+      <a:schemeClr val="dk1">
+        <a:lumMod val="65000"/>
+        <a:lumOff val="35000"/>
+      </a:schemeClr>
+    </cs:fontRef>
+    <cs:spPr>
+      <a:solidFill>
+        <a:schemeClr val="lt1"/>
+      </a:solidFill>
+      <a:ln>
+        <a:solidFill>
+          <a:schemeClr val="dk1">
+            <a:lumMod val="25000"/>
+            <a:lumOff val="75000"/>
+          </a:schemeClr>
+        </a:solidFill>
+      </a:ln>
+    </cs:spPr>
+    <cs:defRPr sz="900" kern="1200"/>
+    <cs:bodyPr rot="0" spcFirstLastPara="1" vertOverflow="clip" horzOverflow="clip" vert="horz" wrap="square" lIns="36576" tIns="18288" rIns="36576" bIns="18288" anchor="ctr" anchorCtr="1">
+      <a:spAutoFit/>
+    </cs:bodyPr>
+  </cs:dataLabelCallout>
+  <cs:dataPoint>
+    <cs:lnRef idx="0"/>
+    <cs:fillRef idx="1">
+      <cs:styleClr val="auto"/>
+    </cs:fillRef>
+    <cs:effectRef idx="0"/>
+    <cs:fontRef idx="minor">
+      <a:schemeClr val="tx1"/>
+    </cs:fontRef>
+    <cs:spPr>
+      <a:solidFill>
+        <a:schemeClr val="phClr"/>
+      </a:solidFill>
+    </cs:spPr>
+  </cs:dataPoint>
+  <cs:dataPoint3D>
+    <cs:lnRef idx="0"/>
+    <cs:fillRef idx="1">
+      <cs:styleClr val="auto"/>
+    </cs:fillRef>
+    <cs:effectRef idx="0"/>
+    <cs:fontRef idx="minor">
+      <a:schemeClr val="tx1"/>
+    </cs:fontRef>
+    <cs:spPr>
+      <a:solidFill>
+        <a:schemeClr val="phClr"/>
+      </a:solidFill>
+    </cs:spPr>
+  </cs:dataPoint3D>
+  <cs:dataPointLine>
+    <cs:lnRef idx="0">
+      <cs:styleClr val="auto"/>
+    </cs:lnRef>
+    <cs:fillRef idx="1"/>
+    <cs:effectRef idx="0"/>
+    <cs:fontRef idx="minor">
+      <a:schemeClr val="tx1"/>
+    </cs:fontRef>
+    <cs:spPr>
+      <a:ln w="28575" cap="rnd">
+        <a:solidFill>
+          <a:schemeClr val="phClr"/>
+        </a:solidFill>
+        <a:round/>
+      </a:ln>
+    </cs:spPr>
+  </cs:dataPointLine>
+  <cs:dataPointMarker>
+    <cs:lnRef idx="0">
+      <cs:styleClr val="auto"/>
+    </cs:lnRef>
+    <cs:fillRef idx="1">
+      <cs:styleClr val="auto"/>
+    </cs:fillRef>
+    <cs:effectRef idx="0"/>
+    <cs:fontRef idx="minor">
+      <a:schemeClr val="tx1"/>
+    </cs:fontRef>
+    <cs:spPr>
+      <a:solidFill>
+        <a:schemeClr val="phClr"/>
+      </a:solidFill>
+      <a:ln w="9525">
+        <a:solidFill>
+          <a:schemeClr val="phClr"/>
+        </a:solidFill>
+      </a:ln>
+    </cs:spPr>
+  </cs:dataPointMarker>
+  <cs:dataPointMarkerLayout symbol="circle" size="5"/>
+  <cs:dataPointWireframe>
+    <cs:lnRef idx="0">
+      <cs:styleClr val="auto"/>
+    </cs:lnRef>
+    <cs:fillRef idx="1"/>
+    <cs:effectRef idx="0"/>
+    <cs:fontRef idx="minor">
+      <a:schemeClr val="tx1"/>
+    </cs:fontRef>
+    <cs:spPr>
+      <a:ln w="9525" cap="rnd">
+        <a:solidFill>
+          <a:schemeClr val="phClr"/>
+        </a:solidFill>
+        <a:round/>
+      </a:ln>
+    </cs:spPr>
+  </cs:dataPointWireframe>
+  <cs:dataTable>
+    <cs:lnRef idx="0"/>
+    <cs:fillRef idx="0"/>
+    <cs:effectRef idx="0"/>
+    <cs:fontRef idx="minor">
+      <a:schemeClr val="tx1">
+        <a:lumMod val="65000"/>
+        <a:lumOff val="35000"/>
+      </a:schemeClr>
+    </cs:fontRef>
+    <cs:spPr>
+      <a:noFill/>
+      <a:ln w="9525" cap="flat" cmpd="sng" algn="ctr">
+        <a:solidFill>
+          <a:schemeClr val="tx1">
+            <a:lumMod val="15000"/>
+            <a:lumOff val="85000"/>
+          </a:schemeClr>
+        </a:solidFill>
+        <a:round/>
+      </a:ln>
+    </cs:spPr>
+    <cs:defRPr sz="900" kern="1200"/>
+  </cs:dataTable>
+  <cs:downBar>
+    <cs:lnRef idx="0"/>
+    <cs:fillRef idx="0"/>
+    <cs:effectRef idx="0"/>
+    <cs:fontRef idx="minor">
+      <a:schemeClr val="dk1"/>
+    </cs:fontRef>
+    <cs:spPr>
+      <a:solidFill>
+        <a:schemeClr val="dk1">
+          <a:lumMod val="65000"/>
+          <a:lumOff val="35000"/>
+        </a:schemeClr>
+      </a:solidFill>
+      <a:ln w="9525">
+        <a:solidFill>
+          <a:schemeClr val="tx1">
+            <a:lumMod val="65000"/>
+            <a:lumOff val="35000"/>
+          </a:schemeClr>
+        </a:solidFill>
+      </a:ln>
+    </cs:spPr>
+  </cs:downBar>
+  <cs:dropLine>
+    <cs:lnRef idx="0"/>
+    <cs:fillRef idx="0"/>
+    <cs:effectRef idx="0"/>
+    <cs:fontRef idx="minor">
+      <a:schemeClr val="tx1"/>
+    </cs:fontRef>
+    <cs:spPr>
+      <a:ln w="9525" cap="flat" cmpd="sng" algn="ctr">
+        <a:solidFill>
+          <a:schemeClr val="tx1">
+            <a:lumMod val="35000"/>
+            <a:lumOff val="65000"/>
+          </a:schemeClr>
+        </a:solidFill>
+        <a:round/>
+      </a:ln>
+    </cs:spPr>
+  </cs:dropLine>
+  <cs:errorBar>
+    <cs:lnRef idx="0"/>
+    <cs:fillRef idx="0"/>
+    <cs:effectRef idx="0"/>
+    <cs:fontRef idx="minor">
+      <a:schemeClr val="tx1"/>
+    </cs:fontRef>
+    <cs:spPr>
+      <a:ln w="9525" cap="flat" cmpd="sng" algn="ctr">
+        <a:solidFill>
+          <a:schemeClr val="tx1">
+            <a:lumMod val="65000"/>
+            <a:lumOff val="35000"/>
+          </a:schemeClr>
+        </a:solidFill>
+        <a:round/>
+      </a:ln>
+    </cs:spPr>
+  </cs:errorBar>
+  <cs:floor>
+    <cs:lnRef idx="0"/>
+    <cs:fillRef idx="0"/>
+    <cs:effectRef idx="0"/>
+    <cs:fontRef idx="minor">
+      <a:schemeClr val="tx1"/>
+    </cs:fontRef>
+    <cs:spPr>
+      <a:noFill/>
+      <a:ln>
+        <a:noFill/>
+      </a:ln>
+    </cs:spPr>
+  </cs:floor>
+  <cs:gridlineMajor>
+    <cs:lnRef idx="0"/>
+    <cs:fillRef idx="0"/>
+    <cs:effectRef idx="0"/>
+    <cs:fontRef idx="minor">
+      <a:schemeClr val="tx1"/>
+    </cs:fontRef>
+    <cs:spPr>
+      <a:ln w="9525" cap="flat" cmpd="sng" algn="ctr">
+        <a:solidFill>
+          <a:schemeClr val="tx1">
+            <a:lumMod val="15000"/>
+            <a:lumOff val="85000"/>
+          </a:schemeClr>
+        </a:solidFill>
+        <a:round/>
+      </a:ln>
+    </cs:spPr>
+  </cs:gridlineMajor>
+  <cs:gridlineMinor>
+    <cs:lnRef idx="0"/>
+    <cs:fillRef idx="0"/>
+    <cs:effectRef idx="0"/>
+    <cs:fontRef idx="minor">
+      <a:schemeClr val="tx1"/>
+    </cs:fontRef>
+    <cs:spPr>
+      <a:ln w="9525" cap="flat" cmpd="sng" algn="ctr">
+        <a:solidFill>
+          <a:schemeClr val="tx1">
+            <a:lumMod val="5000"/>
+            <a:lumOff val="95000"/>
+          </a:schemeClr>
+        </a:solidFill>
+        <a:round/>
+      </a:ln>
+    </cs:spPr>
+  </cs:gridlineMinor>
+  <cs:hiLoLine>
+    <cs:lnRef idx="0"/>
+    <cs:fillRef idx="0"/>
+    <cs:effectRef idx="0"/>
+    <cs:fontRef idx="minor">
+      <a:schemeClr val="tx1"/>
+    </cs:fontRef>
+    <cs:spPr>
+      <a:ln w="9525" cap="flat" cmpd="sng" algn="ctr">
+        <a:solidFill>
+          <a:schemeClr val="tx1">
+            <a:lumMod val="75000"/>
+            <a:lumOff val="25000"/>
+          </a:schemeClr>
+        </a:solidFill>
+        <a:round/>
+      </a:ln>
+    </cs:spPr>
+  </cs:hiLoLine>
+  <cs:leaderLine>
+    <cs:lnRef idx="0"/>
+    <cs:fillRef idx="0"/>
+    <cs:effectRef idx="0"/>
+    <cs:fontRef idx="minor">
+      <a:schemeClr val="tx1"/>
+    </cs:fontRef>
+    <cs:spPr>
+      <a:ln w="9525" cap="flat" cmpd="sng" algn="ctr">
+        <a:solidFill>
+          <a:schemeClr val="tx1">
+            <a:lumMod val="35000"/>
+            <a:lumOff val="65000"/>
+          </a:schemeClr>
+        </a:solidFill>
+        <a:round/>
+      </a:ln>
+    </cs:spPr>
+  </cs:leaderLine>
+  <cs:legend>
+    <cs:lnRef idx="0"/>
+    <cs:fillRef idx="0"/>
+    <cs:effectRef idx="0"/>
+    <cs:fontRef idx="minor">
+      <a:schemeClr val="tx1">
+        <a:lumMod val="65000"/>
+        <a:lumOff val="35000"/>
+      </a:schemeClr>
+    </cs:fontRef>
+    <cs:defRPr sz="900" kern="1200"/>
+  </cs:legend>
+  <cs:plotArea mods="allowNoFillOverride allowNoLineOverride">
+    <cs:lnRef idx="0"/>
+    <cs:fillRef idx="0"/>
+    <cs:effectRef idx="0"/>
+    <cs:fontRef idx="minor">
+      <a:schemeClr val="tx1"/>
+    </cs:fontRef>
+  </cs:plotArea>
+  <cs:plotArea3D mods="allowNoFillOverride allowNoLineOverride">
+    <cs:lnRef idx="0"/>
+    <cs:fillRef idx="0"/>
+    <cs:effectRef idx="0"/>
+    <cs:fontRef idx="minor">
+      <a:schemeClr val="tx1"/>
+    </cs:fontRef>
+  </cs:plotArea3D>
+  <cs:seriesAxis>
+    <cs:lnRef idx="0"/>
+    <cs:fillRef idx="0"/>
+    <cs:effectRef idx="0"/>
+    <cs:fontRef idx="minor">
+      <a:schemeClr val="tx1">
+        <a:lumMod val="65000"/>
+        <a:lumOff val="35000"/>
+      </a:schemeClr>
+    </cs:fontRef>
+    <cs:defRPr sz="900" kern="1200"/>
+  </cs:seriesAxis>
+  <cs:seriesLine>
+    <cs:lnRef idx="0"/>
+    <cs:fillRef idx="0"/>
+    <cs:effectRef idx="0"/>
+    <cs:fontRef idx="minor">
+      <a:schemeClr val="tx1"/>
+    </cs:fontRef>
+    <cs:spPr>
+      <a:ln w="9525" cap="flat" cmpd="sng" algn="ctr">
+        <a:solidFill>
+          <a:schemeClr val="tx1">
+            <a:lumMod val="35000"/>
+            <a:lumOff val="65000"/>
+          </a:schemeClr>
+        </a:solidFill>
+        <a:round/>
+      </a:ln>
+    </cs:spPr>
+  </cs:seriesLine>
+  <cs:title>
+    <cs:lnRef idx="0"/>
+    <cs:fillRef idx="0"/>
+    <cs:effectRef idx="0"/>
+    <cs:fontRef idx="minor">
+      <a:schemeClr val="tx1">
+        <a:lumMod val="65000"/>
+        <a:lumOff val="35000"/>
+      </a:schemeClr>
+    </cs:fontRef>
+    <cs:defRPr sz="1400" b="0" kern="1200" spc="0" baseline="0"/>
+  </cs:title>
+  <cs:trendline>
+    <cs:lnRef idx="0">
+      <cs:styleClr val="auto"/>
+    </cs:lnRef>
+    <cs:fillRef idx="0"/>
+    <cs:effectRef idx="0"/>
+    <cs:fontRef idx="minor">
+      <a:schemeClr val="tx1"/>
+    </cs:fontRef>
+    <cs:spPr>
+      <a:ln w="19050" cap="rnd">
+        <a:solidFill>
+          <a:schemeClr val="phClr"/>
+        </a:solidFill>
+        <a:prstDash val="sysDot"/>
+      </a:ln>
+    </cs:spPr>
+  </cs:trendline>
+  <cs:trendlineLabel>
+    <cs:lnRef idx="0"/>
+    <cs:fillRef idx="0"/>
+    <cs:effectRef idx="0"/>
+    <cs:fontRef idx="minor">
+      <a:schemeClr val="tx1">
+        <a:lumMod val="65000"/>
+        <a:lumOff val="35000"/>
+      </a:schemeClr>
+    </cs:fontRef>
+    <cs:defRPr sz="900" kern="1200"/>
+  </cs:trendlineLabel>
+  <cs:upBar>
+    <cs:lnRef idx="0"/>
+    <cs:fillRef idx="0"/>
+    <cs:effectRef idx="0"/>
+    <cs:fontRef idx="minor">
+      <a:schemeClr val="dk1"/>
+    </cs:fontRef>
+    <cs:spPr>
+      <a:solidFill>
+        <a:schemeClr val="lt1"/>
+      </a:solidFill>
+      <a:ln w="9525">
+        <a:solidFill>
+          <a:schemeClr val="tx1">
+            <a:lumMod val="15000"/>
+            <a:lumOff val="85000"/>
+          </a:schemeClr>
+        </a:solidFill>
+      </a:ln>
+    </cs:spPr>
+  </cs:upBar>
+  <cs:valueAxis>
+    <cs:lnRef idx="0"/>
+    <cs:fillRef idx="0"/>
+    <cs:effectRef idx="0"/>
+    <cs:fontRef idx="minor">
+      <a:schemeClr val="tx1">
+        <a:lumMod val="65000"/>
+        <a:lumOff val="35000"/>
+      </a:schemeClr>
+    </cs:fontRef>
+    <cs:defRPr sz="900" kern="1200"/>
+  </cs:valueAxis>
+  <cs:wall>
+    <cs:lnRef idx="0"/>
+    <cs:fillRef idx="0"/>
+    <cs:effectRef idx="0"/>
+    <cs:fontRef idx="minor">
+      <a:schemeClr val="tx1"/>
+    </cs:fontRef>
+    <cs:spPr>
+      <a:noFill/>
+      <a:ln>
+        <a:noFill/>
+      </a:ln>
+    </cs:spPr>
+  </cs:wall>
+</cs:chartStyle>
+</file>
+
+<file path=ppt/charts/style4.xml><?xml version="1.0" encoding="utf-8"?>
+<cs:chartStyle xmlns:cs="http://schemas.microsoft.com/office/drawing/2012/chartStyle" xmlns:a="http://schemas.openxmlformats.org/drawingml/2006/main" id="227">
+  <cs:axisTitle>
+    <cs:lnRef idx="0"/>
+    <cs:fillRef idx="0"/>
+    <cs:effectRef idx="0"/>
+    <cs:fontRef idx="minor">
+      <a:schemeClr val="tx1">
+        <a:lumMod val="65000"/>
+        <a:lumOff val="35000"/>
+      </a:schemeClr>
+    </cs:fontRef>
+    <cs:defRPr sz="1000" kern="1200"/>
+  </cs:axisTitle>
+  <cs:categoryAxis>
+    <cs:lnRef idx="0"/>
+    <cs:fillRef idx="0"/>
+    <cs:effectRef idx="0"/>
+    <cs:fontRef idx="minor">
+      <a:schemeClr val="tx1">
+        <a:lumMod val="65000"/>
+        <a:lumOff val="35000"/>
+      </a:schemeClr>
+    </cs:fontRef>
+    <cs:spPr>
+      <a:ln w="9525" cap="flat" cmpd="sng" algn="ctr">
+        <a:solidFill>
+          <a:schemeClr val="tx1">
+            <a:lumMod val="15000"/>
+            <a:lumOff val="85000"/>
+          </a:schemeClr>
+        </a:solidFill>
+        <a:round/>
+      </a:ln>
+    </cs:spPr>
+    <cs:defRPr sz="900" kern="1200"/>
+  </cs:categoryAxis>
+  <cs:chartArea mods="allowNoFillOverride allowNoLineOverride">
+    <cs:lnRef idx="0"/>
+    <cs:fillRef idx="0"/>
+    <cs:effectRef idx="0"/>
+    <cs:fontRef idx="minor">
+      <a:schemeClr val="tx1"/>
+    </cs:fontRef>
+    <cs:spPr>
+      <a:solidFill>
+        <a:schemeClr val="bg1"/>
+      </a:solidFill>
+      <a:ln w="9525" cap="flat" cmpd="sng" algn="ctr">
+        <a:solidFill>
+          <a:schemeClr val="tx1">
+            <a:lumMod val="15000"/>
+            <a:lumOff val="85000"/>
+          </a:schemeClr>
+        </a:solidFill>
+        <a:round/>
+      </a:ln>
+    </cs:spPr>
+    <cs:defRPr sz="1000" kern="1200"/>
+  </cs:chartArea>
+  <cs:dataLabel>
+    <cs:lnRef idx="0"/>
+    <cs:fillRef idx="0"/>
+    <cs:effectRef idx="0"/>
+    <cs:fontRef idx="minor">
+      <a:schemeClr val="tx1">
+        <a:lumMod val="75000"/>
+        <a:lumOff val="25000"/>
+      </a:schemeClr>
+    </cs:fontRef>
+    <cs:defRPr sz="900" kern="1200"/>
+  </cs:dataLabel>
+  <cs:dataLabelCallout>
+    <cs:lnRef idx="0"/>
+    <cs:fillRef idx="0"/>
+    <cs:effectRef idx="0"/>
+    <cs:fontRef idx="minor">
+      <a:schemeClr val="dk1">
+        <a:lumMod val="65000"/>
+        <a:lumOff val="35000"/>
+      </a:schemeClr>
+    </cs:fontRef>
+    <cs:spPr>
+      <a:solidFill>
+        <a:schemeClr val="lt1"/>
+      </a:solidFill>
+      <a:ln>
+        <a:solidFill>
+          <a:schemeClr val="dk1">
+            <a:lumMod val="25000"/>
+            <a:lumOff val="75000"/>
+          </a:schemeClr>
+        </a:solidFill>
+      </a:ln>
+    </cs:spPr>
+    <cs:defRPr sz="900" kern="1200"/>
+    <cs:bodyPr rot="0" spcFirstLastPara="1" vertOverflow="clip" horzOverflow="clip" vert="horz" wrap="square" lIns="36576" tIns="18288" rIns="36576" bIns="18288" anchor="ctr" anchorCtr="1">
+      <a:spAutoFit/>
+    </cs:bodyPr>
+  </cs:dataLabelCallout>
+  <cs:dataPoint>
+    <cs:lnRef idx="0"/>
+    <cs:fillRef idx="1">
+      <cs:styleClr val="auto"/>
+    </cs:fillRef>
+    <cs:effectRef idx="0"/>
+    <cs:fontRef idx="minor">
+      <a:schemeClr val="tx1"/>
+    </cs:fontRef>
+    <cs:spPr>
+      <a:solidFill>
+        <a:schemeClr val="phClr"/>
+      </a:solidFill>
+    </cs:spPr>
+  </cs:dataPoint>
+  <cs:dataPoint3D>
+    <cs:lnRef idx="0"/>
+    <cs:fillRef idx="1">
+      <cs:styleClr val="auto"/>
+    </cs:fillRef>
+    <cs:effectRef idx="0"/>
+    <cs:fontRef idx="minor">
+      <a:schemeClr val="tx1"/>
+    </cs:fontRef>
+    <cs:spPr>
+      <a:solidFill>
+        <a:schemeClr val="phClr"/>
+      </a:solidFill>
+    </cs:spPr>
+  </cs:dataPoint3D>
+  <cs:dataPointLine>
+    <cs:lnRef idx="0">
+      <cs:styleClr val="auto"/>
+    </cs:lnRef>
+    <cs:fillRef idx="1"/>
+    <cs:effectRef idx="0"/>
+    <cs:fontRef idx="minor">
+      <a:schemeClr val="tx1"/>
+    </cs:fontRef>
+    <cs:spPr>
+      <a:ln w="28575" cap="rnd">
+        <a:solidFill>
+          <a:schemeClr val="phClr"/>
+        </a:solidFill>
+        <a:round/>
+      </a:ln>
+    </cs:spPr>
+  </cs:dataPointLine>
+  <cs:dataPointMarker>
+    <cs:lnRef idx="0">
+      <cs:styleClr val="auto"/>
+    </cs:lnRef>
+    <cs:fillRef idx="1">
+      <cs:styleClr val="auto"/>
+    </cs:fillRef>
+    <cs:effectRef idx="0"/>
+    <cs:fontRef idx="minor">
+      <a:schemeClr val="tx1"/>
+    </cs:fontRef>
+    <cs:spPr>
+      <a:solidFill>
+        <a:schemeClr val="phClr"/>
+      </a:solidFill>
+      <a:ln w="9525">
+        <a:solidFill>
+          <a:schemeClr val="phClr"/>
+        </a:solidFill>
+      </a:ln>
+    </cs:spPr>
+  </cs:dataPointMarker>
+  <cs:dataPointMarkerLayout symbol="circle" size="5"/>
+  <cs:dataPointWireframe>
+    <cs:lnRef idx="0">
+      <cs:styleClr val="auto"/>
+    </cs:lnRef>
+    <cs:fillRef idx="1"/>
+    <cs:effectRef idx="0"/>
+    <cs:fontRef idx="minor">
+      <a:schemeClr val="tx1"/>
+    </cs:fontRef>
+    <cs:spPr>
+      <a:ln w="9525" cap="rnd">
+        <a:solidFill>
+          <a:schemeClr val="phClr"/>
+        </a:solidFill>
+        <a:round/>
+      </a:ln>
+    </cs:spPr>
+  </cs:dataPointWireframe>
+  <cs:dataTable>
+    <cs:lnRef idx="0"/>
+    <cs:fillRef idx="0"/>
+    <cs:effectRef idx="0"/>
+    <cs:fontRef idx="minor">
+      <a:schemeClr val="tx1">
+        <a:lumMod val="65000"/>
+        <a:lumOff val="35000"/>
+      </a:schemeClr>
+    </cs:fontRef>
+    <cs:spPr>
+      <a:noFill/>
+      <a:ln w="9525" cap="flat" cmpd="sng" algn="ctr">
+        <a:solidFill>
+          <a:schemeClr val="tx1">
+            <a:lumMod val="15000"/>
+            <a:lumOff val="85000"/>
+          </a:schemeClr>
+        </a:solidFill>
+        <a:round/>
+      </a:ln>
+    </cs:spPr>
+    <cs:defRPr sz="900" kern="1200"/>
+  </cs:dataTable>
+  <cs:downBar>
+    <cs:lnRef idx="0"/>
+    <cs:fillRef idx="0"/>
+    <cs:effectRef idx="0"/>
+    <cs:fontRef idx="minor">
+      <a:schemeClr val="dk1"/>
+    </cs:fontRef>
+    <cs:spPr>
+      <a:solidFill>
+        <a:schemeClr val="dk1">
+          <a:lumMod val="65000"/>
+          <a:lumOff val="35000"/>
+        </a:schemeClr>
+      </a:solidFill>
+      <a:ln w="9525">
+        <a:solidFill>
+          <a:schemeClr val="tx1">
+            <a:lumMod val="65000"/>
+            <a:lumOff val="35000"/>
+          </a:schemeClr>
+        </a:solidFill>
+      </a:ln>
+    </cs:spPr>
+  </cs:downBar>
+  <cs:dropLine>
+    <cs:lnRef idx="0"/>
+    <cs:fillRef idx="0"/>
+    <cs:effectRef idx="0"/>
+    <cs:fontRef idx="minor">
+      <a:schemeClr val="tx1"/>
+    </cs:fontRef>
+    <cs:spPr>
+      <a:ln w="9525" cap="flat" cmpd="sng" algn="ctr">
+        <a:solidFill>
+          <a:schemeClr val="tx1">
+            <a:lumMod val="35000"/>
+            <a:lumOff val="65000"/>
+          </a:schemeClr>
+        </a:solidFill>
+        <a:round/>
+      </a:ln>
+    </cs:spPr>
+  </cs:dropLine>
+  <cs:errorBar>
+    <cs:lnRef idx="0"/>
+    <cs:fillRef idx="0"/>
+    <cs:effectRef idx="0"/>
+    <cs:fontRef idx="minor">
+      <a:schemeClr val="tx1"/>
+    </cs:fontRef>
+    <cs:spPr>
+      <a:ln w="9525" cap="flat" cmpd="sng" algn="ctr">
+        <a:solidFill>
+          <a:schemeClr val="tx1">
+            <a:lumMod val="65000"/>
+            <a:lumOff val="35000"/>
+          </a:schemeClr>
+        </a:solidFill>
+        <a:round/>
+      </a:ln>
+    </cs:spPr>
+  </cs:errorBar>
+  <cs:floor>
+    <cs:lnRef idx="0"/>
+    <cs:fillRef idx="0"/>
+    <cs:effectRef idx="0"/>
+    <cs:fontRef idx="minor">
+      <a:schemeClr val="tx1"/>
+    </cs:fontRef>
+    <cs:spPr>
+      <a:noFill/>
+      <a:ln>
+        <a:noFill/>
+      </a:ln>
+    </cs:spPr>
+  </cs:floor>
+  <cs:gridlineMajor>
+    <cs:lnRef idx="0"/>
+    <cs:fillRef idx="0"/>
+    <cs:effectRef idx="0"/>
+    <cs:fontRef idx="minor">
+      <a:schemeClr val="tx1"/>
+    </cs:fontRef>
+    <cs:spPr>
+      <a:ln w="9525" cap="flat" cmpd="sng" algn="ctr">
+        <a:solidFill>
+          <a:schemeClr val="tx1">
+            <a:lumMod val="15000"/>
+            <a:lumOff val="85000"/>
+          </a:schemeClr>
+        </a:solidFill>
+        <a:round/>
+      </a:ln>
+    </cs:spPr>
+  </cs:gridlineMajor>
+  <cs:gridlineMinor>
+    <cs:lnRef idx="0"/>
+    <cs:fillRef idx="0"/>
+    <cs:effectRef idx="0"/>
+    <cs:fontRef idx="minor">
+      <a:schemeClr val="tx1"/>
+    </cs:fontRef>
+    <cs:spPr>
+      <a:ln w="9525" cap="flat" cmpd="sng" algn="ctr">
+        <a:solidFill>
+          <a:schemeClr val="tx1">
+            <a:lumMod val="5000"/>
+            <a:lumOff val="95000"/>
+          </a:schemeClr>
+        </a:solidFill>
+        <a:round/>
+      </a:ln>
+    </cs:spPr>
+  </cs:gridlineMinor>
+  <cs:hiLoLine>
+    <cs:lnRef idx="0"/>
+    <cs:fillRef idx="0"/>
+    <cs:effectRef idx="0"/>
+    <cs:fontRef idx="minor">
+      <a:schemeClr val="tx1"/>
+    </cs:fontRef>
+    <cs:spPr>
+      <a:ln w="9525" cap="flat" cmpd="sng" algn="ctr">
+        <a:solidFill>
+          <a:schemeClr val="tx1">
+            <a:lumMod val="75000"/>
+            <a:lumOff val="25000"/>
+          </a:schemeClr>
+        </a:solidFill>
+        <a:round/>
+      </a:ln>
+    </cs:spPr>
+  </cs:hiLoLine>
+  <cs:leaderLine>
+    <cs:lnRef idx="0"/>
+    <cs:fillRef idx="0"/>
+    <cs:effectRef idx="0"/>
+    <cs:fontRef idx="minor">
+      <a:schemeClr val="tx1"/>
+    </cs:fontRef>
+    <cs:spPr>
+      <a:ln w="9525" cap="flat" cmpd="sng" algn="ctr">
+        <a:solidFill>
+          <a:schemeClr val="tx1">
+            <a:lumMod val="35000"/>
+            <a:lumOff val="65000"/>
+          </a:schemeClr>
+        </a:solidFill>
+        <a:round/>
+      </a:ln>
+    </cs:spPr>
+  </cs:leaderLine>
+  <cs:legend>
+    <cs:lnRef idx="0"/>
+    <cs:fillRef idx="0"/>
+    <cs:effectRef idx="0"/>
+    <cs:fontRef idx="minor">
+      <a:schemeClr val="tx1">
+        <a:lumMod val="65000"/>
+        <a:lumOff val="35000"/>
+      </a:schemeClr>
+    </cs:fontRef>
+    <cs:defRPr sz="900" kern="1200"/>
+  </cs:legend>
+  <cs:plotArea mods="allowNoFillOverride allowNoLineOverride">
+    <cs:lnRef idx="0"/>
+    <cs:fillRef idx="0"/>
+    <cs:effectRef idx="0"/>
+    <cs:fontRef idx="minor">
+      <a:schemeClr val="tx1"/>
+    </cs:fontRef>
+  </cs:plotArea>
+  <cs:plotArea3D mods="allowNoFillOverride allowNoLineOverride">
+    <cs:lnRef idx="0"/>
+    <cs:fillRef idx="0"/>
+    <cs:effectRef idx="0"/>
+    <cs:fontRef idx="minor">
+      <a:schemeClr val="tx1"/>
+    </cs:fontRef>
+  </cs:plotArea3D>
+  <cs:seriesAxis>
+    <cs:lnRef idx="0"/>
+    <cs:fillRef idx="0"/>
+    <cs:effectRef idx="0"/>
+    <cs:fontRef idx="minor">
+      <a:schemeClr val="tx1">
+        <a:lumMod val="65000"/>
+        <a:lumOff val="35000"/>
+      </a:schemeClr>
+    </cs:fontRef>
+    <cs:defRPr sz="900" kern="1200"/>
+  </cs:seriesAxis>
+  <cs:seriesLine>
+    <cs:lnRef idx="0"/>
+    <cs:fillRef idx="0"/>
+    <cs:effectRef idx="0"/>
+    <cs:fontRef idx="minor">
+      <a:schemeClr val="tx1"/>
+    </cs:fontRef>
+    <cs:spPr>
+      <a:ln w="9525" cap="flat" cmpd="sng" algn="ctr">
+        <a:solidFill>
+          <a:schemeClr val="tx1">
+            <a:lumMod val="35000"/>
+            <a:lumOff val="65000"/>
+          </a:schemeClr>
+        </a:solidFill>
+        <a:round/>
+      </a:ln>
+    </cs:spPr>
+  </cs:seriesLine>
+  <cs:title>
+    <cs:lnRef idx="0"/>
+    <cs:fillRef idx="0"/>
+    <cs:effectRef idx="0"/>
+    <cs:fontRef idx="minor">
+      <a:schemeClr val="tx1">
+        <a:lumMod val="65000"/>
+        <a:lumOff val="35000"/>
+      </a:schemeClr>
+    </cs:fontRef>
+    <cs:defRPr sz="1400" b="0" kern="1200" spc="0" baseline="0"/>
+  </cs:title>
+  <cs:trendline>
+    <cs:lnRef idx="0">
+      <cs:styleClr val="auto"/>
+    </cs:lnRef>
+    <cs:fillRef idx="0"/>
+    <cs:effectRef idx="0"/>
+    <cs:fontRef idx="minor">
+      <a:schemeClr val="tx1"/>
+    </cs:fontRef>
+    <cs:spPr>
+      <a:ln w="19050" cap="rnd">
+        <a:solidFill>
+          <a:schemeClr val="phClr"/>
+        </a:solidFill>
+        <a:prstDash val="sysDot"/>
+      </a:ln>
+    </cs:spPr>
+  </cs:trendline>
+  <cs:trendlineLabel>
+    <cs:lnRef idx="0"/>
+    <cs:fillRef idx="0"/>
+    <cs:effectRef idx="0"/>
+    <cs:fontRef idx="minor">
+      <a:schemeClr val="tx1">
+        <a:lumMod val="65000"/>
+        <a:lumOff val="35000"/>
+      </a:schemeClr>
+    </cs:fontRef>
+    <cs:defRPr sz="900" kern="1200"/>
+  </cs:trendlineLabel>
+  <cs:upBar>
+    <cs:lnRef idx="0"/>
+    <cs:fillRef idx="0"/>
+    <cs:effectRef idx="0"/>
+    <cs:fontRef idx="minor">
+      <a:schemeClr val="dk1"/>
+    </cs:fontRef>
+    <cs:spPr>
+      <a:solidFill>
+        <a:schemeClr val="lt1"/>
+      </a:solidFill>
+      <a:ln w="9525">
+        <a:solidFill>
+          <a:schemeClr val="tx1">
+            <a:lumMod val="15000"/>
+            <a:lumOff val="85000"/>
+          </a:schemeClr>
+        </a:solidFill>
+      </a:ln>
+    </cs:spPr>
+  </cs:upBar>
+  <cs:valueAxis>
+    <cs:lnRef idx="0"/>
+    <cs:fillRef idx="0"/>
+    <cs:effectRef idx="0"/>
+    <cs:fontRef idx="minor">
+      <a:schemeClr val="tx1">
+        <a:lumMod val="65000"/>
+        <a:lumOff val="35000"/>
+      </a:schemeClr>
+    </cs:fontRef>
+    <cs:defRPr sz="900" kern="1200"/>
+  </cs:valueAxis>
+  <cs:wall>
+    <cs:lnRef idx="0"/>
+    <cs:fillRef idx="0"/>
+    <cs:effectRef idx="0"/>
+    <cs:fontRef idx="minor">
+      <a:schemeClr val="tx1"/>
+    </cs:fontRef>
+    <cs:spPr>
+      <a:noFill/>
+      <a:ln>
+        <a:noFill/>
+      </a:ln>
+    </cs:spPr>
+  </cs:wall>
+</cs:chartStyle>
+</file>
+
+<file path=ppt/charts/style5.xml><?xml version="1.0" encoding="utf-8"?>
+<cs:chartStyle xmlns:cs="http://schemas.microsoft.com/office/drawing/2012/chartStyle" xmlns:a="http://schemas.openxmlformats.org/drawingml/2006/main" id="227">
+  <cs:axisTitle>
+    <cs:lnRef idx="0"/>
+    <cs:fillRef idx="0"/>
+    <cs:effectRef idx="0"/>
+    <cs:fontRef idx="minor">
+      <a:schemeClr val="tx1">
+        <a:lumMod val="65000"/>
+        <a:lumOff val="35000"/>
+      </a:schemeClr>
+    </cs:fontRef>
+    <cs:defRPr sz="1000" kern="1200"/>
+  </cs:axisTitle>
+  <cs:categoryAxis>
+    <cs:lnRef idx="0"/>
+    <cs:fillRef idx="0"/>
+    <cs:effectRef idx="0"/>
+    <cs:fontRef idx="minor">
+      <a:schemeClr val="tx1">
+        <a:lumMod val="65000"/>
+        <a:lumOff val="35000"/>
+      </a:schemeClr>
+    </cs:fontRef>
+    <cs:spPr>
+      <a:ln w="9525" cap="flat" cmpd="sng" algn="ctr">
+        <a:solidFill>
+          <a:schemeClr val="tx1">
+            <a:lumMod val="15000"/>
+            <a:lumOff val="85000"/>
+          </a:schemeClr>
+        </a:solidFill>
+        <a:round/>
+      </a:ln>
+    </cs:spPr>
+    <cs:defRPr sz="900" kern="1200"/>
+  </cs:categoryAxis>
+  <cs:chartArea mods="allowNoFillOverride allowNoLineOverride">
+    <cs:lnRef idx="0"/>
+    <cs:fillRef idx="0"/>
+    <cs:effectRef idx="0"/>
+    <cs:fontRef idx="minor">
+      <a:schemeClr val="tx1"/>
+    </cs:fontRef>
+    <cs:spPr>
+      <a:solidFill>
+        <a:schemeClr val="bg1"/>
+      </a:solidFill>
+      <a:ln w="9525" cap="flat" cmpd="sng" algn="ctr">
+        <a:solidFill>
+          <a:schemeClr val="tx1">
+            <a:lumMod val="15000"/>
+            <a:lumOff val="85000"/>
+          </a:schemeClr>
+        </a:solidFill>
+        <a:round/>
+      </a:ln>
+    </cs:spPr>
+    <cs:defRPr sz="1000" kern="1200"/>
+  </cs:chartArea>
+  <cs:dataLabel>
+    <cs:lnRef idx="0"/>
+    <cs:fillRef idx="0"/>
+    <cs:effectRef idx="0"/>
+    <cs:fontRef idx="minor">
+      <a:schemeClr val="tx1">
+        <a:lumMod val="75000"/>
+        <a:lumOff val="25000"/>
+      </a:schemeClr>
+    </cs:fontRef>
+    <cs:defRPr sz="900" kern="1200"/>
+  </cs:dataLabel>
+  <cs:dataLabelCallout>
+    <cs:lnRef idx="0"/>
+    <cs:fillRef idx="0"/>
+    <cs:effectRef idx="0"/>
+    <cs:fontRef idx="minor">
+      <a:schemeClr val="dk1">
+        <a:lumMod val="65000"/>
+        <a:lumOff val="35000"/>
+      </a:schemeClr>
+    </cs:fontRef>
+    <cs:spPr>
+      <a:solidFill>
+        <a:schemeClr val="lt1"/>
+      </a:solidFill>
+      <a:ln>
+        <a:solidFill>
+          <a:schemeClr val="dk1">
+            <a:lumMod val="25000"/>
+            <a:lumOff val="75000"/>
+          </a:schemeClr>
+        </a:solidFill>
+      </a:ln>
+    </cs:spPr>
+    <cs:defRPr sz="900" kern="1200"/>
+    <cs:bodyPr rot="0" spcFirstLastPara="1" vertOverflow="clip" horzOverflow="clip" vert="horz" wrap="square" lIns="36576" tIns="18288" rIns="36576" bIns="18288" anchor="ctr" anchorCtr="1">
+      <a:spAutoFit/>
+    </cs:bodyPr>
+  </cs:dataLabelCallout>
+  <cs:dataPoint>
+    <cs:lnRef idx="0"/>
+    <cs:fillRef idx="1">
+      <cs:styleClr val="auto"/>
+    </cs:fillRef>
+    <cs:effectRef idx="0"/>
+    <cs:fontRef idx="minor">
+      <a:schemeClr val="tx1"/>
+    </cs:fontRef>
+    <cs:spPr>
+      <a:solidFill>
+        <a:schemeClr val="phClr"/>
+      </a:solidFill>
+    </cs:spPr>
+  </cs:dataPoint>
+  <cs:dataPoint3D>
+    <cs:lnRef idx="0"/>
+    <cs:fillRef idx="1">
+      <cs:styleClr val="auto"/>
+    </cs:fillRef>
+    <cs:effectRef idx="0"/>
+    <cs:fontRef idx="minor">
+      <a:schemeClr val="tx1"/>
+    </cs:fontRef>
+    <cs:spPr>
+      <a:solidFill>
+        <a:schemeClr val="phClr"/>
+      </a:solidFill>
+    </cs:spPr>
+  </cs:dataPoint3D>
+  <cs:dataPointLine>
+    <cs:lnRef idx="0">
+      <cs:styleClr val="auto"/>
+    </cs:lnRef>
+    <cs:fillRef idx="1"/>
+    <cs:effectRef idx="0"/>
+    <cs:fontRef idx="minor">
+      <a:schemeClr val="tx1"/>
+    </cs:fontRef>
+    <cs:spPr>
+      <a:ln w="28575" cap="rnd">
+        <a:solidFill>
+          <a:schemeClr val="phClr"/>
+        </a:solidFill>
+        <a:round/>
+      </a:ln>
+    </cs:spPr>
+  </cs:dataPointLine>
+  <cs:dataPointMarker>
+    <cs:lnRef idx="0">
+      <cs:styleClr val="auto"/>
+    </cs:lnRef>
+    <cs:fillRef idx="1">
+      <cs:styleClr val="auto"/>
+    </cs:fillRef>
+    <cs:effectRef idx="0"/>
+    <cs:fontRef idx="minor">
+      <a:schemeClr val="tx1"/>
+    </cs:fontRef>
+    <cs:spPr>
+      <a:solidFill>
+        <a:schemeClr val="phClr"/>
+      </a:solidFill>
+      <a:ln w="9525">
+        <a:solidFill>
+          <a:schemeClr val="phClr"/>
+        </a:solidFill>
+      </a:ln>
+    </cs:spPr>
+  </cs:dataPointMarker>
+  <cs:dataPointMarkerLayout symbol="circle" size="5"/>
+  <cs:dataPointWireframe>
+    <cs:lnRef idx="0">
+      <cs:styleClr val="auto"/>
+    </cs:lnRef>
+    <cs:fillRef idx="1"/>
+    <cs:effectRef idx="0"/>
+    <cs:fontRef idx="minor">
+      <a:schemeClr val="tx1"/>
+    </cs:fontRef>
+    <cs:spPr>
+      <a:ln w="9525" cap="rnd">
+        <a:solidFill>
+          <a:schemeClr val="phClr"/>
+        </a:solidFill>
+        <a:round/>
+      </a:ln>
+    </cs:spPr>
+  </cs:dataPointWireframe>
+  <cs:dataTable>
+    <cs:lnRef idx="0"/>
+    <cs:fillRef idx="0"/>
+    <cs:effectRef idx="0"/>
+    <cs:fontRef idx="minor">
+      <a:schemeClr val="tx1">
+        <a:lumMod val="65000"/>
+        <a:lumOff val="35000"/>
+      </a:schemeClr>
+    </cs:fontRef>
+    <cs:spPr>
+      <a:noFill/>
+      <a:ln w="9525" cap="flat" cmpd="sng" algn="ctr">
+        <a:solidFill>
+          <a:schemeClr val="tx1">
+            <a:lumMod val="15000"/>
+            <a:lumOff val="85000"/>
+          </a:schemeClr>
+        </a:solidFill>
+        <a:round/>
+      </a:ln>
+    </cs:spPr>
+    <cs:defRPr sz="900" kern="1200"/>
+  </cs:dataTable>
+  <cs:downBar>
+    <cs:lnRef idx="0"/>
+    <cs:fillRef idx="0"/>
+    <cs:effectRef idx="0"/>
+    <cs:fontRef idx="minor">
+      <a:schemeClr val="dk1"/>
+    </cs:fontRef>
+    <cs:spPr>
+      <a:solidFill>
+        <a:schemeClr val="dk1">
+          <a:lumMod val="65000"/>
+          <a:lumOff val="35000"/>
+        </a:schemeClr>
+      </a:solidFill>
+      <a:ln w="9525">
+        <a:solidFill>
+          <a:schemeClr val="tx1">
+            <a:lumMod val="65000"/>
+            <a:lumOff val="35000"/>
+          </a:schemeClr>
+        </a:solidFill>
+      </a:ln>
+    </cs:spPr>
+  </cs:downBar>
+  <cs:dropLine>
+    <cs:lnRef idx="0"/>
+    <cs:fillRef idx="0"/>
+    <cs:effectRef idx="0"/>
+    <cs:fontRef idx="minor">
+      <a:schemeClr val="tx1"/>
+    </cs:fontRef>
+    <cs:spPr>
+      <a:ln w="9525" cap="flat" cmpd="sng" algn="ctr">
+        <a:solidFill>
+          <a:schemeClr val="tx1">
+            <a:lumMod val="35000"/>
+            <a:lumOff val="65000"/>
+          </a:schemeClr>
+        </a:solidFill>
+        <a:round/>
+      </a:ln>
+    </cs:spPr>
+  </cs:dropLine>
+  <cs:errorBar>
+    <cs:lnRef idx="0"/>
+    <cs:fillRef idx="0"/>
+    <cs:effectRef idx="0"/>
+    <cs:fontRef idx="minor">
+      <a:schemeClr val="tx1"/>
+    </cs:fontRef>
+    <cs:spPr>
+      <a:ln w="9525" cap="flat" cmpd="sng" algn="ctr">
+        <a:solidFill>
+          <a:schemeClr val="tx1">
+            <a:lumMod val="65000"/>
+            <a:lumOff val="35000"/>
+          </a:schemeClr>
+        </a:solidFill>
+        <a:round/>
+      </a:ln>
+    </cs:spPr>
+  </cs:errorBar>
+  <cs:floor>
+    <cs:lnRef idx="0"/>
+    <cs:fillRef idx="0"/>
+    <cs:effectRef idx="0"/>
+    <cs:fontRef idx="minor">
+      <a:schemeClr val="tx1"/>
+    </cs:fontRef>
+    <cs:spPr>
+      <a:noFill/>
+      <a:ln>
+        <a:noFill/>
+      </a:ln>
+    </cs:spPr>
+  </cs:floor>
+  <cs:gridlineMajor>
+    <cs:lnRef idx="0"/>
+    <cs:fillRef idx="0"/>
+    <cs:effectRef idx="0"/>
+    <cs:fontRef idx="minor">
+      <a:schemeClr val="tx1"/>
+    </cs:fontRef>
+    <cs:spPr>
+      <a:ln w="9525" cap="flat" cmpd="sng" algn="ctr">
+        <a:solidFill>
+          <a:schemeClr val="tx1">
+            <a:lumMod val="15000"/>
+            <a:lumOff val="85000"/>
+          </a:schemeClr>
+        </a:solidFill>
+        <a:round/>
+      </a:ln>
+    </cs:spPr>
+  </cs:gridlineMajor>
+  <cs:gridlineMinor>
+    <cs:lnRef idx="0"/>
+    <cs:fillRef idx="0"/>
+    <cs:effectRef idx="0"/>
+    <cs:fontRef idx="minor">
+      <a:schemeClr val="tx1"/>
+    </cs:fontRef>
+    <cs:spPr>
+      <a:ln w="9525" cap="flat" cmpd="sng" algn="ctr">
+        <a:solidFill>
+          <a:schemeClr val="tx1">
+            <a:lumMod val="5000"/>
+            <a:lumOff val="95000"/>
+          </a:schemeClr>
+        </a:solidFill>
+        <a:round/>
+      </a:ln>
+    </cs:spPr>
+  </cs:gridlineMinor>
+  <cs:hiLoLine>
+    <cs:lnRef idx="0"/>
+    <cs:fillRef idx="0"/>
+    <cs:effectRef idx="0"/>
+    <cs:fontRef idx="minor">
+      <a:schemeClr val="tx1"/>
+    </cs:fontRef>
+    <cs:spPr>
+      <a:ln w="9525" cap="flat" cmpd="sng" algn="ctr">
+        <a:solidFill>
+          <a:schemeClr val="tx1">
+            <a:lumMod val="75000"/>
+            <a:lumOff val="25000"/>
+          </a:schemeClr>
+        </a:solidFill>
+        <a:round/>
+      </a:ln>
+    </cs:spPr>
+  </cs:hiLoLine>
+  <cs:leaderLine>
+    <cs:lnRef idx="0"/>
+    <cs:fillRef idx="0"/>
+    <cs:effectRef idx="0"/>
+    <cs:fontRef idx="minor">
+      <a:schemeClr val="tx1"/>
+    </cs:fontRef>
+    <cs:spPr>
+      <a:ln w="9525" cap="flat" cmpd="sng" algn="ctr">
+        <a:solidFill>
+          <a:schemeClr val="tx1">
+            <a:lumMod val="35000"/>
+            <a:lumOff val="65000"/>
+          </a:schemeClr>
+        </a:solidFill>
+        <a:round/>
+      </a:ln>
+    </cs:spPr>
+  </cs:leaderLine>
+  <cs:legend>
+    <cs:lnRef idx="0"/>
+    <cs:fillRef idx="0"/>
+    <cs:effectRef idx="0"/>
+    <cs:fontRef idx="minor">
+      <a:schemeClr val="tx1">
+        <a:lumMod val="65000"/>
+        <a:lumOff val="35000"/>
+      </a:schemeClr>
+    </cs:fontRef>
+    <cs:defRPr sz="900" kern="1200"/>
+  </cs:legend>
+  <cs:plotArea mods="allowNoFillOverride allowNoLineOverride">
+    <cs:lnRef idx="0"/>
+    <cs:fillRef idx="0"/>
+    <cs:effectRef idx="0"/>
+    <cs:fontRef idx="minor">
+      <a:schemeClr val="tx1"/>
+    </cs:fontRef>
+  </cs:plotArea>
+  <cs:plotArea3D mods="allowNoFillOverride allowNoLineOverride">
+    <cs:lnRef idx="0"/>
+    <cs:fillRef idx="0"/>
+    <cs:effectRef idx="0"/>
+    <cs:fontRef idx="minor">
+      <a:schemeClr val="tx1"/>
+    </cs:fontRef>
+  </cs:plotArea3D>
+  <cs:seriesAxis>
+    <cs:lnRef idx="0"/>
+    <cs:fillRef idx="0"/>
+    <cs:effectRef idx="0"/>
+    <cs:fontRef idx="minor">
+      <a:schemeClr val="tx1">
+        <a:lumMod val="65000"/>
+        <a:lumOff val="35000"/>
+      </a:schemeClr>
+    </cs:fontRef>
+    <cs:defRPr sz="900" kern="1200"/>
+  </cs:seriesAxis>
+  <cs:seriesLine>
+    <cs:lnRef idx="0"/>
+    <cs:fillRef idx="0"/>
+    <cs:effectRef idx="0"/>
+    <cs:fontRef idx="minor">
+      <a:schemeClr val="tx1"/>
+    </cs:fontRef>
+    <cs:spPr>
+      <a:ln w="9525" cap="flat" cmpd="sng" algn="ctr">
+        <a:solidFill>
+          <a:schemeClr val="tx1">
+            <a:lumMod val="35000"/>
+            <a:lumOff val="65000"/>
+          </a:schemeClr>
+        </a:solidFill>
+        <a:round/>
+      </a:ln>
+    </cs:spPr>
+  </cs:seriesLine>
+  <cs:title>
+    <cs:lnRef idx="0"/>
+    <cs:fillRef idx="0"/>
+    <cs:effectRef idx="0"/>
+    <cs:fontRef idx="minor">
+      <a:schemeClr val="tx1">
+        <a:lumMod val="65000"/>
+        <a:lumOff val="35000"/>
+      </a:schemeClr>
+    </cs:fontRef>
+    <cs:defRPr sz="1400" b="0" kern="1200" spc="0" baseline="0"/>
+  </cs:title>
+  <cs:trendline>
+    <cs:lnRef idx="0">
+      <cs:styleClr val="auto"/>
+    </cs:lnRef>
+    <cs:fillRef idx="0"/>
+    <cs:effectRef idx="0"/>
+    <cs:fontRef idx="minor">
+      <a:schemeClr val="tx1"/>
+    </cs:fontRef>
+    <cs:spPr>
+      <a:ln w="19050" cap="rnd">
+        <a:solidFill>
+          <a:schemeClr val="phClr"/>
+        </a:solidFill>
+        <a:prstDash val="sysDot"/>
+      </a:ln>
+    </cs:spPr>
+  </cs:trendline>
+  <cs:trendlineLabel>
+    <cs:lnRef idx="0"/>
+    <cs:fillRef idx="0"/>
+    <cs:effectRef idx="0"/>
+    <cs:fontRef idx="minor">
+      <a:schemeClr val="tx1">
+        <a:lumMod val="65000"/>
+        <a:lumOff val="35000"/>
+      </a:schemeClr>
+    </cs:fontRef>
+    <cs:defRPr sz="900" kern="1200"/>
+  </cs:trendlineLabel>
+  <cs:upBar>
+    <cs:lnRef idx="0"/>
+    <cs:fillRef idx="0"/>
+    <cs:effectRef idx="0"/>
+    <cs:fontRef idx="minor">
+      <a:schemeClr val="dk1"/>
+    </cs:fontRef>
+    <cs:spPr>
+      <a:solidFill>
+        <a:schemeClr val="lt1"/>
+      </a:solidFill>
+      <a:ln w="9525">
+        <a:solidFill>
+          <a:schemeClr val="tx1">
+            <a:lumMod val="15000"/>
+            <a:lumOff val="85000"/>
+          </a:schemeClr>
+        </a:solidFill>
+      </a:ln>
+    </cs:spPr>
+  </cs:upBar>
+  <cs:valueAxis>
+    <cs:lnRef idx="0"/>
+    <cs:fillRef idx="0"/>
+    <cs:effectRef idx="0"/>
+    <cs:fontRef idx="minor">
+      <a:schemeClr val="tx1">
+        <a:lumMod val="65000"/>
+        <a:lumOff val="35000"/>
+      </a:schemeClr>
+    </cs:fontRef>
+    <cs:defRPr sz="900" kern="1200"/>
+  </cs:valueAxis>
+  <cs:wall>
+    <cs:lnRef idx="0"/>
+    <cs:fillRef idx="0"/>
+    <cs:effectRef idx="0"/>
+    <cs:fontRef idx="minor">
+      <a:schemeClr val="tx1"/>
+    </cs:fontRef>
+    <cs:spPr>
+      <a:noFill/>
+      <a:ln>
+        <a:noFill/>
+      </a:ln>
+    </cs:spPr>
+  </cs:wall>
+</cs:chartStyle>
+</file>
+
+<file path=ppt/charts/style6.xml><?xml version="1.0" encoding="utf-8"?>
+<cs:chartStyle xmlns:cs="http://schemas.microsoft.com/office/drawing/2012/chartStyle" xmlns:a="http://schemas.openxmlformats.org/drawingml/2006/main" id="227">
+  <cs:axisTitle>
+    <cs:lnRef idx="0"/>
+    <cs:fillRef idx="0"/>
+    <cs:effectRef idx="0"/>
+    <cs:fontRef idx="minor">
+      <a:schemeClr val="tx1">
+        <a:lumMod val="65000"/>
+        <a:lumOff val="35000"/>
+      </a:schemeClr>
+    </cs:fontRef>
+    <cs:defRPr sz="1000" kern="1200"/>
+  </cs:axisTitle>
+  <cs:categoryAxis>
+    <cs:lnRef idx="0"/>
+    <cs:fillRef idx="0"/>
+    <cs:effectRef idx="0"/>
+    <cs:fontRef idx="minor">
+      <a:schemeClr val="tx1">
+        <a:lumMod val="65000"/>
+        <a:lumOff val="35000"/>
+      </a:schemeClr>
+    </cs:fontRef>
+    <cs:spPr>
+      <a:ln w="9525" cap="flat" cmpd="sng" algn="ctr">
+        <a:solidFill>
+          <a:schemeClr val="tx1">
+            <a:lumMod val="15000"/>
+            <a:lumOff val="85000"/>
+          </a:schemeClr>
+        </a:solidFill>
+        <a:round/>
+      </a:ln>
+    </cs:spPr>
+    <cs:defRPr sz="900" kern="1200"/>
+  </cs:categoryAxis>
+  <cs:chartArea mods="allowNoFillOverride allowNoLineOverride">
+    <cs:lnRef idx="0"/>
+    <cs:fillRef idx="0"/>
+    <cs:effectRef idx="0"/>
+    <cs:fontRef idx="minor">
+      <a:schemeClr val="tx1"/>
+    </cs:fontRef>
+    <cs:spPr>
+      <a:solidFill>
+        <a:schemeClr val="bg1"/>
+      </a:solidFill>
+      <a:ln w="9525" cap="flat" cmpd="sng" algn="ctr">
+        <a:solidFill>
+          <a:schemeClr val="tx1">
+            <a:lumMod val="15000"/>
+            <a:lumOff val="85000"/>
+          </a:schemeClr>
+        </a:solidFill>
+        <a:round/>
+      </a:ln>
+    </cs:spPr>
+    <cs:defRPr sz="1000" kern="1200"/>
+  </cs:chartArea>
+  <cs:dataLabel>
+    <cs:lnRef idx="0"/>
+    <cs:fillRef idx="0"/>
+    <cs:effectRef idx="0"/>
+    <cs:fontRef idx="minor">
+      <a:schemeClr val="tx1">
+        <a:lumMod val="75000"/>
+        <a:lumOff val="25000"/>
+      </a:schemeClr>
+    </cs:fontRef>
+    <cs:defRPr sz="900" kern="1200"/>
+  </cs:dataLabel>
+  <cs:dataLabelCallout>
+    <cs:lnRef idx="0"/>
+    <cs:fillRef idx="0"/>
+    <cs:effectRef idx="0"/>
+    <cs:fontRef idx="minor">
+      <a:schemeClr val="dk1">
+        <a:lumMod val="65000"/>
+        <a:lumOff val="35000"/>
+      </a:schemeClr>
+    </cs:fontRef>
+    <cs:spPr>
+      <a:solidFill>
+        <a:schemeClr val="lt1"/>
+      </a:solidFill>
+      <a:ln>
+        <a:solidFill>
+          <a:schemeClr val="dk1">
+            <a:lumMod val="25000"/>
+            <a:lumOff val="75000"/>
+          </a:schemeClr>
+        </a:solidFill>
+      </a:ln>
+    </cs:spPr>
+    <cs:defRPr sz="900" kern="1200"/>
+    <cs:bodyPr rot="0" spcFirstLastPara="1" vertOverflow="clip" horzOverflow="clip" vert="horz" wrap="square" lIns="36576" tIns="18288" rIns="36576" bIns="18288" anchor="ctr" anchorCtr="1">
+      <a:spAutoFit/>
+    </cs:bodyPr>
+  </cs:dataLabelCallout>
+  <cs:dataPoint>
+    <cs:lnRef idx="0"/>
+    <cs:fillRef idx="1">
+      <cs:styleClr val="auto"/>
+    </cs:fillRef>
+    <cs:effectRef idx="0"/>
+    <cs:fontRef idx="minor">
+      <a:schemeClr val="tx1"/>
+    </cs:fontRef>
+    <cs:spPr>
+      <a:solidFill>
+        <a:schemeClr val="phClr"/>
+      </a:solidFill>
+    </cs:spPr>
+  </cs:dataPoint>
+  <cs:dataPoint3D>
+    <cs:lnRef idx="0"/>
+    <cs:fillRef idx="1">
+      <cs:styleClr val="auto"/>
+    </cs:fillRef>
+    <cs:effectRef idx="0"/>
+    <cs:fontRef idx="minor">
+      <a:schemeClr val="tx1"/>
+    </cs:fontRef>
+    <cs:spPr>
+      <a:solidFill>
+        <a:schemeClr val="phClr"/>
+      </a:solidFill>
+    </cs:spPr>
+  </cs:dataPoint3D>
+  <cs:dataPointLine>
+    <cs:lnRef idx="0">
+      <cs:styleClr val="auto"/>
+    </cs:lnRef>
+    <cs:fillRef idx="1"/>
+    <cs:effectRef idx="0"/>
+    <cs:fontRef idx="minor">
+      <a:schemeClr val="tx1"/>
+    </cs:fontRef>
+    <cs:spPr>
+      <a:ln w="28575" cap="rnd">
+        <a:solidFill>
+          <a:schemeClr val="phClr"/>
+        </a:solidFill>
+        <a:round/>
+      </a:ln>
+    </cs:spPr>
+  </cs:dataPointLine>
+  <cs:dataPointMarker>
+    <cs:lnRef idx="0">
+      <cs:styleClr val="auto"/>
+    </cs:lnRef>
+    <cs:fillRef idx="1">
+      <cs:styleClr val="auto"/>
+    </cs:fillRef>
+    <cs:effectRef idx="0"/>
+    <cs:fontRef idx="minor">
+      <a:schemeClr val="tx1"/>
+    </cs:fontRef>
+    <cs:spPr>
+      <a:solidFill>
+        <a:schemeClr val="phClr"/>
+      </a:solidFill>
+      <a:ln w="9525">
+        <a:solidFill>
+          <a:schemeClr val="phClr"/>
+        </a:solidFill>
+      </a:ln>
+    </cs:spPr>
+  </cs:dataPointMarker>
+  <cs:dataPointMarkerLayout symbol="circle" size="5"/>
+  <cs:dataPointWireframe>
+    <cs:lnRef idx="0">
+      <cs:styleClr val="auto"/>
+    </cs:lnRef>
+    <cs:fillRef idx="1"/>
+    <cs:effectRef idx="0"/>
+    <cs:fontRef idx="minor">
+      <a:schemeClr val="tx1"/>
+    </cs:fontRef>
+    <cs:spPr>
+      <a:ln w="9525" cap="rnd">
+        <a:solidFill>
+          <a:schemeClr val="phClr"/>
+        </a:solidFill>
+        <a:round/>
+      </a:ln>
+    </cs:spPr>
+  </cs:dataPointWireframe>
+  <cs:dataTable>
+    <cs:lnRef idx="0"/>
+    <cs:fillRef idx="0"/>
+    <cs:effectRef idx="0"/>
+    <cs:fontRef idx="minor">
+      <a:schemeClr val="tx1">
+        <a:lumMod val="65000"/>
+        <a:lumOff val="35000"/>
+      </a:schemeClr>
+    </cs:fontRef>
+    <cs:spPr>
+      <a:noFill/>
+      <a:ln w="9525" cap="flat" cmpd="sng" algn="ctr">
+        <a:solidFill>
+          <a:schemeClr val="tx1">
+            <a:lumMod val="15000"/>
+            <a:lumOff val="85000"/>
+          </a:schemeClr>
+        </a:solidFill>
+        <a:round/>
+      </a:ln>
+    </cs:spPr>
+    <cs:defRPr sz="900" kern="1200"/>
+  </cs:dataTable>
+  <cs:downBar>
+    <cs:lnRef idx="0"/>
+    <cs:fillRef idx="0"/>
+    <cs:effectRef idx="0"/>
+    <cs:fontRef idx="minor">
+      <a:schemeClr val="dk1"/>
+    </cs:fontRef>
+    <cs:spPr>
+      <a:solidFill>
+        <a:schemeClr val="dk1">
+          <a:lumMod val="65000"/>
+          <a:lumOff val="35000"/>
+        </a:schemeClr>
+      </a:solidFill>
+      <a:ln w="9525">
+        <a:solidFill>
+          <a:schemeClr val="tx1">
+            <a:lumMod val="65000"/>
+            <a:lumOff val="35000"/>
+          </a:schemeClr>
+        </a:solidFill>
+      </a:ln>
+    </cs:spPr>
+  </cs:downBar>
+  <cs:dropLine>
+    <cs:lnRef idx="0"/>
+    <cs:fillRef idx="0"/>
+    <cs:effectRef idx="0"/>
+    <cs:fontRef idx="minor">
+      <a:schemeClr val="tx1"/>
+    </cs:fontRef>
+    <cs:spPr>
+      <a:ln w="9525" cap="flat" cmpd="sng" algn="ctr">
+        <a:solidFill>
+          <a:schemeClr val="tx1">
+            <a:lumMod val="35000"/>
+            <a:lumOff val="65000"/>
+          </a:schemeClr>
+        </a:solidFill>
+        <a:round/>
+      </a:ln>
+    </cs:spPr>
+  </cs:dropLine>
+  <cs:errorBar>
+    <cs:lnRef idx="0"/>
+    <cs:fillRef idx="0"/>
+    <cs:effectRef idx="0"/>
+    <cs:fontRef idx="minor">
+      <a:schemeClr val="tx1"/>
+    </cs:fontRef>
+    <cs:spPr>
+      <a:ln w="9525" cap="flat" cmpd="sng" algn="ctr">
+        <a:solidFill>
+          <a:schemeClr val="tx1">
+            <a:lumMod val="65000"/>
+            <a:lumOff val="35000"/>
+          </a:schemeClr>
+        </a:solidFill>
+        <a:round/>
+      </a:ln>
+    </cs:spPr>
+  </cs:errorBar>
+  <cs:floor>
+    <cs:lnRef idx="0"/>
+    <cs:fillRef idx="0"/>
+    <cs:effectRef idx="0"/>
+    <cs:fontRef idx="minor">
+      <a:schemeClr val="tx1"/>
+    </cs:fontRef>
+    <cs:spPr>
+      <a:noFill/>
+      <a:ln>
+        <a:noFill/>
+      </a:ln>
+    </cs:spPr>
+  </cs:floor>
+  <cs:gridlineMajor>
+    <cs:lnRef idx="0"/>
+    <cs:fillRef idx="0"/>
+    <cs:effectRef idx="0"/>
+    <cs:fontRef idx="minor">
+      <a:schemeClr val="tx1"/>
+    </cs:fontRef>
+    <cs:spPr>
+      <a:ln w="9525" cap="flat" cmpd="sng" algn="ctr">
+        <a:solidFill>
+          <a:schemeClr val="tx1">
+            <a:lumMod val="15000"/>
+            <a:lumOff val="85000"/>
+          </a:schemeClr>
+        </a:solidFill>
+        <a:round/>
+      </a:ln>
+    </cs:spPr>
+  </cs:gridlineMajor>
+  <cs:gridlineMinor>
+    <cs:lnRef idx="0"/>
+    <cs:fillRef idx="0"/>
+    <cs:effectRef idx="0"/>
+    <cs:fontRef idx="minor">
+      <a:schemeClr val="tx1"/>
+    </cs:fontRef>
+    <cs:spPr>
+      <a:ln w="9525" cap="flat" cmpd="sng" algn="ctr">
+        <a:solidFill>
+          <a:schemeClr val="tx1">
+            <a:lumMod val="5000"/>
+            <a:lumOff val="95000"/>
+          </a:schemeClr>
+        </a:solidFill>
+        <a:round/>
+      </a:ln>
+    </cs:spPr>
+  </cs:gridlineMinor>
+  <cs:hiLoLine>
+    <cs:lnRef idx="0"/>
+    <cs:fillRef idx="0"/>
+    <cs:effectRef idx="0"/>
+    <cs:fontRef idx="minor">
+      <a:schemeClr val="tx1"/>
+    </cs:fontRef>
+    <cs:spPr>
+      <a:ln w="9525" cap="flat" cmpd="sng" algn="ctr">
+        <a:solidFill>
+          <a:schemeClr val="tx1">
+            <a:lumMod val="75000"/>
+            <a:lumOff val="25000"/>
+          </a:schemeClr>
+        </a:solidFill>
+        <a:round/>
+      </a:ln>
+    </cs:spPr>
+  </cs:hiLoLine>
+  <cs:leaderLine>
+    <cs:lnRef idx="0"/>
+    <cs:fillRef idx="0"/>
+    <cs:effectRef idx="0"/>
+    <cs:fontRef idx="minor">
+      <a:schemeClr val="tx1"/>
+    </cs:fontRef>
+    <cs:spPr>
+      <a:ln w="9525" cap="flat" cmpd="sng" algn="ctr">
+        <a:solidFill>
+          <a:schemeClr val="tx1">
+            <a:lumMod val="35000"/>
+            <a:lumOff val="65000"/>
+          </a:schemeClr>
+        </a:solidFill>
+        <a:round/>
+      </a:ln>
+    </cs:spPr>
+  </cs:leaderLine>
+  <cs:legend>
+    <cs:lnRef idx="0"/>
+    <cs:fillRef idx="0"/>
+    <cs:effectRef idx="0"/>
+    <cs:fontRef idx="minor">
+      <a:schemeClr val="tx1">
+        <a:lumMod val="65000"/>
+        <a:lumOff val="35000"/>
+      </a:schemeClr>
+    </cs:fontRef>
+    <cs:defRPr sz="900" kern="1200"/>
+  </cs:legend>
+  <cs:plotArea mods="allowNoFillOverride allowNoLineOverride">
+    <cs:lnRef idx="0"/>
+    <cs:fillRef idx="0"/>
+    <cs:effectRef idx="0"/>
+    <cs:fontRef idx="minor">
+      <a:schemeClr val="tx1"/>
+    </cs:fontRef>
+  </cs:plotArea>
+  <cs:plotArea3D mods="allowNoFillOverride allowNoLineOverride">
+    <cs:lnRef idx="0"/>
+    <cs:fillRef idx="0"/>
+    <cs:effectRef idx="0"/>
+    <cs:fontRef idx="minor">
+      <a:schemeClr val="tx1"/>
+    </cs:fontRef>
+  </cs:plotArea3D>
+  <cs:seriesAxis>
+    <cs:lnRef idx="0"/>
+    <cs:fillRef idx="0"/>
+    <cs:effectRef idx="0"/>
+    <cs:fontRef idx="minor">
+      <a:schemeClr val="tx1">
+        <a:lumMod val="65000"/>
+        <a:lumOff val="35000"/>
+      </a:schemeClr>
+    </cs:fontRef>
+    <cs:defRPr sz="900" kern="1200"/>
+  </cs:seriesAxis>
+  <cs:seriesLine>
+    <cs:lnRef idx="0"/>
+    <cs:fillRef idx="0"/>
+    <cs:effectRef idx="0"/>
+    <cs:fontRef idx="minor">
+      <a:schemeClr val="tx1"/>
+    </cs:fontRef>
+    <cs:spPr>
+      <a:ln w="9525" cap="flat" cmpd="sng" algn="ctr">
+        <a:solidFill>
+          <a:schemeClr val="tx1">
+            <a:lumMod val="35000"/>
+            <a:lumOff val="65000"/>
+          </a:schemeClr>
+        </a:solidFill>
+        <a:round/>
+      </a:ln>
+    </cs:spPr>
+  </cs:seriesLine>
+  <cs:title>
+    <cs:lnRef idx="0"/>
+    <cs:fillRef idx="0"/>
+    <cs:effectRef idx="0"/>
+    <cs:fontRef idx="minor">
+      <a:schemeClr val="tx1">
+        <a:lumMod val="65000"/>
+        <a:lumOff val="35000"/>
+      </a:schemeClr>
+    </cs:fontRef>
+    <cs:defRPr sz="1400" b="0" kern="1200" spc="0" baseline="0"/>
+  </cs:title>
+  <cs:trendline>
+    <cs:lnRef idx="0">
+      <cs:styleClr val="auto"/>
+    </cs:lnRef>
+    <cs:fillRef idx="0"/>
+    <cs:effectRef idx="0"/>
+    <cs:fontRef idx="minor">
+      <a:schemeClr val="tx1"/>
+    </cs:fontRef>
+    <cs:spPr>
+      <a:ln w="19050" cap="rnd">
+        <a:solidFill>
+          <a:schemeClr val="phClr"/>
+        </a:solidFill>
+        <a:prstDash val="sysDot"/>
+      </a:ln>
+    </cs:spPr>
+  </cs:trendline>
+  <cs:trendlineLabel>
+    <cs:lnRef idx="0"/>
+    <cs:fillRef idx="0"/>
+    <cs:effectRef idx="0"/>
+    <cs:fontRef idx="minor">
+      <a:schemeClr val="tx1">
+        <a:lumMod val="65000"/>
+        <a:lumOff val="35000"/>
+      </a:schemeClr>
+    </cs:fontRef>
+    <cs:defRPr sz="900" kern="1200"/>
+  </cs:trendlineLabel>
+  <cs:upBar>
+    <cs:lnRef idx="0"/>
+    <cs:fillRef idx="0"/>
+    <cs:effectRef idx="0"/>
+    <cs:fontRef idx="minor">
+      <a:schemeClr val="dk1"/>
+    </cs:fontRef>
+    <cs:spPr>
+      <a:solidFill>
+        <a:schemeClr val="lt1"/>
+      </a:solidFill>
+      <a:ln w="9525">
+        <a:solidFill>
+          <a:schemeClr val="tx1">
+            <a:lumMod val="15000"/>
+            <a:lumOff val="85000"/>
+          </a:schemeClr>
+        </a:solidFill>
+      </a:ln>
+    </cs:spPr>
+  </cs:upBar>
+  <cs:valueAxis>
+    <cs:lnRef idx="0"/>
+    <cs:fillRef idx="0"/>
+    <cs:effectRef idx="0"/>
+    <cs:fontRef idx="minor">
+      <a:schemeClr val="tx1">
+        <a:lumMod val="65000"/>
+        <a:lumOff val="35000"/>
+      </a:schemeClr>
+    </cs:fontRef>
+    <cs:defRPr sz="900" kern="1200"/>
+  </cs:valueAxis>
+  <cs:wall>
+    <cs:lnRef idx="0"/>
+    <cs:fillRef idx="0"/>
+    <cs:effectRef idx="0"/>
+    <cs:fontRef idx="minor">
+      <a:schemeClr val="tx1"/>
+    </cs:fontRef>
+    <cs:spPr>
+      <a:noFill/>
+      <a:ln>
+        <a:noFill/>
+      </a:ln>
+    </cs:spPr>
+  </cs:wall>
+</cs:chartStyle>
 </file>
 
 <file path=ppt/slideLayouts/slideLayout1.xml><?xml version="1.0" encoding="utf-8"?>
@@ -6950,6 +15023,932 @@
 </p:sld>
 </file>
 
+<file path=ppt/slides/slide10.xml><?xml version="1.0" encoding="utf-8"?>
+<p:sld xmlns:a="http://schemas.openxmlformats.org/drawingml/2006/main" xmlns:r="http://schemas.openxmlformats.org/officeDocument/2006/relationships" xmlns:p="http://schemas.openxmlformats.org/presentationml/2006/main">
+  <p:cSld>
+    <p:spTree>
+      <p:nvGrpSpPr>
+        <p:cNvPr id="1" name=""/>
+        <p:cNvGrpSpPr/>
+        <p:nvPr/>
+      </p:nvGrpSpPr>
+      <p:grpSpPr>
+        <a:xfrm>
+          <a:off x="0" y="0"/>
+          <a:ext cx="0" cy="0"/>
+          <a:chOff x="0" y="0"/>
+          <a:chExt cx="0" cy="0"/>
+        </a:xfrm>
+      </p:grpSpPr>
+      <p:sp>
+        <p:nvSpPr>
+          <p:cNvPr id="2" name="Title 1"/>
+          <p:cNvSpPr>
+            <a:spLocks noGrp="1"/>
+          </p:cNvSpPr>
+          <p:nvPr>
+            <p:ph type="title"/>
+          </p:nvPr>
+        </p:nvSpPr>
+        <p:spPr/>
+        <p:txBody>
+          <a:bodyPr/>
+          <a:lstStyle/>
+          <a:p>
+            <a:r>
+              <a:rPr lang="en-US" dirty="0"/>
+              <a:t>DOES YOUR INSTITUTION AFFECT EARNINGS? </a:t>
+            </a:r>
+            <a:r>
+              <a:rPr lang="en-US" dirty="0" smtClean="0"/>
+              <a:t>(DR)</a:t>
+            </a:r>
+            <a:endParaRPr lang="en-US" dirty="0"/>
+          </a:p>
+        </p:txBody>
+      </p:sp>
+      <p:pic>
+        <p:nvPicPr>
+          <p:cNvPr id="5" name="Content Placeholder 4"/>
+          <p:cNvPicPr>
+            <a:picLocks noGrp="1" noChangeAspect="1"/>
+          </p:cNvPicPr>
+          <p:nvPr>
+            <p:ph idx="1"/>
+          </p:nvPr>
+        </p:nvPicPr>
+        <p:blipFill>
+          <a:blip r:embed="rId2">
+            <a:extLst>
+              <a:ext uri="{28A0092B-C50C-407E-A947-70E740481C1C}">
+                <a14:useLocalDpi xmlns:a14="http://schemas.microsoft.com/office/drawing/2010/main" val="0"/>
+              </a:ext>
+            </a:extLst>
+          </a:blip>
+          <a:stretch>
+            <a:fillRect/>
+          </a:stretch>
+        </p:blipFill>
+        <p:spPr>
+          <a:xfrm>
+            <a:off x="2574057" y="1874517"/>
+            <a:ext cx="6805470" cy="4963198"/>
+          </a:xfrm>
+        </p:spPr>
+      </p:pic>
+    </p:spTree>
+    <p:extLst>
+      <p:ext uri="{BB962C8B-B14F-4D97-AF65-F5344CB8AC3E}">
+        <p14:creationId xmlns:p14="http://schemas.microsoft.com/office/powerpoint/2010/main" val="1628824119"/>
+      </p:ext>
+    </p:extLst>
+  </p:cSld>
+  <p:clrMapOvr>
+    <a:masterClrMapping/>
+  </p:clrMapOvr>
+</p:sld>
+</file>
+
+<file path=ppt/slides/slide11.xml><?xml version="1.0" encoding="utf-8"?>
+<p:sld xmlns:a="http://schemas.openxmlformats.org/drawingml/2006/main" xmlns:r="http://schemas.openxmlformats.org/officeDocument/2006/relationships" xmlns:p="http://schemas.openxmlformats.org/presentationml/2006/main">
+  <p:cSld>
+    <p:spTree>
+      <p:nvGrpSpPr>
+        <p:cNvPr id="1" name=""/>
+        <p:cNvGrpSpPr/>
+        <p:nvPr/>
+      </p:nvGrpSpPr>
+      <p:grpSpPr>
+        <a:xfrm>
+          <a:off x="0" y="0"/>
+          <a:ext cx="0" cy="0"/>
+          <a:chOff x="0" y="0"/>
+          <a:chExt cx="0" cy="0"/>
+        </a:xfrm>
+      </p:grpSpPr>
+      <p:sp>
+        <p:nvSpPr>
+          <p:cNvPr id="2" name="Title 1"/>
+          <p:cNvSpPr>
+            <a:spLocks noGrp="1"/>
+          </p:cNvSpPr>
+          <p:nvPr>
+            <p:ph type="title"/>
+          </p:nvPr>
+        </p:nvSpPr>
+        <p:spPr/>
+        <p:txBody>
+          <a:bodyPr/>
+          <a:lstStyle/>
+          <a:p>
+            <a:r>
+              <a:rPr lang="en-US" dirty="0" smtClean="0"/>
+              <a:t>VALUE CHANGES IN SALARIES: TEXAS </a:t>
+            </a:r>
+            <a:endParaRPr lang="en-US" dirty="0"/>
+          </a:p>
+        </p:txBody>
+      </p:sp>
+      <p:graphicFrame>
+        <p:nvGraphicFramePr>
+          <p:cNvPr id="4" name="Content Placeholder 3"/>
+          <p:cNvGraphicFramePr>
+            <a:graphicFrameLocks noGrp="1"/>
+          </p:cNvGraphicFramePr>
+          <p:nvPr>
+            <p:ph idx="1"/>
+            <p:extLst>
+              <p:ext uri="{D42A27DB-BD31-4B8C-83A1-F6EECF244321}">
+                <p14:modId xmlns:p14="http://schemas.microsoft.com/office/powerpoint/2010/main" val="1079914512"/>
+              </p:ext>
+            </p:extLst>
+          </p:nvPr>
+        </p:nvGraphicFramePr>
+        <p:xfrm>
+          <a:off x="1066800" y="1634836"/>
+          <a:ext cx="10363200" cy="4245264"/>
+        </p:xfrm>
+        <a:graphic>
+          <a:graphicData uri="http://schemas.openxmlformats.org/drawingml/2006/chart">
+            <c:chart xmlns:c="http://schemas.openxmlformats.org/drawingml/2006/chart" xmlns:r="http://schemas.openxmlformats.org/officeDocument/2006/relationships" r:id="rId2"/>
+          </a:graphicData>
+        </a:graphic>
+      </p:graphicFrame>
+    </p:spTree>
+    <p:extLst>
+      <p:ext uri="{BB962C8B-B14F-4D97-AF65-F5344CB8AC3E}">
+        <p14:creationId xmlns:p14="http://schemas.microsoft.com/office/powerpoint/2010/main" val="1280048414"/>
+      </p:ext>
+    </p:extLst>
+  </p:cSld>
+  <p:clrMapOvr>
+    <a:masterClrMapping/>
+  </p:clrMapOvr>
+</p:sld>
+</file>
+
+<file path=ppt/slides/slide12.xml><?xml version="1.0" encoding="utf-8"?>
+<p:sld xmlns:a="http://schemas.openxmlformats.org/drawingml/2006/main" xmlns:r="http://schemas.openxmlformats.org/officeDocument/2006/relationships" xmlns:p="http://schemas.openxmlformats.org/presentationml/2006/main">
+  <p:cSld>
+    <p:spTree>
+      <p:nvGrpSpPr>
+        <p:cNvPr id="1" name=""/>
+        <p:cNvGrpSpPr/>
+        <p:nvPr/>
+      </p:nvGrpSpPr>
+      <p:grpSpPr>
+        <a:xfrm>
+          <a:off x="0" y="0"/>
+          <a:ext cx="0" cy="0"/>
+          <a:chOff x="0" y="0"/>
+          <a:chExt cx="0" cy="0"/>
+        </a:xfrm>
+      </p:grpSpPr>
+      <p:sp>
+        <p:nvSpPr>
+          <p:cNvPr id="2" name="Title 1"/>
+          <p:cNvSpPr>
+            <a:spLocks noGrp="1"/>
+          </p:cNvSpPr>
+          <p:nvPr>
+            <p:ph type="title"/>
+          </p:nvPr>
+        </p:nvSpPr>
+        <p:spPr/>
+        <p:txBody>
+          <a:bodyPr/>
+          <a:lstStyle/>
+          <a:p>
+            <a:r>
+              <a:rPr lang="en-US" dirty="0" smtClean="0"/>
+              <a:t>VALUE CHANGES IN SALARIES: TEXAS</a:t>
+            </a:r>
+            <a:endParaRPr lang="en-US" dirty="0"/>
+          </a:p>
+        </p:txBody>
+      </p:sp>
+      <p:graphicFrame>
+        <p:nvGraphicFramePr>
+          <p:cNvPr id="4" name="Chart 3"/>
+          <p:cNvGraphicFramePr>
+            <a:graphicFrameLocks/>
+          </p:cNvGraphicFramePr>
+          <p:nvPr>
+            <p:extLst>
+              <p:ext uri="{D42A27DB-BD31-4B8C-83A1-F6EECF244321}">
+                <p14:modId xmlns:p14="http://schemas.microsoft.com/office/powerpoint/2010/main" val="5541176"/>
+              </p:ext>
+            </p:extLst>
+          </p:nvPr>
+        </p:nvGraphicFramePr>
+        <p:xfrm>
+          <a:off x="1251678" y="1579707"/>
+          <a:ext cx="9527158" cy="4737966"/>
+        </p:xfrm>
+        <a:graphic>
+          <a:graphicData uri="http://schemas.openxmlformats.org/drawingml/2006/chart">
+            <c:chart xmlns:c="http://schemas.openxmlformats.org/drawingml/2006/chart" xmlns:r="http://schemas.openxmlformats.org/officeDocument/2006/relationships" r:id="rId2"/>
+          </a:graphicData>
+        </a:graphic>
+      </p:graphicFrame>
+    </p:spTree>
+    <p:extLst>
+      <p:ext uri="{BB962C8B-B14F-4D97-AF65-F5344CB8AC3E}">
+        <p14:creationId xmlns:p14="http://schemas.microsoft.com/office/powerpoint/2010/main" val="1681162032"/>
+      </p:ext>
+    </p:extLst>
+  </p:cSld>
+  <p:clrMapOvr>
+    <a:masterClrMapping/>
+  </p:clrMapOvr>
+</p:sld>
+</file>
+
+<file path=ppt/slides/slide13.xml><?xml version="1.0" encoding="utf-8"?>
+<p:sld xmlns:a="http://schemas.openxmlformats.org/drawingml/2006/main" xmlns:r="http://schemas.openxmlformats.org/officeDocument/2006/relationships" xmlns:p="http://schemas.openxmlformats.org/presentationml/2006/main">
+  <p:cSld>
+    <p:spTree>
+      <p:nvGrpSpPr>
+        <p:cNvPr id="1" name=""/>
+        <p:cNvGrpSpPr/>
+        <p:nvPr/>
+      </p:nvGrpSpPr>
+      <p:grpSpPr>
+        <a:xfrm>
+          <a:off x="0" y="0"/>
+          <a:ext cx="0" cy="0"/>
+          <a:chOff x="0" y="0"/>
+          <a:chExt cx="0" cy="0"/>
+        </a:xfrm>
+      </p:grpSpPr>
+      <p:sp>
+        <p:nvSpPr>
+          <p:cNvPr id="2" name="Title 1"/>
+          <p:cNvSpPr>
+            <a:spLocks noGrp="1"/>
+          </p:cNvSpPr>
+          <p:nvPr>
+            <p:ph type="title"/>
+          </p:nvPr>
+        </p:nvSpPr>
+        <p:spPr/>
+        <p:txBody>
+          <a:bodyPr/>
+          <a:lstStyle/>
+          <a:p>
+            <a:r>
+              <a:rPr lang="en-US" dirty="0" smtClean="0"/>
+              <a:t>VALUE CHANGES IN SALARY: TEXAS</a:t>
+            </a:r>
+            <a:endParaRPr lang="en-US" dirty="0"/>
+          </a:p>
+        </p:txBody>
+      </p:sp>
+      <p:graphicFrame>
+        <p:nvGraphicFramePr>
+          <p:cNvPr id="4" name="Content Placeholder 3"/>
+          <p:cNvGraphicFramePr>
+            <a:graphicFrameLocks noGrp="1"/>
+          </p:cNvGraphicFramePr>
+          <p:nvPr>
+            <p:ph idx="1"/>
+            <p:extLst>
+              <p:ext uri="{D42A27DB-BD31-4B8C-83A1-F6EECF244321}">
+                <p14:modId xmlns:p14="http://schemas.microsoft.com/office/powerpoint/2010/main" val="870476990"/>
+              </p:ext>
+            </p:extLst>
+          </p:nvPr>
+        </p:nvGraphicFramePr>
+        <p:xfrm>
+          <a:off x="1250949" y="1662545"/>
+          <a:ext cx="10414577" cy="4217555"/>
+        </p:xfrm>
+        <a:graphic>
+          <a:graphicData uri="http://schemas.openxmlformats.org/drawingml/2006/chart">
+            <c:chart xmlns:c="http://schemas.openxmlformats.org/drawingml/2006/chart" xmlns:r="http://schemas.openxmlformats.org/officeDocument/2006/relationships" r:id="rId2"/>
+          </a:graphicData>
+        </a:graphic>
+      </p:graphicFrame>
+    </p:spTree>
+    <p:extLst>
+      <p:ext uri="{BB962C8B-B14F-4D97-AF65-F5344CB8AC3E}">
+        <p14:creationId xmlns:p14="http://schemas.microsoft.com/office/powerpoint/2010/main" val="164968374"/>
+      </p:ext>
+    </p:extLst>
+  </p:cSld>
+  <p:clrMapOvr>
+    <a:masterClrMapping/>
+  </p:clrMapOvr>
+</p:sld>
+</file>
+
+<file path=ppt/slides/slide14.xml><?xml version="1.0" encoding="utf-8"?>
+<p:sld xmlns:a="http://schemas.openxmlformats.org/drawingml/2006/main" xmlns:r="http://schemas.openxmlformats.org/officeDocument/2006/relationships" xmlns:p="http://schemas.openxmlformats.org/presentationml/2006/main">
+  <p:cSld>
+    <p:spTree>
+      <p:nvGrpSpPr>
+        <p:cNvPr id="1" name=""/>
+        <p:cNvGrpSpPr/>
+        <p:nvPr/>
+      </p:nvGrpSpPr>
+      <p:grpSpPr>
+        <a:xfrm>
+          <a:off x="0" y="0"/>
+          <a:ext cx="0" cy="0"/>
+          <a:chOff x="0" y="0"/>
+          <a:chExt cx="0" cy="0"/>
+        </a:xfrm>
+      </p:grpSpPr>
+      <p:sp>
+        <p:nvSpPr>
+          <p:cNvPr id="2" name="Title 1"/>
+          <p:cNvSpPr>
+            <a:spLocks noGrp="1"/>
+          </p:cNvSpPr>
+          <p:nvPr>
+            <p:ph type="title"/>
+          </p:nvPr>
+        </p:nvSpPr>
+        <p:spPr/>
+        <p:txBody>
+          <a:bodyPr/>
+          <a:lstStyle/>
+          <a:p>
+            <a:r>
+              <a:rPr lang="en-US" dirty="0" smtClean="0"/>
+              <a:t>VALUE CHANGES IN SALARY: COLORADO</a:t>
+            </a:r>
+            <a:endParaRPr lang="en-US" dirty="0"/>
+          </a:p>
+        </p:txBody>
+      </p:sp>
+      <p:graphicFrame>
+        <p:nvGraphicFramePr>
+          <p:cNvPr id="6" name="Content Placeholder 5"/>
+          <p:cNvGraphicFramePr>
+            <a:graphicFrameLocks noGrp="1"/>
+          </p:cNvGraphicFramePr>
+          <p:nvPr>
+            <p:ph idx="1"/>
+            <p:extLst>
+              <p:ext uri="{D42A27DB-BD31-4B8C-83A1-F6EECF244321}">
+                <p14:modId xmlns:p14="http://schemas.microsoft.com/office/powerpoint/2010/main" val="1202117170"/>
+              </p:ext>
+            </p:extLst>
+          </p:nvPr>
+        </p:nvGraphicFramePr>
+        <p:xfrm>
+          <a:off x="948906" y="1874517"/>
+          <a:ext cx="10744330" cy="4526283"/>
+        </p:xfrm>
+        <a:graphic>
+          <a:graphicData uri="http://schemas.openxmlformats.org/drawingml/2006/chart">
+            <c:chart xmlns:c="http://schemas.openxmlformats.org/drawingml/2006/chart" xmlns:r="http://schemas.openxmlformats.org/officeDocument/2006/relationships" r:id="rId2"/>
+          </a:graphicData>
+        </a:graphic>
+      </p:graphicFrame>
+    </p:spTree>
+    <p:extLst>
+      <p:ext uri="{BB962C8B-B14F-4D97-AF65-F5344CB8AC3E}">
+        <p14:creationId xmlns:p14="http://schemas.microsoft.com/office/powerpoint/2010/main" val="1057233508"/>
+      </p:ext>
+    </p:extLst>
+  </p:cSld>
+  <p:clrMapOvr>
+    <a:masterClrMapping/>
+  </p:clrMapOvr>
+</p:sld>
+</file>
+
+<file path=ppt/slides/slide15.xml><?xml version="1.0" encoding="utf-8"?>
+<p:sld xmlns:a="http://schemas.openxmlformats.org/drawingml/2006/main" xmlns:r="http://schemas.openxmlformats.org/officeDocument/2006/relationships" xmlns:p="http://schemas.openxmlformats.org/presentationml/2006/main">
+  <p:cSld>
+    <p:spTree>
+      <p:nvGrpSpPr>
+        <p:cNvPr id="1" name=""/>
+        <p:cNvGrpSpPr/>
+        <p:nvPr/>
+      </p:nvGrpSpPr>
+      <p:grpSpPr>
+        <a:xfrm>
+          <a:off x="0" y="0"/>
+          <a:ext cx="0" cy="0"/>
+          <a:chOff x="0" y="0"/>
+          <a:chExt cx="0" cy="0"/>
+        </a:xfrm>
+      </p:grpSpPr>
+      <p:sp>
+        <p:nvSpPr>
+          <p:cNvPr id="2" name="Title 1"/>
+          <p:cNvSpPr>
+            <a:spLocks noGrp="1"/>
+          </p:cNvSpPr>
+          <p:nvPr>
+            <p:ph type="title"/>
+          </p:nvPr>
+        </p:nvSpPr>
+        <p:spPr/>
+        <p:txBody>
+          <a:bodyPr/>
+          <a:lstStyle/>
+          <a:p>
+            <a:r>
+              <a:rPr lang="en-US" dirty="0" smtClean="0"/>
+              <a:t>VALUE CHANGES IN SALARY: COLORADO</a:t>
+            </a:r>
+            <a:endParaRPr lang="en-US" dirty="0"/>
+          </a:p>
+        </p:txBody>
+      </p:sp>
+      <p:graphicFrame>
+        <p:nvGraphicFramePr>
+          <p:cNvPr id="4" name="Content Placeholder 3"/>
+          <p:cNvGraphicFramePr>
+            <a:graphicFrameLocks noGrp="1"/>
+          </p:cNvGraphicFramePr>
+          <p:nvPr>
+            <p:ph idx="1"/>
+            <p:extLst>
+              <p:ext uri="{D42A27DB-BD31-4B8C-83A1-F6EECF244321}">
+                <p14:modId xmlns:p14="http://schemas.microsoft.com/office/powerpoint/2010/main" val="597438486"/>
+              </p:ext>
+            </p:extLst>
+          </p:nvPr>
+        </p:nvGraphicFramePr>
+        <p:xfrm>
+          <a:off x="1251678" y="1874517"/>
+          <a:ext cx="10463722" cy="4005583"/>
+        </p:xfrm>
+        <a:graphic>
+          <a:graphicData uri="http://schemas.openxmlformats.org/drawingml/2006/chart">
+            <c:chart xmlns:c="http://schemas.openxmlformats.org/drawingml/2006/chart" xmlns:r="http://schemas.openxmlformats.org/officeDocument/2006/relationships" r:id="rId2"/>
+          </a:graphicData>
+        </a:graphic>
+      </p:graphicFrame>
+    </p:spTree>
+    <p:extLst>
+      <p:ext uri="{BB962C8B-B14F-4D97-AF65-F5344CB8AC3E}">
+        <p14:creationId xmlns:p14="http://schemas.microsoft.com/office/powerpoint/2010/main" val="174441296"/>
+      </p:ext>
+    </p:extLst>
+  </p:cSld>
+  <p:clrMapOvr>
+    <a:masterClrMapping/>
+  </p:clrMapOvr>
+</p:sld>
+</file>
+
+<file path=ppt/slides/slide16.xml><?xml version="1.0" encoding="utf-8"?>
+<p:sld xmlns:a="http://schemas.openxmlformats.org/drawingml/2006/main" xmlns:r="http://schemas.openxmlformats.org/officeDocument/2006/relationships" xmlns:p="http://schemas.openxmlformats.org/presentationml/2006/main">
+  <p:cSld>
+    <p:spTree>
+      <p:nvGrpSpPr>
+        <p:cNvPr id="1" name=""/>
+        <p:cNvGrpSpPr/>
+        <p:nvPr/>
+      </p:nvGrpSpPr>
+      <p:grpSpPr>
+        <a:xfrm>
+          <a:off x="0" y="0"/>
+          <a:ext cx="0" cy="0"/>
+          <a:chOff x="0" y="0"/>
+          <a:chExt cx="0" cy="0"/>
+        </a:xfrm>
+      </p:grpSpPr>
+      <p:sp>
+        <p:nvSpPr>
+          <p:cNvPr id="2" name="Title 1"/>
+          <p:cNvSpPr>
+            <a:spLocks noGrp="1"/>
+          </p:cNvSpPr>
+          <p:nvPr>
+            <p:ph type="title"/>
+          </p:nvPr>
+        </p:nvSpPr>
+        <p:spPr/>
+        <p:txBody>
+          <a:bodyPr/>
+          <a:lstStyle/>
+          <a:p>
+            <a:r>
+              <a:rPr lang="en-US" dirty="0" smtClean="0"/>
+              <a:t>VALUE CHANGES IN SALARY: COLORADO</a:t>
+            </a:r>
+            <a:endParaRPr lang="en-US" dirty="0"/>
+          </a:p>
+        </p:txBody>
+      </p:sp>
+      <p:graphicFrame>
+        <p:nvGraphicFramePr>
+          <p:cNvPr id="4" name="Content Placeholder 3"/>
+          <p:cNvGraphicFramePr>
+            <a:graphicFrameLocks noGrp="1"/>
+          </p:cNvGraphicFramePr>
+          <p:nvPr>
+            <p:ph idx="1"/>
+            <p:extLst>
+              <p:ext uri="{D42A27DB-BD31-4B8C-83A1-F6EECF244321}">
+                <p14:modId xmlns:p14="http://schemas.microsoft.com/office/powerpoint/2010/main" val="1336381415"/>
+              </p:ext>
+            </p:extLst>
+          </p:nvPr>
+        </p:nvGraphicFramePr>
+        <p:xfrm>
+          <a:off x="1250950" y="2286000"/>
+          <a:ext cx="10179050" cy="3594100"/>
+        </p:xfrm>
+        <a:graphic>
+          <a:graphicData uri="http://schemas.openxmlformats.org/drawingml/2006/chart">
+            <c:chart xmlns:c="http://schemas.openxmlformats.org/drawingml/2006/chart" xmlns:r="http://schemas.openxmlformats.org/officeDocument/2006/relationships" r:id="rId2"/>
+          </a:graphicData>
+        </a:graphic>
+      </p:graphicFrame>
+    </p:spTree>
+    <p:extLst>
+      <p:ext uri="{BB962C8B-B14F-4D97-AF65-F5344CB8AC3E}">
+        <p14:creationId xmlns:p14="http://schemas.microsoft.com/office/powerpoint/2010/main" val="90175"/>
+      </p:ext>
+    </p:extLst>
+  </p:cSld>
+  <p:clrMapOvr>
+    <a:masterClrMapping/>
+  </p:clrMapOvr>
+</p:sld>
+</file>
+
+<file path=ppt/slides/slide17.xml><?xml version="1.0" encoding="utf-8"?>
+<p:sld xmlns:a="http://schemas.openxmlformats.org/drawingml/2006/main" xmlns:r="http://schemas.openxmlformats.org/officeDocument/2006/relationships" xmlns:p="http://schemas.openxmlformats.org/presentationml/2006/main">
+  <p:cSld>
+    <p:spTree>
+      <p:nvGrpSpPr>
+        <p:cNvPr id="1" name=""/>
+        <p:cNvGrpSpPr/>
+        <p:nvPr/>
+      </p:nvGrpSpPr>
+      <p:grpSpPr>
+        <a:xfrm>
+          <a:off x="0" y="0"/>
+          <a:ext cx="0" cy="0"/>
+          <a:chOff x="0" y="0"/>
+          <a:chExt cx="0" cy="0"/>
+        </a:xfrm>
+      </p:grpSpPr>
+      <p:sp>
+        <p:nvSpPr>
+          <p:cNvPr id="2" name="Title 1"/>
+          <p:cNvSpPr>
+            <a:spLocks noGrp="1"/>
+          </p:cNvSpPr>
+          <p:nvPr>
+            <p:ph type="title"/>
+          </p:nvPr>
+        </p:nvSpPr>
+        <p:spPr/>
+        <p:txBody>
+          <a:bodyPr/>
+          <a:lstStyle/>
+          <a:p>
+            <a:r>
+              <a:rPr lang="en-US" dirty="0" smtClean="0"/>
+              <a:t>CONCLUSIONS </a:t>
+            </a:r>
+            <a:endParaRPr lang="en-US" dirty="0"/>
+          </a:p>
+        </p:txBody>
+      </p:sp>
+      <p:sp>
+        <p:nvSpPr>
+          <p:cNvPr id="3" name="Content Placeholder 2"/>
+          <p:cNvSpPr>
+            <a:spLocks noGrp="1"/>
+          </p:cNvSpPr>
+          <p:nvPr>
+            <p:ph idx="1"/>
+          </p:nvPr>
+        </p:nvSpPr>
+        <p:spPr>
+          <a:xfrm>
+            <a:off x="1251678" y="1587261"/>
+            <a:ext cx="10178322" cy="4292332"/>
+          </a:xfrm>
+        </p:spPr>
+        <p:txBody>
+          <a:bodyPr/>
+          <a:lstStyle/>
+          <a:p>
+            <a:r>
+              <a:rPr lang="en-US" dirty="0" smtClean="0"/>
+              <a:t>The 6 subjects with the highest average salary earning potential for an individual with a Bachelor’s degree are: </a:t>
+            </a:r>
+          </a:p>
+          <a:p>
+            <a:pPr lvl="1"/>
+            <a:r>
+              <a:rPr lang="en-US" dirty="0" smtClean="0"/>
+              <a:t>Texas: Petroleum Engineering, Business, Finance,  Allied Health Professionals, Chemical Engineering and Electrical Engineering. </a:t>
+            </a:r>
+          </a:p>
+          <a:p>
+            <a:pPr lvl="1"/>
+            <a:r>
+              <a:rPr lang="en-US" dirty="0" smtClean="0"/>
+              <a:t>Colorado: Petroleum Engineering, Computer Science, Economics, Electrical Engineering, Chemical Engineering and Mathematics. </a:t>
+            </a:r>
+          </a:p>
+          <a:p>
+            <a:pPr lvl="1"/>
+            <a:endParaRPr lang="en-US" dirty="0"/>
+          </a:p>
+          <a:p>
+            <a:pPr lvl="1"/>
+            <a:r>
+              <a:rPr lang="en-US" dirty="0" smtClean="0"/>
+              <a:t>Key points:</a:t>
+            </a:r>
+          </a:p>
+          <a:p>
+            <a:pPr lvl="2"/>
+            <a:r>
+              <a:rPr lang="en-US" dirty="0" smtClean="0"/>
+              <a:t>Across both states, Petroleum Engineering had the highest earning potential. Electrical Engineering and Chemical Engineering are the only other two fields that are in the top 6 in both markets. </a:t>
+            </a:r>
+          </a:p>
+        </p:txBody>
+      </p:sp>
+    </p:spTree>
+    <p:extLst>
+      <p:ext uri="{BB962C8B-B14F-4D97-AF65-F5344CB8AC3E}">
+        <p14:creationId xmlns:p14="http://schemas.microsoft.com/office/powerpoint/2010/main" val="541986291"/>
+      </p:ext>
+    </p:extLst>
+  </p:cSld>
+  <p:clrMapOvr>
+    <a:masterClrMapping/>
+  </p:clrMapOvr>
+</p:sld>
+</file>
+
+<file path=ppt/slides/slide18.xml><?xml version="1.0" encoding="utf-8"?>
+<p:sld xmlns:a="http://schemas.openxmlformats.org/drawingml/2006/main" xmlns:r="http://schemas.openxmlformats.org/officeDocument/2006/relationships" xmlns:p="http://schemas.openxmlformats.org/presentationml/2006/main">
+  <p:cSld>
+    <p:spTree>
+      <p:nvGrpSpPr>
+        <p:cNvPr id="1" name=""/>
+        <p:cNvGrpSpPr/>
+        <p:nvPr/>
+      </p:nvGrpSpPr>
+      <p:grpSpPr>
+        <a:xfrm>
+          <a:off x="0" y="0"/>
+          <a:ext cx="0" cy="0"/>
+          <a:chOff x="0" y="0"/>
+          <a:chExt cx="0" cy="0"/>
+        </a:xfrm>
+      </p:grpSpPr>
+      <p:sp>
+        <p:nvSpPr>
+          <p:cNvPr id="2" name="Title 1"/>
+          <p:cNvSpPr>
+            <a:spLocks noGrp="1"/>
+          </p:cNvSpPr>
+          <p:nvPr>
+            <p:ph type="title"/>
+          </p:nvPr>
+        </p:nvSpPr>
+        <p:spPr/>
+        <p:txBody>
+          <a:bodyPr/>
+          <a:lstStyle/>
+          <a:p>
+            <a:r>
+              <a:rPr lang="en-US" dirty="0" smtClean="0"/>
+              <a:t>Conclusions</a:t>
+            </a:r>
+            <a:endParaRPr lang="en-US" dirty="0"/>
+          </a:p>
+        </p:txBody>
+      </p:sp>
+      <p:sp>
+        <p:nvSpPr>
+          <p:cNvPr id="3" name="Content Placeholder 2"/>
+          <p:cNvSpPr>
+            <a:spLocks noGrp="1"/>
+          </p:cNvSpPr>
+          <p:nvPr>
+            <p:ph idx="1"/>
+          </p:nvPr>
+        </p:nvSpPr>
+        <p:spPr/>
+        <p:txBody>
+          <a:bodyPr/>
+          <a:lstStyle/>
+          <a:p>
+            <a:r>
+              <a:rPr lang="en-US" dirty="0"/>
+              <a:t>The 6 subjects with the highest average salary earning potential for an individual with a </a:t>
+            </a:r>
+            <a:r>
+              <a:rPr lang="en-US" dirty="0" smtClean="0"/>
+              <a:t>Master’s </a:t>
+            </a:r>
+            <a:r>
+              <a:rPr lang="en-US" dirty="0"/>
+              <a:t>degree are: </a:t>
+            </a:r>
+          </a:p>
+          <a:p>
+            <a:pPr lvl="1"/>
+            <a:r>
+              <a:rPr lang="en-US" dirty="0"/>
+              <a:t>Texas: </a:t>
+            </a:r>
+            <a:r>
+              <a:rPr lang="en-US" dirty="0" smtClean="0"/>
+              <a:t>Business Management, Information Sciences, Engineering, Health Professions, Interdisciplinary Studies and Mathematics. </a:t>
+            </a:r>
+            <a:endParaRPr lang="en-US" dirty="0"/>
+          </a:p>
+          <a:p>
+            <a:pPr lvl="1"/>
+            <a:r>
+              <a:rPr lang="en-US" dirty="0"/>
+              <a:t>Colorado</a:t>
+            </a:r>
+            <a:r>
+              <a:rPr lang="en-US" dirty="0" smtClean="0"/>
+              <a:t>: Health Professions, Physical Sciences, Social Sciences, Engineering, Information Sciences and Business Management. </a:t>
+            </a:r>
+            <a:endParaRPr lang="en-US" dirty="0"/>
+          </a:p>
+          <a:p>
+            <a:pPr lvl="1"/>
+            <a:r>
+              <a:rPr lang="en-US" dirty="0"/>
+              <a:t>Key points:</a:t>
+            </a:r>
+          </a:p>
+          <a:p>
+            <a:pPr lvl="2"/>
+            <a:r>
+              <a:rPr lang="en-US" dirty="0"/>
+              <a:t>Across both states, </a:t>
+            </a:r>
+            <a:r>
+              <a:rPr lang="en-US" dirty="0" smtClean="0"/>
+              <a:t>Business Management is the only masters degree to be in the top 6 earning potential category. </a:t>
+            </a:r>
+            <a:endParaRPr lang="en-US" dirty="0"/>
+          </a:p>
+          <a:p>
+            <a:endParaRPr lang="en-US" dirty="0"/>
+          </a:p>
+        </p:txBody>
+      </p:sp>
+    </p:spTree>
+    <p:extLst>
+      <p:ext uri="{BB962C8B-B14F-4D97-AF65-F5344CB8AC3E}">
+        <p14:creationId xmlns:p14="http://schemas.microsoft.com/office/powerpoint/2010/main" val="1969787590"/>
+      </p:ext>
+    </p:extLst>
+  </p:cSld>
+  <p:clrMapOvr>
+    <a:masterClrMapping/>
+  </p:clrMapOvr>
+</p:sld>
+</file>
+
+<file path=ppt/slides/slide19.xml><?xml version="1.0" encoding="utf-8"?>
+<p:sld xmlns:a="http://schemas.openxmlformats.org/drawingml/2006/main" xmlns:r="http://schemas.openxmlformats.org/officeDocument/2006/relationships" xmlns:p="http://schemas.openxmlformats.org/presentationml/2006/main">
+  <p:cSld>
+    <p:spTree>
+      <p:nvGrpSpPr>
+        <p:cNvPr id="1" name=""/>
+        <p:cNvGrpSpPr/>
+        <p:nvPr/>
+      </p:nvGrpSpPr>
+      <p:grpSpPr>
+        <a:xfrm>
+          <a:off x="0" y="0"/>
+          <a:ext cx="0" cy="0"/>
+          <a:chOff x="0" y="0"/>
+          <a:chExt cx="0" cy="0"/>
+        </a:xfrm>
+      </p:grpSpPr>
+      <p:sp>
+        <p:nvSpPr>
+          <p:cNvPr id="2" name="Title 1"/>
+          <p:cNvSpPr>
+            <a:spLocks noGrp="1"/>
+          </p:cNvSpPr>
+          <p:nvPr>
+            <p:ph type="title"/>
+          </p:nvPr>
+        </p:nvSpPr>
+        <p:spPr/>
+        <p:txBody>
+          <a:bodyPr/>
+          <a:lstStyle/>
+          <a:p>
+            <a:r>
+              <a:rPr lang="en-US" dirty="0" smtClean="0"/>
+              <a:t>Conclusions</a:t>
+            </a:r>
+            <a:endParaRPr lang="en-US" dirty="0"/>
+          </a:p>
+        </p:txBody>
+      </p:sp>
+      <p:sp>
+        <p:nvSpPr>
+          <p:cNvPr id="3" name="Content Placeholder 2"/>
+          <p:cNvSpPr>
+            <a:spLocks noGrp="1"/>
+          </p:cNvSpPr>
+          <p:nvPr>
+            <p:ph idx="1"/>
+          </p:nvPr>
+        </p:nvSpPr>
+        <p:spPr/>
+        <p:txBody>
+          <a:bodyPr/>
+          <a:lstStyle/>
+          <a:p>
+            <a:r>
+              <a:rPr lang="en-US" dirty="0"/>
+              <a:t>The 6 subjects with the highest average salary earning potential for an individual with a </a:t>
+            </a:r>
+            <a:r>
+              <a:rPr lang="en-US" dirty="0" smtClean="0"/>
+              <a:t>Doctoral degree </a:t>
+            </a:r>
+            <a:r>
+              <a:rPr lang="en-US" dirty="0"/>
+              <a:t>are: </a:t>
+            </a:r>
+          </a:p>
+          <a:p>
+            <a:pPr lvl="1"/>
+            <a:r>
+              <a:rPr lang="en-US" dirty="0"/>
+              <a:t>Texas: </a:t>
+            </a:r>
+            <a:r>
+              <a:rPr lang="en-US" dirty="0" smtClean="0"/>
+              <a:t>Medicine, Dentistry, Law, Pharmaceutical, Therapeutic Professions and Communications. </a:t>
+            </a:r>
+            <a:endParaRPr lang="en-US" dirty="0"/>
+          </a:p>
+          <a:p>
+            <a:pPr lvl="1"/>
+            <a:r>
+              <a:rPr lang="en-US" dirty="0"/>
+              <a:t>Colorado: </a:t>
+            </a:r>
+            <a:r>
+              <a:rPr lang="en-US" dirty="0" smtClean="0"/>
+              <a:t>Medicine, Dentistry, Pharmaceutical, Education Administration, Law and Registered Nursing. </a:t>
+            </a:r>
+          </a:p>
+          <a:p>
+            <a:pPr lvl="1"/>
+            <a:r>
+              <a:rPr lang="en-US" dirty="0" smtClean="0"/>
+              <a:t>Key </a:t>
+            </a:r>
+            <a:r>
+              <a:rPr lang="en-US" dirty="0"/>
+              <a:t>points:</a:t>
+            </a:r>
+          </a:p>
+          <a:p>
+            <a:pPr lvl="2"/>
+            <a:r>
+              <a:rPr lang="en-US" dirty="0"/>
+              <a:t>Across both states, </a:t>
+            </a:r>
+            <a:r>
+              <a:rPr lang="en-US" dirty="0" smtClean="0"/>
+              <a:t>Medicine, Dentistry, Law and Pharmaceutical are within the top 6 earning potential salary range. </a:t>
+            </a:r>
+            <a:endParaRPr lang="en-US" dirty="0"/>
+          </a:p>
+          <a:p>
+            <a:endParaRPr lang="en-US" dirty="0"/>
+          </a:p>
+        </p:txBody>
+      </p:sp>
+    </p:spTree>
+    <p:extLst>
+      <p:ext uri="{BB962C8B-B14F-4D97-AF65-F5344CB8AC3E}">
+        <p14:creationId xmlns:p14="http://schemas.microsoft.com/office/powerpoint/2010/main" val="859770613"/>
+      </p:ext>
+    </p:extLst>
+  </p:cSld>
+  <p:clrMapOvr>
+    <a:masterClrMapping/>
+  </p:clrMapOvr>
+</p:sld>
+</file>
+
 <file path=ppt/slides/slide2.xml><?xml version="1.0" encoding="utf-8"?>
 <p:sld xmlns:a="http://schemas.openxmlformats.org/drawingml/2006/main" xmlns:r="http://schemas.openxmlformats.org/officeDocument/2006/relationships" xmlns:p="http://schemas.openxmlformats.org/presentationml/2006/main">
   <p:cSld>
@@ -7036,8 +16035,13 @@
             <a:pPr lvl="1"/>
             <a:r>
               <a:rPr lang="en-US" dirty="0" smtClean="0"/>
-              <a:t>Does your institution of choice play a role in earnings? To what extent?</a:t>
+              <a:t>Does your institution of choice play a role in earnings</a:t>
             </a:r>
+            <a:r>
+              <a:rPr lang="en-US" dirty="0" smtClean="0"/>
+              <a:t>?</a:t>
+            </a:r>
+            <a:endParaRPr lang="en-US" dirty="0" smtClean="0"/>
           </a:p>
           <a:p>
             <a:pPr lvl="2"/>
@@ -7066,6 +16070,174 @@
     <p:extLst>
       <p:ext uri="{BB962C8B-B14F-4D97-AF65-F5344CB8AC3E}">
         <p14:creationId xmlns:p14="http://schemas.microsoft.com/office/powerpoint/2010/main" val="596467026"/>
+      </p:ext>
+    </p:extLst>
+  </p:cSld>
+  <p:clrMapOvr>
+    <a:masterClrMapping/>
+  </p:clrMapOvr>
+</p:sld>
+</file>
+
+<file path=ppt/slides/slide20.xml><?xml version="1.0" encoding="utf-8"?>
+<p:sld xmlns:a="http://schemas.openxmlformats.org/drawingml/2006/main" xmlns:r="http://schemas.openxmlformats.org/officeDocument/2006/relationships" xmlns:p="http://schemas.openxmlformats.org/presentationml/2006/main">
+  <p:cSld>
+    <p:spTree>
+      <p:nvGrpSpPr>
+        <p:cNvPr id="1" name=""/>
+        <p:cNvGrpSpPr/>
+        <p:nvPr/>
+      </p:nvGrpSpPr>
+      <p:grpSpPr>
+        <a:xfrm>
+          <a:off x="0" y="0"/>
+          <a:ext cx="0" cy="0"/>
+          <a:chOff x="0" y="0"/>
+          <a:chExt cx="0" cy="0"/>
+        </a:xfrm>
+      </p:grpSpPr>
+      <p:sp>
+        <p:nvSpPr>
+          <p:cNvPr id="2" name="Title 1"/>
+          <p:cNvSpPr>
+            <a:spLocks noGrp="1"/>
+          </p:cNvSpPr>
+          <p:nvPr>
+            <p:ph type="title"/>
+          </p:nvPr>
+        </p:nvSpPr>
+        <p:spPr/>
+        <p:txBody>
+          <a:bodyPr/>
+          <a:lstStyle/>
+          <a:p>
+            <a:r>
+              <a:rPr lang="en-US" dirty="0" smtClean="0"/>
+              <a:t>Conclusions </a:t>
+            </a:r>
+            <a:endParaRPr lang="en-US" dirty="0"/>
+          </a:p>
+        </p:txBody>
+      </p:sp>
+      <p:sp>
+        <p:nvSpPr>
+          <p:cNvPr id="3" name="Content Placeholder 2"/>
+          <p:cNvSpPr>
+            <a:spLocks noGrp="1"/>
+          </p:cNvSpPr>
+          <p:nvPr>
+            <p:ph idx="1"/>
+          </p:nvPr>
+        </p:nvSpPr>
+        <p:spPr/>
+        <p:txBody>
+          <a:bodyPr>
+            <a:normAutofit lnSpcReduction="10000"/>
+          </a:bodyPr>
+          <a:lstStyle/>
+          <a:p>
+            <a:r>
+              <a:rPr lang="en-US" dirty="0" smtClean="0"/>
+              <a:t>Reviewing the average earnings for all subjects, the following institutions are within the top 6 salary earnings potential range: </a:t>
+            </a:r>
+          </a:p>
+          <a:p>
+            <a:pPr lvl="1"/>
+            <a:r>
+              <a:rPr lang="en-US" dirty="0" smtClean="0"/>
+              <a:t>Bachelors: Colorado School of Mines,  University of Texas HSC,  University of Texas MB, University of Texas Health Centre SA, </a:t>
+            </a:r>
+            <a:r>
+              <a:rPr lang="en-US" dirty="0"/>
+              <a:t>University of Texas </a:t>
+            </a:r>
+            <a:r>
+              <a:rPr lang="en-US" dirty="0" smtClean="0"/>
+              <a:t>Southwestern and </a:t>
+            </a:r>
+            <a:r>
+              <a:rPr lang="en-US" dirty="0"/>
+              <a:t>University of Texas </a:t>
+            </a:r>
+            <a:r>
+              <a:rPr lang="en-US" dirty="0" smtClean="0"/>
+              <a:t>Anderson Centre. </a:t>
+            </a:r>
+          </a:p>
+          <a:p>
+            <a:pPr lvl="1"/>
+            <a:r>
+              <a:rPr lang="en-US" dirty="0" smtClean="0"/>
+              <a:t>Masters: </a:t>
+            </a:r>
+            <a:r>
+              <a:rPr lang="en-US" dirty="0"/>
+              <a:t>Colorado School of Mines, </a:t>
+            </a:r>
+            <a:r>
+              <a:rPr lang="en-US" dirty="0" smtClean="0"/>
+              <a:t>University </a:t>
+            </a:r>
+            <a:r>
+              <a:rPr lang="en-US" dirty="0"/>
+              <a:t>of Texas MB, University of Texas HSC, </a:t>
+            </a:r>
+            <a:r>
+              <a:rPr lang="en-US" dirty="0" smtClean="0"/>
+              <a:t>University </a:t>
+            </a:r>
+            <a:r>
+              <a:rPr lang="en-US" dirty="0"/>
+              <a:t>of Texas Health Centre SA, University of Texas Southwestern </a:t>
+            </a:r>
+            <a:r>
+              <a:rPr lang="en-US" dirty="0" smtClean="0"/>
+              <a:t>and University of Colorado Colorado Springs. </a:t>
+            </a:r>
+            <a:endParaRPr lang="en-US" dirty="0"/>
+          </a:p>
+          <a:p>
+            <a:pPr lvl="1"/>
+            <a:r>
+              <a:rPr lang="en-US" dirty="0" smtClean="0"/>
+              <a:t>Doctoral: </a:t>
+            </a:r>
+            <a:r>
+              <a:rPr lang="en-US" dirty="0"/>
+              <a:t>Colorado School of Mines,  University of Texas </a:t>
+            </a:r>
+            <a:r>
+              <a:rPr lang="en-US" dirty="0" smtClean="0"/>
+              <a:t>HSC San Antonio,  </a:t>
+            </a:r>
+            <a:r>
+              <a:rPr lang="en-US" dirty="0"/>
+              <a:t>University of Texas </a:t>
+            </a:r>
+            <a:r>
+              <a:rPr lang="en-US" dirty="0" smtClean="0"/>
+              <a:t>HSC, </a:t>
+            </a:r>
+            <a:r>
+              <a:rPr lang="en-US" dirty="0"/>
+              <a:t>University of </a:t>
+            </a:r>
+            <a:r>
+              <a:rPr lang="en-US" dirty="0" smtClean="0"/>
+              <a:t> Pan American, University of Colorado Denver and University of Texas at Arlington. </a:t>
+            </a:r>
+            <a:endParaRPr lang="en-US" dirty="0"/>
+          </a:p>
+          <a:p>
+            <a:pPr lvl="1"/>
+            <a:endParaRPr lang="en-US" dirty="0"/>
+          </a:p>
+        </p:txBody>
+      </p:sp>
+    </p:spTree>
+    <p:extLst>
+      <p:ext uri="{BB962C8B-B14F-4D97-AF65-F5344CB8AC3E}">
+        <p14:creationId xmlns:p14="http://schemas.microsoft.com/office/powerpoint/2010/main" val="525911376"/>
       </p:ext>
     </p:extLst>
   </p:cSld>
@@ -7708,31 +16880,49 @@
           <a:p>
             <a:r>
               <a:rPr lang="en-US" dirty="0" smtClean="0"/>
-              <a:t>Conclusion</a:t>
+              <a:t>DOES YOUR INSTITUTION AFFECT EARNINGS?  (</a:t>
+            </a:r>
+            <a:r>
+              <a:rPr lang="en-US" dirty="0" err="1" smtClean="0"/>
+              <a:t>bs</a:t>
+            </a:r>
+            <a:r>
+              <a:rPr lang="en-US" dirty="0" smtClean="0"/>
+              <a:t>)</a:t>
             </a:r>
             <a:endParaRPr lang="en-US" dirty="0"/>
           </a:p>
         </p:txBody>
       </p:sp>
-      <p:sp>
-        <p:nvSpPr>
-          <p:cNvPr id="3" name="Content Placeholder 2"/>
-          <p:cNvSpPr>
-            <a:spLocks noGrp="1"/>
-          </p:cNvSpPr>
+      <p:pic>
+        <p:nvPicPr>
+          <p:cNvPr id="6" name="Content Placeholder 5"/>
+          <p:cNvPicPr>
+            <a:picLocks noGrp="1" noChangeAspect="1"/>
+          </p:cNvPicPr>
           <p:nvPr>
             <p:ph idx="1"/>
           </p:nvPr>
-        </p:nvSpPr>
-        <p:spPr/>
-        <p:txBody>
-          <a:bodyPr/>
-          <a:lstStyle/>
-          <a:p>
-            <a:endParaRPr lang="en-US" dirty="0"/>
-          </a:p>
-        </p:txBody>
-      </p:sp>
+        </p:nvPicPr>
+        <p:blipFill>
+          <a:blip r:embed="rId2">
+            <a:extLst>
+              <a:ext uri="{28A0092B-C50C-407E-A947-70E740481C1C}">
+                <a14:useLocalDpi xmlns:a14="http://schemas.microsoft.com/office/drawing/2010/main" val="0"/>
+              </a:ext>
+            </a:extLst>
+          </a:blip>
+          <a:stretch>
+            <a:fillRect/>
+          </a:stretch>
+        </p:blipFill>
+        <p:spPr>
+          <a:xfrm>
+            <a:off x="1542624" y="1874517"/>
+            <a:ext cx="9208504" cy="4859587"/>
+          </a:xfrm>
+        </p:spPr>
+      </p:pic>
     </p:spTree>
     <p:extLst>
       <p:ext uri="{BB962C8B-B14F-4D97-AF65-F5344CB8AC3E}">
@@ -7779,36 +16969,50 @@
           <a:lstStyle/>
           <a:p>
             <a:r>
+              <a:rPr lang="en-US" dirty="0"/>
+              <a:t>DOES YOUR INSTITUTION AFFECT EARNINGS? </a:t>
+            </a:r>
+            <a:r>
               <a:rPr lang="en-US" dirty="0" smtClean="0"/>
-              <a:t>Implications</a:t>
+              <a:t>(MS)</a:t>
             </a:r>
             <a:endParaRPr lang="en-US" dirty="0"/>
           </a:p>
         </p:txBody>
       </p:sp>
-      <p:sp>
-        <p:nvSpPr>
-          <p:cNvPr id="3" name="Content Placeholder 2"/>
-          <p:cNvSpPr>
-            <a:spLocks noGrp="1"/>
-          </p:cNvSpPr>
+      <p:pic>
+        <p:nvPicPr>
+          <p:cNvPr id="4" name="Content Placeholder 3"/>
+          <p:cNvPicPr>
+            <a:picLocks noGrp="1" noChangeAspect="1"/>
+          </p:cNvPicPr>
           <p:nvPr>
             <p:ph idx="1"/>
           </p:nvPr>
-        </p:nvSpPr>
-        <p:spPr/>
-        <p:txBody>
-          <a:bodyPr/>
-          <a:lstStyle/>
-          <a:p>
-            <a:endParaRPr lang="en-US"/>
-          </a:p>
-        </p:txBody>
-      </p:sp>
+        </p:nvPicPr>
+        <p:blipFill>
+          <a:blip r:embed="rId2">
+            <a:extLst>
+              <a:ext uri="{28A0092B-C50C-407E-A947-70E740481C1C}">
+                <a14:useLocalDpi xmlns:a14="http://schemas.microsoft.com/office/drawing/2010/main" val="0"/>
+              </a:ext>
+            </a:extLst>
+          </a:blip>
+          <a:stretch>
+            <a:fillRect/>
+          </a:stretch>
+        </p:blipFill>
+        <p:spPr>
+          <a:xfrm>
+            <a:off x="2623277" y="1874517"/>
+            <a:ext cx="6908649" cy="4858287"/>
+          </a:xfrm>
+        </p:spPr>
+      </p:pic>
     </p:spTree>
     <p:extLst>
       <p:ext uri="{BB962C8B-B14F-4D97-AF65-F5344CB8AC3E}">
-        <p14:creationId xmlns:p14="http://schemas.microsoft.com/office/powerpoint/2010/main" val="1628824119"/>
+        <p14:creationId xmlns:p14="http://schemas.microsoft.com/office/powerpoint/2010/main" val="867368562"/>
       </p:ext>
     </p:extLst>
   </p:cSld>
